--- a/Session 1.pptx
+++ b/Session 1.pptx
@@ -7,53 +7,55 @@
     <p:sldMasterId id="2147484327" r:id="rId6"/>
   </p:sldMasterIdLst>
   <p:notesMasterIdLst>
-    <p:notesMasterId r:id="rId48"/>
+    <p:notesMasterId r:id="rId50"/>
   </p:notesMasterIdLst>
   <p:handoutMasterIdLst>
-    <p:handoutMasterId r:id="rId49"/>
+    <p:handoutMasterId r:id="rId51"/>
   </p:handoutMasterIdLst>
   <p:sldIdLst>
     <p:sldId id="258" r:id="rId7"/>
     <p:sldId id="442" r:id="rId8"/>
     <p:sldId id="449" r:id="rId9"/>
     <p:sldId id="446" r:id="rId10"/>
-    <p:sldId id="355" r:id="rId11"/>
-    <p:sldId id="356" r:id="rId12"/>
-    <p:sldId id="396" r:id="rId13"/>
-    <p:sldId id="403" r:id="rId14"/>
-    <p:sldId id="404" r:id="rId15"/>
-    <p:sldId id="405" r:id="rId16"/>
-    <p:sldId id="406" r:id="rId17"/>
-    <p:sldId id="409" r:id="rId18"/>
-    <p:sldId id="407" r:id="rId19"/>
-    <p:sldId id="357" r:id="rId20"/>
-    <p:sldId id="420" r:id="rId21"/>
-    <p:sldId id="429" r:id="rId22"/>
-    <p:sldId id="448" r:id="rId23"/>
-    <p:sldId id="451" r:id="rId24"/>
-    <p:sldId id="450" r:id="rId25"/>
-    <p:sldId id="430" r:id="rId26"/>
-    <p:sldId id="435" r:id="rId27"/>
-    <p:sldId id="431" r:id="rId28"/>
-    <p:sldId id="436" r:id="rId29"/>
-    <p:sldId id="432" r:id="rId30"/>
-    <p:sldId id="437" r:id="rId31"/>
-    <p:sldId id="439" r:id="rId32"/>
+    <p:sldId id="456" r:id="rId11"/>
+    <p:sldId id="355" r:id="rId12"/>
+    <p:sldId id="356" r:id="rId13"/>
+    <p:sldId id="452" r:id="rId14"/>
+    <p:sldId id="396" r:id="rId15"/>
+    <p:sldId id="403" r:id="rId16"/>
+    <p:sldId id="404" r:id="rId17"/>
+    <p:sldId id="405" r:id="rId18"/>
+    <p:sldId id="406" r:id="rId19"/>
+    <p:sldId id="409" r:id="rId20"/>
+    <p:sldId id="407" r:id="rId21"/>
+    <p:sldId id="357" r:id="rId22"/>
+    <p:sldId id="420" r:id="rId23"/>
+    <p:sldId id="448" r:id="rId24"/>
+    <p:sldId id="451" r:id="rId25"/>
+    <p:sldId id="450" r:id="rId26"/>
+    <p:sldId id="430" r:id="rId27"/>
+    <p:sldId id="435" r:id="rId28"/>
+    <p:sldId id="431" r:id="rId29"/>
+    <p:sldId id="436" r:id="rId30"/>
+    <p:sldId id="432" r:id="rId31"/>
+    <p:sldId id="437" r:id="rId32"/>
     <p:sldId id="395" r:id="rId33"/>
     <p:sldId id="438" r:id="rId34"/>
     <p:sldId id="416" r:id="rId35"/>
     <p:sldId id="424" r:id="rId36"/>
-    <p:sldId id="413" r:id="rId37"/>
-    <p:sldId id="425" r:id="rId38"/>
+    <p:sldId id="453" r:id="rId37"/>
+    <p:sldId id="454" r:id="rId38"/>
     <p:sldId id="423" r:id="rId39"/>
-    <p:sldId id="415" r:id="rId40"/>
-    <p:sldId id="417" r:id="rId41"/>
-    <p:sldId id="428" r:id="rId42"/>
-    <p:sldId id="418" r:id="rId43"/>
-    <p:sldId id="426" r:id="rId44"/>
-    <p:sldId id="419" r:id="rId45"/>
-    <p:sldId id="427" r:id="rId46"/>
-    <p:sldId id="421" r:id="rId47"/>
+    <p:sldId id="455" r:id="rId40"/>
+    <p:sldId id="415" r:id="rId41"/>
+    <p:sldId id="417" r:id="rId42"/>
+    <p:sldId id="428" r:id="rId43"/>
+    <p:sldId id="413" r:id="rId44"/>
+    <p:sldId id="418" r:id="rId45"/>
+    <p:sldId id="426" r:id="rId46"/>
+    <p:sldId id="419" r:id="rId47"/>
+    <p:sldId id="427" r:id="rId48"/>
+    <p:sldId id="421" r:id="rId49"/>
   </p:sldIdLst>
   <p:sldSz cx="12436475" cy="6994525"/>
   <p:notesSz cx="6858000" cy="9144000"/>
@@ -161,8 +163,10 @@
             <p14:sldId id="442"/>
             <p14:sldId id="449"/>
             <p14:sldId id="446"/>
+            <p14:sldId id="456"/>
             <p14:sldId id="355"/>
             <p14:sldId id="356"/>
+            <p14:sldId id="452"/>
             <p14:sldId id="396"/>
             <p14:sldId id="403"/>
             <p14:sldId id="404"/>
@@ -172,7 +176,6 @@
             <p14:sldId id="407"/>
             <p14:sldId id="357"/>
             <p14:sldId id="420"/>
-            <p14:sldId id="429"/>
             <p14:sldId id="448"/>
             <p14:sldId id="451"/>
             <p14:sldId id="450"/>
@@ -182,17 +185,18 @@
             <p14:sldId id="436"/>
             <p14:sldId id="432"/>
             <p14:sldId id="437"/>
-            <p14:sldId id="439"/>
             <p14:sldId id="395"/>
             <p14:sldId id="438"/>
             <p14:sldId id="416"/>
             <p14:sldId id="424"/>
-            <p14:sldId id="413"/>
-            <p14:sldId id="425"/>
+            <p14:sldId id="453"/>
+            <p14:sldId id="454"/>
             <p14:sldId id="423"/>
+            <p14:sldId id="455"/>
             <p14:sldId id="415"/>
             <p14:sldId id="417"/>
             <p14:sldId id="428"/>
+            <p14:sldId id="413"/>
             <p14:sldId id="418"/>
             <p14:sldId id="426"/>
             <p14:sldId id="419"/>
@@ -315,7 +319,7 @@
               <a:rPr lang="en-US" smtClean="0">
                 <a:latin typeface="Segoe UI" pitchFamily="34" charset="0"/>
               </a:rPr>
-              <a:t>6/20/2015 10:01 PM</a:t>
+              <a:t>6/28/2015 12:41 PM</a:t>
             </a:fld>
             <a:endParaRPr lang="en-US" dirty="0">
               <a:latin typeface="Segoe UI" pitchFamily="34" charset="0"/>
@@ -617,7 +621,7 @@
           <a:p>
             <a:fld id="{38EEC551-8CDA-4EB6-89BB-2A86C9F091C8}" type="datetime8">
               <a:rPr lang="en-US" smtClean="0"/>
-              <a:t>6/20/2015 10:01 PM</a:t>
+              <a:t>6/28/2015 12:41 PM</a:t>
             </a:fld>
             <a:endParaRPr lang="en-US" dirty="0"/>
           </a:p>
@@ -1015,7 +1019,7 @@
           <a:p>
             <a:fld id="{C6996B83-60CF-42A8-BA06-F99D0BEC30B3}" type="datetime1">
               <a:rPr lang="en-US" smtClean="0"/>
-              <a:t>6/20/2015</a:t>
+              <a:t>6/28/2015</a:t>
             </a:fld>
             <a:endParaRPr lang="en-US" dirty="0"/>
           </a:p>
@@ -1236,7 +1240,7 @@
                 </a:solidFill>
               </a:rPr>
               <a:pPr/>
-              <a:t>6/20/2015</a:t>
+              <a:t>6/28/2015</a:t>
             </a:fld>
             <a:endParaRPr lang="en-US" dirty="0">
               <a:solidFill>
@@ -1446,7 +1450,7 @@
                 </a:solidFill>
               </a:rPr>
               <a:pPr/>
-              <a:t>6/20/2015</a:t>
+              <a:t>6/28/2015</a:t>
             </a:fld>
             <a:endParaRPr lang="en-US" dirty="0">
               <a:solidFill>
@@ -1545,7 +1549,7 @@
           <a:bodyPr/>
           <a:lstStyle/>
           <a:p>
-            <a:endParaRPr lang="en-US"/>
+            <a:endParaRPr lang="en-US" dirty="0"/>
           </a:p>
         </p:txBody>
       </p:sp>
@@ -1566,16 +1570,12 @@
           <a:p>
             <a:r>
               <a:rPr lang="en-US" smtClean="0">
-                <a:solidFill>
-                  <a:prstClr val="black"/>
-                </a:solidFill>
+                <a:latin typeface="Segoe UI" pitchFamily="34" charset="0"/>
               </a:rPr>
-              <a:t>Build 2014</a:t>
+              <a:t>Build 2015</a:t>
             </a:r>
             <a:endParaRPr lang="en-US" dirty="0">
-              <a:solidFill>
-                <a:prstClr val="black"/>
-              </a:solidFill>
+              <a:latin typeface="Segoe UI" pitchFamily="34" charset="0"/>
             </a:endParaRPr>
           </a:p>
         </p:txBody>
@@ -1613,7 +1613,7 @@
                 <a:ea typeface="Segoe UI" pitchFamily="34" charset="0"/>
                 <a:cs typeface="Segoe UI" pitchFamily="34" charset="0"/>
               </a:rPr>
-              <a:t>© 2014 Microsoft Corporation. All rights reserved. Microsoft, Windows, and other product names are or may be registered trademarks and/or trademarks in the U.S. and/or other countries. The information herein is for informational purposes only and represents the current view of Microsoft Corporation as of the date of this presentation.  Because Microsoft must respond to changing market conditions, it should not be interpreted to be a commitment on the part of Microsoft, and Microsoft cannot guarantee the accuracy of any information provided after the date of this presentation.  MICROSOFT MAKES NO WARRANTIES, EXPRESS, IMPLIED OR STATUTORY, AS TO THE INFORMATION IN THIS PRESENTATION.</a:t>
+              <a:t>© 2015 Microsoft Corporation. All rights reserved. MICROSOFT MAKES NO WARRANTIES, EXPRESS, IMPLIED OR STATUTORY, AS TO THE INFORMATION IN THIS PRESENTATION.</a:t>
             </a:r>
             <a:endParaRPr lang="en-US" sz="400" dirty="0" smtClean="0">
               <a:gradFill>
@@ -1649,20 +1649,11 @@
           <a:bodyPr/>
           <a:lstStyle/>
           <a:p>
-            <a:fld id="{9F00D60D-1703-4D24-8308-FEE06A50A69C}" type="datetime1">
-              <a:rPr lang="en-US" smtClean="0">
-                <a:solidFill>
-                  <a:prstClr val="black"/>
-                </a:solidFill>
-              </a:rPr>
-              <a:pPr/>
-              <a:t>6/20/2015</a:t>
+            <a:fld id="{38EEC551-8CDA-4EB6-89BB-2A86C9F091C8}" type="datetime8">
+              <a:rPr lang="en-US" smtClean="0"/>
+              <a:t>6/28/2015 12:41 PM</a:t>
             </a:fld>
-            <a:endParaRPr lang="en-US" dirty="0">
-              <a:solidFill>
-                <a:prstClr val="black"/>
-              </a:solidFill>
-            </a:endParaRPr>
+            <a:endParaRPr lang="en-US" dirty="0"/>
           </a:p>
         </p:txBody>
       </p:sp>
@@ -1682,13 +1673,404 @@
           <a:lstStyle/>
           <a:p>
             <a:fld id="{B4008EB6-D09E-4580-8CD6-DDB14511944F}" type="slidenum">
+              <a:rPr lang="en-US" smtClean="0"/>
+              <a:pPr/>
+              <a:t>32</a:t>
+            </a:fld>
+            <a:endParaRPr lang="en-US" dirty="0"/>
+          </a:p>
+        </p:txBody>
+      </p:sp>
+    </p:spTree>
+    <p:extLst>
+      <p:ext uri="{BB962C8B-B14F-4D97-AF65-F5344CB8AC3E}">
+        <p14:creationId xmlns:p14="http://schemas.microsoft.com/office/powerpoint/2010/main" val="917970455"/>
+      </p:ext>
+    </p:extLst>
+  </p:cSld>
+  <p:clrMapOvr>
+    <a:masterClrMapping/>
+  </p:clrMapOvr>
+</p:notes>
+</file>
+
+<file path=ppt/notesSlides/notesSlide13.xml><?xml version="1.0" encoding="utf-8"?>
+<p:notes xmlns:a="http://schemas.openxmlformats.org/drawingml/2006/main" xmlns:r="http://schemas.openxmlformats.org/officeDocument/2006/relationships" xmlns:p="http://schemas.openxmlformats.org/presentationml/2006/main">
+  <p:cSld>
+    <p:spTree>
+      <p:nvGrpSpPr>
+        <p:cNvPr id="1" name=""/>
+        <p:cNvGrpSpPr/>
+        <p:nvPr/>
+      </p:nvGrpSpPr>
+      <p:grpSpPr>
+        <a:xfrm>
+          <a:off x="0" y="0"/>
+          <a:ext cx="0" cy="0"/>
+          <a:chOff x="0" y="0"/>
+          <a:chExt cx="0" cy="0"/>
+        </a:xfrm>
+      </p:grpSpPr>
+      <p:sp>
+        <p:nvSpPr>
+          <p:cNvPr id="2" name="Slide Image Placeholder 1"/>
+          <p:cNvSpPr>
+            <a:spLocks noGrp="1" noRot="1" noChangeAspect="1"/>
+          </p:cNvSpPr>
+          <p:nvPr>
+            <p:ph type="sldImg"/>
+          </p:nvPr>
+        </p:nvSpPr>
+        <p:spPr/>
+      </p:sp>
+      <p:sp>
+        <p:nvSpPr>
+          <p:cNvPr id="3" name="Notes Placeholder 2"/>
+          <p:cNvSpPr>
+            <a:spLocks noGrp="1"/>
+          </p:cNvSpPr>
+          <p:nvPr>
+            <p:ph type="body" idx="1"/>
+          </p:nvPr>
+        </p:nvSpPr>
+        <p:spPr/>
+        <p:txBody>
+          <a:bodyPr/>
+          <a:lstStyle/>
+          <a:p>
+            <a:endParaRPr lang="en-US" dirty="0"/>
+          </a:p>
+        </p:txBody>
+      </p:sp>
+      <p:sp>
+        <p:nvSpPr>
+          <p:cNvPr id="4" name="Header Placeholder 3"/>
+          <p:cNvSpPr>
+            <a:spLocks noGrp="1"/>
+          </p:cNvSpPr>
+          <p:nvPr>
+            <p:ph type="hdr" sz="quarter" idx="10"/>
+          </p:nvPr>
+        </p:nvSpPr>
+        <p:spPr/>
+        <p:txBody>
+          <a:bodyPr/>
+          <a:lstStyle/>
+          <a:p>
+            <a:r>
+              <a:rPr lang="en-US" smtClean="0">
+                <a:latin typeface="Segoe UI" pitchFamily="34" charset="0"/>
+              </a:rPr>
+              <a:t>Build 2015</a:t>
+            </a:r>
+            <a:endParaRPr lang="en-US" dirty="0">
+              <a:latin typeface="Segoe UI" pitchFamily="34" charset="0"/>
+            </a:endParaRPr>
+          </a:p>
+        </p:txBody>
+      </p:sp>
+      <p:sp>
+        <p:nvSpPr>
+          <p:cNvPr id="5" name="Footer Placeholder 4"/>
+          <p:cNvSpPr>
+            <a:spLocks noGrp="1"/>
+          </p:cNvSpPr>
+          <p:nvPr>
+            <p:ph type="ftr" sz="quarter" idx="11"/>
+          </p:nvPr>
+        </p:nvSpPr>
+        <p:spPr/>
+        <p:txBody>
+          <a:bodyPr/>
+          <a:lstStyle/>
+          <a:p>
+            <a:pPr defTabSz="914099" eaLnBrk="0" hangingPunct="0"/>
+            <a:r>
+              <a:rPr lang="en-US" sz="400" smtClean="0">
+                <a:gradFill>
+                  <a:gsLst>
+                    <a:gs pos="0">
+                      <a:prstClr val="black"/>
+                    </a:gs>
+                    <a:gs pos="100000">
+                      <a:prstClr val="black"/>
+                    </a:gs>
+                  </a:gsLst>
+                  <a:lin ang="5400000" scaled="0"/>
+                </a:gradFill>
+                <a:latin typeface="Segoe UI" pitchFamily="34" charset="0"/>
+                <a:ea typeface="Segoe UI" pitchFamily="34" charset="0"/>
+                <a:cs typeface="Segoe UI" pitchFamily="34" charset="0"/>
+              </a:rPr>
+              <a:t>© 2015 Microsoft Corporation. All rights reserved. MICROSOFT MAKES NO WARRANTIES, EXPRESS, IMPLIED OR STATUTORY, AS TO THE INFORMATION IN THIS PRESENTATION.</a:t>
+            </a:r>
+            <a:endParaRPr lang="en-US" sz="400" dirty="0" smtClean="0">
+              <a:gradFill>
+                <a:gsLst>
+                  <a:gs pos="0">
+                    <a:prstClr val="black"/>
+                  </a:gs>
+                  <a:gs pos="100000">
+                    <a:prstClr val="black"/>
+                  </a:gs>
+                </a:gsLst>
+                <a:lin ang="5400000" scaled="0"/>
+              </a:gradFill>
+              <a:latin typeface="Segoe UI" pitchFamily="34" charset="0"/>
+              <a:ea typeface="Segoe UI" pitchFamily="34" charset="0"/>
+              <a:cs typeface="Segoe UI" pitchFamily="34" charset="0"/>
+            </a:endParaRPr>
+          </a:p>
+        </p:txBody>
+      </p:sp>
+      <p:sp>
+        <p:nvSpPr>
+          <p:cNvPr id="6" name="Date Placeholder 5"/>
+          <p:cNvSpPr>
+            <a:spLocks noGrp="1"/>
+          </p:cNvSpPr>
+          <p:nvPr>
+            <p:ph type="dt" idx="12"/>
+          </p:nvPr>
+        </p:nvSpPr>
+        <p:spPr/>
+        <p:txBody>
+          <a:bodyPr/>
+          <a:lstStyle/>
+          <a:p>
+            <a:fld id="{38EEC551-8CDA-4EB6-89BB-2A86C9F091C8}" type="datetime8">
+              <a:rPr lang="en-US" smtClean="0"/>
+              <a:t>6/28/2015 12:41 PM</a:t>
+            </a:fld>
+            <a:endParaRPr lang="en-US" dirty="0"/>
+          </a:p>
+        </p:txBody>
+      </p:sp>
+      <p:sp>
+        <p:nvSpPr>
+          <p:cNvPr id="7" name="Slide Number Placeholder 6"/>
+          <p:cNvSpPr>
+            <a:spLocks noGrp="1"/>
+          </p:cNvSpPr>
+          <p:nvPr>
+            <p:ph type="sldNum" sz="quarter" idx="13"/>
+          </p:nvPr>
+        </p:nvSpPr>
+        <p:spPr/>
+        <p:txBody>
+          <a:bodyPr/>
+          <a:lstStyle/>
+          <a:p>
+            <a:fld id="{B4008EB6-D09E-4580-8CD6-DDB14511944F}" type="slidenum">
+              <a:rPr lang="en-US" smtClean="0"/>
+              <a:pPr/>
+              <a:t>34</a:t>
+            </a:fld>
+            <a:endParaRPr lang="en-US" dirty="0"/>
+          </a:p>
+        </p:txBody>
+      </p:sp>
+    </p:spTree>
+    <p:extLst>
+      <p:ext uri="{BB962C8B-B14F-4D97-AF65-F5344CB8AC3E}">
+        <p14:creationId xmlns:p14="http://schemas.microsoft.com/office/powerpoint/2010/main" val="173825486"/>
+      </p:ext>
+    </p:extLst>
+  </p:cSld>
+  <p:clrMapOvr>
+    <a:masterClrMapping/>
+  </p:clrMapOvr>
+</p:notes>
+</file>
+
+<file path=ppt/notesSlides/notesSlide14.xml><?xml version="1.0" encoding="utf-8"?>
+<p:notes xmlns:a="http://schemas.openxmlformats.org/drawingml/2006/main" xmlns:r="http://schemas.openxmlformats.org/officeDocument/2006/relationships" xmlns:p="http://schemas.openxmlformats.org/presentationml/2006/main">
+  <p:cSld>
+    <p:spTree>
+      <p:nvGrpSpPr>
+        <p:cNvPr id="1" name=""/>
+        <p:cNvGrpSpPr/>
+        <p:nvPr/>
+      </p:nvGrpSpPr>
+      <p:grpSpPr>
+        <a:xfrm>
+          <a:off x="0" y="0"/>
+          <a:ext cx="0" cy="0"/>
+          <a:chOff x="0" y="0"/>
+          <a:chExt cx="0" cy="0"/>
+        </a:xfrm>
+      </p:grpSpPr>
+      <p:sp>
+        <p:nvSpPr>
+          <p:cNvPr id="2" name="Slide Image Placeholder 1"/>
+          <p:cNvSpPr>
+            <a:spLocks noGrp="1" noRot="1" noChangeAspect="1"/>
+          </p:cNvSpPr>
+          <p:nvPr>
+            <p:ph type="sldImg"/>
+          </p:nvPr>
+        </p:nvSpPr>
+        <p:spPr/>
+      </p:sp>
+      <p:sp>
+        <p:nvSpPr>
+          <p:cNvPr id="3" name="Notes Placeholder 2"/>
+          <p:cNvSpPr>
+            <a:spLocks noGrp="1"/>
+          </p:cNvSpPr>
+          <p:nvPr>
+            <p:ph type="body" idx="1"/>
+          </p:nvPr>
+        </p:nvSpPr>
+        <p:spPr/>
+        <p:txBody>
+          <a:bodyPr/>
+          <a:lstStyle/>
+          <a:p>
+            <a:endParaRPr lang="en-US"/>
+          </a:p>
+        </p:txBody>
+      </p:sp>
+      <p:sp>
+        <p:nvSpPr>
+          <p:cNvPr id="4" name="Header Placeholder 3"/>
+          <p:cNvSpPr>
+            <a:spLocks noGrp="1"/>
+          </p:cNvSpPr>
+          <p:nvPr>
+            <p:ph type="hdr" sz="quarter" idx="10"/>
+          </p:nvPr>
+        </p:nvSpPr>
+        <p:spPr/>
+        <p:txBody>
+          <a:bodyPr/>
+          <a:lstStyle/>
+          <a:p>
+            <a:r>
+              <a:rPr lang="en-US" smtClean="0">
+                <a:solidFill>
+                  <a:prstClr val="black"/>
+                </a:solidFill>
+              </a:rPr>
+              <a:t>Build 2014</a:t>
+            </a:r>
+            <a:endParaRPr lang="en-US" dirty="0">
+              <a:solidFill>
+                <a:prstClr val="black"/>
+              </a:solidFill>
+            </a:endParaRPr>
+          </a:p>
+        </p:txBody>
+      </p:sp>
+      <p:sp>
+        <p:nvSpPr>
+          <p:cNvPr id="5" name="Footer Placeholder 4"/>
+          <p:cNvSpPr>
+            <a:spLocks noGrp="1"/>
+          </p:cNvSpPr>
+          <p:nvPr>
+            <p:ph type="ftr" sz="quarter" idx="11"/>
+          </p:nvPr>
+        </p:nvSpPr>
+        <p:spPr/>
+        <p:txBody>
+          <a:bodyPr/>
+          <a:lstStyle/>
+          <a:p>
+            <a:pPr defTabSz="914099" eaLnBrk="0" hangingPunct="0"/>
+            <a:r>
+              <a:rPr lang="en-US" sz="400" smtClean="0">
+                <a:gradFill>
+                  <a:gsLst>
+                    <a:gs pos="0">
+                      <a:prstClr val="black"/>
+                    </a:gs>
+                    <a:gs pos="100000">
+                      <a:prstClr val="black"/>
+                    </a:gs>
+                  </a:gsLst>
+                  <a:lin ang="5400000" scaled="0"/>
+                </a:gradFill>
+                <a:latin typeface="Segoe UI" pitchFamily="34" charset="0"/>
+                <a:ea typeface="Segoe UI" pitchFamily="34" charset="0"/>
+                <a:cs typeface="Segoe UI" pitchFamily="34" charset="0"/>
+              </a:rPr>
+              <a:t>© 2014 Microsoft Corporation. All rights reserved. Microsoft, Windows, and other product names are or may be registered trademarks and/or trademarks in the U.S. and/or other countries. The information herein is for informational purposes only and represents the current view of Microsoft Corporation as of the date of this presentation.  Because Microsoft must respond to changing market conditions, it should not be interpreted to be a commitment on the part of Microsoft, and Microsoft cannot guarantee the accuracy of any information provided after the date of this presentation.  MICROSOFT MAKES NO WARRANTIES, EXPRESS, IMPLIED OR STATUTORY, AS TO THE INFORMATION IN THIS PRESENTATION.</a:t>
+            </a:r>
+            <a:endParaRPr lang="en-US" sz="400" dirty="0" smtClean="0">
+              <a:gradFill>
+                <a:gsLst>
+                  <a:gs pos="0">
+                    <a:prstClr val="black"/>
+                  </a:gs>
+                  <a:gs pos="100000">
+                    <a:prstClr val="black"/>
+                  </a:gs>
+                </a:gsLst>
+                <a:lin ang="5400000" scaled="0"/>
+              </a:gradFill>
+              <a:latin typeface="Segoe UI" pitchFamily="34" charset="0"/>
+              <a:ea typeface="Segoe UI" pitchFamily="34" charset="0"/>
+              <a:cs typeface="Segoe UI" pitchFamily="34" charset="0"/>
+            </a:endParaRPr>
+          </a:p>
+        </p:txBody>
+      </p:sp>
+      <p:sp>
+        <p:nvSpPr>
+          <p:cNvPr id="6" name="Date Placeholder 5"/>
+          <p:cNvSpPr>
+            <a:spLocks noGrp="1"/>
+          </p:cNvSpPr>
+          <p:nvPr>
+            <p:ph type="dt" idx="12"/>
+          </p:nvPr>
+        </p:nvSpPr>
+        <p:spPr/>
+        <p:txBody>
+          <a:bodyPr/>
+          <a:lstStyle/>
+          <a:p>
+            <a:fld id="{9F00D60D-1703-4D24-8308-FEE06A50A69C}" type="datetime1">
               <a:rPr lang="en-US" smtClean="0">
                 <a:solidFill>
                   <a:prstClr val="black"/>
                 </a:solidFill>
               </a:rPr>
               <a:pPr/>
-              <a:t>41</a:t>
+              <a:t>6/28/2015</a:t>
+            </a:fld>
+            <a:endParaRPr lang="en-US" dirty="0">
+              <a:solidFill>
+                <a:prstClr val="black"/>
+              </a:solidFill>
+            </a:endParaRPr>
+          </a:p>
+        </p:txBody>
+      </p:sp>
+      <p:sp>
+        <p:nvSpPr>
+          <p:cNvPr id="7" name="Slide Number Placeholder 6"/>
+          <p:cNvSpPr>
+            <a:spLocks noGrp="1"/>
+          </p:cNvSpPr>
+          <p:nvPr>
+            <p:ph type="sldNum" sz="quarter" idx="13"/>
+          </p:nvPr>
+        </p:nvSpPr>
+        <p:spPr/>
+        <p:txBody>
+          <a:bodyPr/>
+          <a:lstStyle/>
+          <a:p>
+            <a:fld id="{B4008EB6-D09E-4580-8CD6-DDB14511944F}" type="slidenum">
+              <a:rPr lang="en-US" smtClean="0">
+                <a:solidFill>
+                  <a:prstClr val="black"/>
+                </a:solidFill>
+              </a:rPr>
+              <a:pPr/>
+              <a:t>43</a:t>
             </a:fld>
             <a:endParaRPr lang="en-US" dirty="0">
               <a:solidFill>
@@ -1882,7 +2264,7 @@
           <a:p>
             <a:fld id="{38EEC551-8CDA-4EB6-89BB-2A86C9F091C8}" type="datetime8">
               <a:rPr lang="en-US" smtClean="0"/>
-              <a:t>6/20/2015 10:01 PM</a:t>
+              <a:t>6/28/2015 12:41 PM</a:t>
             </a:fld>
             <a:endParaRPr lang="en-US" dirty="0"/>
           </a:p>
@@ -2126,7 +2508,7 @@
           <a:p>
             <a:fld id="{38EEC551-8CDA-4EB6-89BB-2A86C9F091C8}" type="datetime8">
               <a:rPr lang="en-US" smtClean="0"/>
-              <a:t>6/20/2015 10:01 PM</a:t>
+              <a:t>6/28/2015 12:41 PM</a:t>
             </a:fld>
             <a:endParaRPr lang="en-US" dirty="0"/>
           </a:p>
@@ -2332,7 +2714,7 @@
                 </a:solidFill>
               </a:rPr>
               <a:pPr/>
-              <a:t>6/20/2015</a:t>
+              <a:t>6/28/2015</a:t>
             </a:fld>
             <a:endParaRPr lang="en-US" dirty="0">
               <a:solidFill>
@@ -2364,7 +2746,7 @@
                 </a:solidFill>
               </a:rPr>
               <a:pPr/>
-              <a:t>5</a:t>
+              <a:t>6</a:t>
             </a:fld>
             <a:endParaRPr lang="en-US" dirty="0">
               <a:solidFill>
@@ -2542,7 +2924,7 @@
                 </a:solidFill>
               </a:rPr>
               <a:pPr/>
-              <a:t>6/20/2015</a:t>
+              <a:t>6/28/2015</a:t>
             </a:fld>
             <a:endParaRPr lang="en-US" dirty="0">
               <a:solidFill>
@@ -2574,7 +2956,7 @@
                 </a:solidFill>
               </a:rPr>
               <a:pPr/>
-              <a:t>6</a:t>
+              <a:t>7</a:t>
             </a:fld>
             <a:endParaRPr lang="en-US" dirty="0">
               <a:solidFill>
@@ -2743,7 +3125,7 @@
           <a:p>
             <a:fld id="{38EEC551-8CDA-4EB6-89BB-2A86C9F091C8}" type="datetime8">
               <a:rPr lang="en-US" smtClean="0"/>
-              <a:t>6/20/2015 10:01 PM</a:t>
+              <a:t>6/28/2015 12:41 PM</a:t>
             </a:fld>
             <a:endParaRPr lang="en-US" dirty="0"/>
           </a:p>
@@ -2767,7 +3149,7 @@
             <a:fld id="{B4008EB6-D09E-4580-8CD6-DDB14511944F}" type="slidenum">
               <a:rPr lang="en-US" smtClean="0"/>
               <a:pPr/>
-              <a:t>12</a:t>
+              <a:t>14</a:t>
             </a:fld>
             <a:endParaRPr lang="en-US" dirty="0"/>
           </a:p>
@@ -2941,7 +3323,7 @@
                 </a:solidFill>
               </a:rPr>
               <a:pPr/>
-              <a:t>6/20/2015</a:t>
+              <a:t>6/28/2015</a:t>
             </a:fld>
             <a:endParaRPr lang="en-US" dirty="0">
               <a:solidFill>
@@ -2973,7 +3355,7 @@
                 </a:solidFill>
               </a:rPr>
               <a:pPr/>
-              <a:t>14</a:t>
+              <a:t>16</a:t>
             </a:fld>
             <a:endParaRPr lang="en-US" dirty="0">
               <a:solidFill>
@@ -3142,7 +3524,7 @@
           <a:p>
             <a:fld id="{38EEC551-8CDA-4EB6-89BB-2A86C9F091C8}" type="datetime8">
               <a:rPr lang="en-US" smtClean="0"/>
-              <a:t>6/20/2015 10:01 PM</a:t>
+              <a:t>6/28/2015 12:41 PM</a:t>
             </a:fld>
             <a:endParaRPr lang="en-US" dirty="0"/>
           </a:p>
@@ -3166,7 +3548,7 @@
             <a:fld id="{B4008EB6-D09E-4580-8CD6-DDB14511944F}" type="slidenum">
               <a:rPr lang="en-US" smtClean="0"/>
               <a:pPr/>
-              <a:t>15</a:t>
+              <a:t>17</a:t>
             </a:fld>
             <a:endParaRPr lang="en-US" dirty="0"/>
           </a:p>
@@ -3340,7 +3722,7 @@
                 </a:solidFill>
               </a:rPr>
               <a:pPr/>
-              <a:t>6/20/2015</a:t>
+              <a:t>6/28/2015</a:t>
             </a:fld>
             <a:endParaRPr lang="en-US" dirty="0">
               <a:solidFill>
@@ -3372,7 +3754,7 @@
                 </a:solidFill>
               </a:rPr>
               <a:pPr/>
-              <a:t>20</a:t>
+              <a:t>21</a:t>
             </a:fld>
             <a:endParaRPr lang="en-US" dirty="0">
               <a:solidFill>
@@ -20201,45 +20583,6 @@
       </p:grpSpPr>
       <p:sp>
         <p:nvSpPr>
-          <p:cNvPr id="3" name="Subtitle 2"/>
-          <p:cNvSpPr>
-            <a:spLocks noGrp="1"/>
-          </p:cNvSpPr>
-          <p:nvPr>
-            <p:ph type="subTitle" idx="12"/>
-          </p:nvPr>
-        </p:nvSpPr>
-        <p:spPr/>
-        <p:txBody>
-          <a:bodyPr/>
-          <a:lstStyle/>
-          <a:p>
-            <a:r>
-              <a:rPr lang="en-US" dirty="0" smtClean="0"/>
-              <a:t>Matthias Shapiro</a:t>
-            </a:r>
-          </a:p>
-          <a:p>
-            <a:r>
-              <a:rPr lang="en-US" dirty="0" smtClean="0"/>
-              <a:t>@</a:t>
-            </a:r>
-            <a:r>
-              <a:rPr lang="en-US" dirty="0" err="1" smtClean="0"/>
-              <a:t>politicalmath</a:t>
-            </a:r>
-            <a:endParaRPr lang="en-US" dirty="0" smtClean="0"/>
-          </a:p>
-          <a:p>
-            <a:r>
-              <a:rPr lang="en-US" dirty="0" smtClean="0"/>
-              <a:t>matthias.shapiro@outlook.com</a:t>
-            </a:r>
-          </a:p>
-        </p:txBody>
-      </p:sp>
-      <p:sp>
-        <p:nvSpPr>
           <p:cNvPr id="2" name="Title 1"/>
           <p:cNvSpPr>
             <a:spLocks noGrp="1"/>
@@ -20346,6 +20689,360 @@
 </file>
 
 <file path=ppt/slides/slide10.xml><?xml version="1.0" encoding="utf-8"?>
+<p:sld xmlns:a="http://schemas.openxmlformats.org/drawingml/2006/main" xmlns:r="http://schemas.openxmlformats.org/officeDocument/2006/relationships" xmlns:p="http://schemas.openxmlformats.org/presentationml/2006/main">
+  <p:cSld>
+    <p:spTree>
+      <p:nvGrpSpPr>
+        <p:cNvPr id="1" name=""/>
+        <p:cNvGrpSpPr/>
+        <p:nvPr/>
+      </p:nvGrpSpPr>
+      <p:grpSpPr>
+        <a:xfrm>
+          <a:off x="0" y="0"/>
+          <a:ext cx="0" cy="0"/>
+          <a:chOff x="0" y="0"/>
+          <a:chExt cx="0" cy="0"/>
+        </a:xfrm>
+      </p:grpSpPr>
+      <p:sp>
+        <p:nvSpPr>
+          <p:cNvPr id="4" name="Title 3"/>
+          <p:cNvSpPr>
+            <a:spLocks noGrp="1"/>
+          </p:cNvSpPr>
+          <p:nvPr>
+            <p:ph type="title"/>
+          </p:nvPr>
+        </p:nvSpPr>
+        <p:spPr/>
+        <p:txBody>
+          <a:bodyPr/>
+          <a:lstStyle/>
+          <a:p>
+            <a:r>
+              <a:rPr lang="en-US" dirty="0" smtClean="0"/>
+              <a:t>Swimming in Data</a:t>
+            </a:r>
+            <a:endParaRPr lang="en-US" dirty="0"/>
+          </a:p>
+        </p:txBody>
+      </p:sp>
+      <p:pic>
+        <p:nvPicPr>
+          <p:cNvPr id="5" name="Picture 3"/>
+          <p:cNvPicPr>
+            <a:picLocks noChangeAspect="1" noChangeArrowheads="1"/>
+          </p:cNvPicPr>
+          <p:nvPr/>
+        </p:nvPicPr>
+        <p:blipFill>
+          <a:blip r:embed="rId2">
+            <a:extLst>
+              <a:ext uri="{28A0092B-C50C-407E-A947-70E740481C1C}">
+                <a14:useLocalDpi xmlns:a14="http://schemas.microsoft.com/office/drawing/2010/main" val="0"/>
+              </a:ext>
+            </a:extLst>
+          </a:blip>
+          <a:srcRect/>
+          <a:stretch>
+            <a:fillRect/>
+          </a:stretch>
+        </p:blipFill>
+        <p:spPr bwMode="auto">
+          <a:xfrm>
+            <a:off x="274639" y="1510731"/>
+            <a:ext cx="3886200" cy="4735062"/>
+          </a:xfrm>
+          <a:prstGeom prst="rect">
+            <a:avLst/>
+          </a:prstGeom>
+          <a:noFill/>
+          <a:ln>
+            <a:noFill/>
+          </a:ln>
+          <a:effectLst/>
+          <a:extLst>
+            <a:ext uri="{909E8E84-426E-40DD-AFC4-6F175D3DCCD1}">
+              <a14:hiddenFill xmlns:a14="http://schemas.microsoft.com/office/drawing/2010/main">
+                <a:solidFill>
+                  <a:schemeClr val="accent1"/>
+                </a:solidFill>
+              </a14:hiddenFill>
+            </a:ext>
+            <a:ext uri="{91240B29-F687-4F45-9708-019B960494DF}">
+              <a14:hiddenLine xmlns:a14="http://schemas.microsoft.com/office/drawing/2010/main" w="9525">
+                <a:solidFill>
+                  <a:schemeClr val="tx1"/>
+                </a:solidFill>
+                <a:miter lim="800000"/>
+                <a:headEnd/>
+                <a:tailEnd/>
+              </a14:hiddenLine>
+            </a:ext>
+            <a:ext uri="{AF507438-7753-43E0-B8FC-AC1667EBCBE1}">
+              <a14:hiddenEffects xmlns:a14="http://schemas.microsoft.com/office/drawing/2010/main">
+                <a:effectLst>
+                  <a:outerShdw dist="35921" dir="2700000" algn="ctr" rotWithShape="0">
+                    <a:schemeClr val="bg2"/>
+                  </a:outerShdw>
+                </a:effectLst>
+              </a14:hiddenEffects>
+            </a:ext>
+          </a:extLst>
+        </p:spPr>
+      </p:pic>
+      <p:sp>
+        <p:nvSpPr>
+          <p:cNvPr id="6" name="Right Arrow 5"/>
+          <p:cNvSpPr/>
+          <p:nvPr/>
+        </p:nvSpPr>
+        <p:spPr>
+          <a:xfrm>
+            <a:off x="3410078" y="3344862"/>
+            <a:ext cx="1501521" cy="1066800"/>
+          </a:xfrm>
+          <a:prstGeom prst="rightArrow">
+            <a:avLst/>
+          </a:prstGeom>
+          <a:solidFill>
+            <a:schemeClr val="tx2">
+              <a:lumMod val="40000"/>
+              <a:lumOff val="60000"/>
+              <a:alpha val="83000"/>
+            </a:schemeClr>
+          </a:solidFill>
+          <a:ln w="12700">
+            <a:solidFill>
+              <a:schemeClr val="bg1">
+                <a:lumMod val="75000"/>
+              </a:schemeClr>
+            </a:solidFill>
+          </a:ln>
+        </p:spPr>
+        <p:style>
+          <a:lnRef idx="2">
+            <a:schemeClr val="accent1">
+              <a:shade val="50000"/>
+            </a:schemeClr>
+          </a:lnRef>
+          <a:fillRef idx="1">
+            <a:schemeClr val="accent1"/>
+          </a:fillRef>
+          <a:effectRef idx="0">
+            <a:schemeClr val="accent1"/>
+          </a:effectRef>
+          <a:fontRef idx="minor">
+            <a:schemeClr val="lt1"/>
+          </a:fontRef>
+        </p:style>
+        <p:txBody>
+          <a:bodyPr rtlCol="0" anchor="ctr"/>
+          <a:lstStyle/>
+          <a:p>
+            <a:pPr algn="ctr"/>
+            <a:endParaRPr lang="en-US"/>
+          </a:p>
+        </p:txBody>
+      </p:sp>
+      <p:pic>
+        <p:nvPicPr>
+          <p:cNvPr id="8" name="Picture 4"/>
+          <p:cNvPicPr>
+            <a:picLocks noChangeAspect="1" noChangeArrowheads="1"/>
+          </p:cNvPicPr>
+          <p:nvPr/>
+        </p:nvPicPr>
+        <p:blipFill>
+          <a:blip r:embed="rId3" cstate="print">
+            <a:extLst>
+              <a:ext uri="{28A0092B-C50C-407E-A947-70E740481C1C}">
+                <a14:useLocalDpi xmlns:a14="http://schemas.microsoft.com/office/drawing/2010/main" val="0"/>
+              </a:ext>
+            </a:extLst>
+          </a:blip>
+          <a:srcRect/>
+          <a:stretch>
+            <a:fillRect/>
+          </a:stretch>
+        </p:blipFill>
+        <p:spPr bwMode="auto">
+          <a:xfrm>
+            <a:off x="5151437" y="1510731"/>
+            <a:ext cx="7141305" cy="4876800"/>
+          </a:xfrm>
+          <a:prstGeom prst="rect">
+            <a:avLst/>
+          </a:prstGeom>
+          <a:noFill/>
+          <a:ln>
+            <a:noFill/>
+          </a:ln>
+          <a:effectLst/>
+          <a:extLst>
+            <a:ext uri="{909E8E84-426E-40DD-AFC4-6F175D3DCCD1}">
+              <a14:hiddenFill xmlns:a14="http://schemas.microsoft.com/office/drawing/2010/main">
+                <a:solidFill>
+                  <a:schemeClr val="accent1"/>
+                </a:solidFill>
+              </a14:hiddenFill>
+            </a:ext>
+            <a:ext uri="{91240B29-F687-4F45-9708-019B960494DF}">
+              <a14:hiddenLine xmlns:a14="http://schemas.microsoft.com/office/drawing/2010/main" w="9525">
+                <a:solidFill>
+                  <a:schemeClr val="tx1"/>
+                </a:solidFill>
+                <a:miter lim="800000"/>
+                <a:headEnd/>
+                <a:tailEnd/>
+              </a14:hiddenLine>
+            </a:ext>
+            <a:ext uri="{AF507438-7753-43E0-B8FC-AC1667EBCBE1}">
+              <a14:hiddenEffects xmlns:a14="http://schemas.microsoft.com/office/drawing/2010/main">
+                <a:effectLst>
+                  <a:outerShdw dist="35921" dir="2700000" algn="ctr" rotWithShape="0">
+                    <a:schemeClr val="bg2"/>
+                  </a:outerShdw>
+                </a:effectLst>
+              </a14:hiddenEffects>
+            </a:ext>
+          </a:extLst>
+        </p:spPr>
+      </p:pic>
+    </p:spTree>
+    <p:extLst>
+      <p:ext uri="{BB962C8B-B14F-4D97-AF65-F5344CB8AC3E}">
+        <p14:creationId xmlns:p14="http://schemas.microsoft.com/office/powerpoint/2010/main" val="1640448715"/>
+      </p:ext>
+    </p:extLst>
+  </p:cSld>
+  <p:clrMapOvr>
+    <a:masterClrMapping/>
+  </p:clrMapOvr>
+  <p:transition>
+    <p:fade/>
+  </p:transition>
+</p:sld>
+</file>
+
+<file path=ppt/slides/slide11.xml><?xml version="1.0" encoding="utf-8"?>
+<p:sld xmlns:a="http://schemas.openxmlformats.org/drawingml/2006/main" xmlns:r="http://schemas.openxmlformats.org/officeDocument/2006/relationships" xmlns:p="http://schemas.openxmlformats.org/presentationml/2006/main">
+  <p:cSld>
+    <p:spTree>
+      <p:nvGrpSpPr>
+        <p:cNvPr id="1" name=""/>
+        <p:cNvGrpSpPr/>
+        <p:nvPr/>
+      </p:nvGrpSpPr>
+      <p:grpSpPr>
+        <a:xfrm>
+          <a:off x="0" y="0"/>
+          <a:ext cx="0" cy="0"/>
+          <a:chOff x="0" y="0"/>
+          <a:chExt cx="0" cy="0"/>
+        </a:xfrm>
+      </p:grpSpPr>
+      <p:sp>
+        <p:nvSpPr>
+          <p:cNvPr id="2" name="Title 1"/>
+          <p:cNvSpPr>
+            <a:spLocks noGrp="1"/>
+          </p:cNvSpPr>
+          <p:nvPr>
+            <p:ph type="title"/>
+          </p:nvPr>
+        </p:nvSpPr>
+        <p:spPr/>
+        <p:txBody>
+          <a:bodyPr/>
+          <a:lstStyle/>
+          <a:p>
+            <a:endParaRPr lang="en-US"/>
+          </a:p>
+        </p:txBody>
+      </p:sp>
+      <p:pic>
+        <p:nvPicPr>
+          <p:cNvPr id="7" name="Picture 2"/>
+          <p:cNvPicPr>
+            <a:picLocks noChangeAspect="1" noChangeArrowheads="1"/>
+          </p:cNvPicPr>
+          <p:nvPr/>
+        </p:nvPicPr>
+        <p:blipFill>
+          <a:blip r:embed="rId2">
+            <a:extLst>
+              <a:ext uri="{28A0092B-C50C-407E-A947-70E740481C1C}">
+                <a14:useLocalDpi xmlns:a14="http://schemas.microsoft.com/office/drawing/2010/main" val="0"/>
+              </a:ext>
+            </a:extLst>
+          </a:blip>
+          <a:srcRect/>
+          <a:stretch>
+            <a:fillRect/>
+          </a:stretch>
+        </p:blipFill>
+        <p:spPr bwMode="auto">
+          <a:xfrm>
+            <a:off x="718643" y="0"/>
+            <a:ext cx="11001555" cy="7023314"/>
+          </a:xfrm>
+          <a:prstGeom prst="rect">
+            <a:avLst/>
+          </a:prstGeom>
+          <a:noFill/>
+          <a:ln>
+            <a:noFill/>
+          </a:ln>
+          <a:effectLst/>
+          <a:extLst>
+            <a:ext uri="{909E8E84-426E-40DD-AFC4-6F175D3DCCD1}">
+              <a14:hiddenFill xmlns:a14="http://schemas.microsoft.com/office/drawing/2010/main">
+                <a:solidFill>
+                  <a:schemeClr val="accent1"/>
+                </a:solidFill>
+              </a14:hiddenFill>
+            </a:ext>
+            <a:ext uri="{91240B29-F687-4F45-9708-019B960494DF}">
+              <a14:hiddenLine xmlns:a14="http://schemas.microsoft.com/office/drawing/2010/main" w="9525">
+                <a:solidFill>
+                  <a:schemeClr val="tx1"/>
+                </a:solidFill>
+                <a:miter lim="800000"/>
+                <a:headEnd/>
+                <a:tailEnd/>
+              </a14:hiddenLine>
+            </a:ext>
+            <a:ext uri="{AF507438-7753-43E0-B8FC-AC1667EBCBE1}">
+              <a14:hiddenEffects xmlns:a14="http://schemas.microsoft.com/office/drawing/2010/main">
+                <a:effectLst>
+                  <a:outerShdw dist="35921" dir="2700000" algn="ctr" rotWithShape="0">
+                    <a:schemeClr val="bg2"/>
+                  </a:outerShdw>
+                </a:effectLst>
+              </a14:hiddenEffects>
+            </a:ext>
+          </a:extLst>
+        </p:spPr>
+      </p:pic>
+    </p:spTree>
+    <p:extLst>
+      <p:ext uri="{BB962C8B-B14F-4D97-AF65-F5344CB8AC3E}">
+        <p14:creationId xmlns:p14="http://schemas.microsoft.com/office/powerpoint/2010/main" val="85946107"/>
+      </p:ext>
+    </p:extLst>
+  </p:cSld>
+  <p:clrMapOvr>
+    <a:masterClrMapping/>
+  </p:clrMapOvr>
+  <p:transition>
+    <p:fade/>
+  </p:transition>
+</p:sld>
+</file>
+
+<file path=ppt/slides/slide12.xml><?xml version="1.0" encoding="utf-8"?>
 <p:sld xmlns:a="http://schemas.openxmlformats.org/drawingml/2006/main" xmlns:r="http://schemas.openxmlformats.org/officeDocument/2006/relationships" xmlns:p="http://schemas.openxmlformats.org/presentationml/2006/main">
   <p:cSld>
     <p:spTree>
@@ -20465,7 +21162,7 @@
 </p:sld>
 </file>
 
-<file path=ppt/slides/slide11.xml><?xml version="1.0" encoding="utf-8"?>
+<file path=ppt/slides/slide13.xml><?xml version="1.0" encoding="utf-8"?>
 <p:sld xmlns:a="http://schemas.openxmlformats.org/drawingml/2006/main" xmlns:r="http://schemas.openxmlformats.org/officeDocument/2006/relationships" xmlns:p="http://schemas.openxmlformats.org/presentationml/2006/main">
   <p:cSld>
     <p:spTree>
@@ -21500,7 +22197,7 @@
 </p:sld>
 </file>
 
-<file path=ppt/slides/slide12.xml><?xml version="1.0" encoding="utf-8"?>
+<file path=ppt/slides/slide14.xml><?xml version="1.0" encoding="utf-8"?>
 <p:sld xmlns:a="http://schemas.openxmlformats.org/drawingml/2006/main" xmlns:r="http://schemas.openxmlformats.org/officeDocument/2006/relationships" xmlns:p="http://schemas.openxmlformats.org/presentationml/2006/main">
   <p:cSld>
     <p:spTree>
@@ -21639,7 +22336,7 @@
 </p:sld>
 </file>
 
-<file path=ppt/slides/slide13.xml><?xml version="1.0" encoding="utf-8"?>
+<file path=ppt/slides/slide15.xml><?xml version="1.0" encoding="utf-8"?>
 <p:sld xmlns:a="http://schemas.openxmlformats.org/drawingml/2006/main" xmlns:r="http://schemas.openxmlformats.org/officeDocument/2006/relationships" xmlns:p="http://schemas.openxmlformats.org/presentationml/2006/main">
   <p:cSld>
     <p:spTree>
@@ -21758,224 +22455,6 @@
     <p:extLst>
       <p:ext uri="{BB962C8B-B14F-4D97-AF65-F5344CB8AC3E}">
         <p14:creationId xmlns:p14="http://schemas.microsoft.com/office/powerpoint/2010/main" val="2619152355"/>
-      </p:ext>
-    </p:extLst>
-  </p:cSld>
-  <p:clrMapOvr>
-    <a:masterClrMapping/>
-  </p:clrMapOvr>
-  <p:transition>
-    <p:fade/>
-  </p:transition>
-</p:sld>
-</file>
-
-<file path=ppt/slides/slide14.xml><?xml version="1.0" encoding="utf-8"?>
-<p:sld xmlns:a="http://schemas.openxmlformats.org/drawingml/2006/main" xmlns:r="http://schemas.openxmlformats.org/officeDocument/2006/relationships" xmlns:p="http://schemas.openxmlformats.org/presentationml/2006/main">
-  <p:cSld>
-    <p:spTree>
-      <p:nvGrpSpPr>
-        <p:cNvPr id="1" name=""/>
-        <p:cNvGrpSpPr/>
-        <p:nvPr/>
-      </p:nvGrpSpPr>
-      <p:grpSpPr>
-        <a:xfrm>
-          <a:off x="0" y="0"/>
-          <a:ext cx="0" cy="0"/>
-          <a:chOff x="0" y="0"/>
-          <a:chExt cx="0" cy="0"/>
-        </a:xfrm>
-      </p:grpSpPr>
-      <p:sp>
-        <p:nvSpPr>
-          <p:cNvPr id="2" name="Text Placeholder 1"/>
-          <p:cNvSpPr>
-            <a:spLocks noGrp="1"/>
-          </p:cNvSpPr>
-          <p:nvPr>
-            <p:ph type="body" sz="quarter" idx="15"/>
-          </p:nvPr>
-        </p:nvSpPr>
-        <p:spPr/>
-        <p:txBody>
-          <a:bodyPr/>
-          <a:lstStyle/>
-          <a:p>
-            <a:r>
-              <a:rPr lang="en-US" dirty="0" smtClean="0">
-                <a:solidFill>
-                  <a:schemeClr val="tx1">
-                    <a:lumMod val="75000"/>
-                  </a:schemeClr>
-                </a:solidFill>
-              </a:rPr>
-              <a:t> </a:t>
-            </a:r>
-            <a:endParaRPr lang="en-US" dirty="0">
-              <a:solidFill>
-                <a:schemeClr val="tx1">
-                  <a:lumMod val="75000"/>
-                </a:schemeClr>
-              </a:solidFill>
-            </a:endParaRPr>
-          </a:p>
-        </p:txBody>
-      </p:sp>
-      <p:sp>
-        <p:nvSpPr>
-          <p:cNvPr id="5" name="Title 4"/>
-          <p:cNvSpPr>
-            <a:spLocks noGrp="1"/>
-          </p:cNvSpPr>
-          <p:nvPr>
-            <p:ph type="ctrTitle"/>
-          </p:nvPr>
-        </p:nvSpPr>
-        <p:spPr/>
-        <p:txBody>
-          <a:bodyPr/>
-          <a:lstStyle/>
-          <a:p>
-            <a:r>
-              <a:rPr lang="en-US" dirty="0" smtClean="0"/>
-              <a:t>The Importance of Story</a:t>
-            </a:r>
-            <a:endParaRPr lang="en-US" dirty="0"/>
-          </a:p>
-        </p:txBody>
-      </p:sp>
-    </p:spTree>
-    <p:extLst>
-      <p:ext uri="{BB962C8B-B14F-4D97-AF65-F5344CB8AC3E}">
-        <p14:creationId xmlns:p14="http://schemas.microsoft.com/office/powerpoint/2010/main" val="3262900511"/>
-      </p:ext>
-    </p:extLst>
-  </p:cSld>
-  <p:clrMapOvr>
-    <a:masterClrMapping/>
-  </p:clrMapOvr>
-  <mc:AlternateContent xmlns:mc="http://schemas.openxmlformats.org/markup-compatibility/2006" xmlns:p14="http://schemas.microsoft.com/office/powerpoint/2010/main">
-    <mc:Choice Requires="p14">
-      <p:transition spd="med" p14:dur="700">
-        <p:fade/>
-      </p:transition>
-    </mc:Choice>
-    <mc:Fallback xmlns="">
-      <p:transition spd="med">
-        <p:fade/>
-      </p:transition>
-    </mc:Fallback>
-  </mc:AlternateContent>
-  <p:timing>
-    <p:tnLst>
-      <p:par>
-        <p:cTn id="1" dur="indefinite" restart="never" nodeType="tmRoot"/>
-      </p:par>
-    </p:tnLst>
-  </p:timing>
-</p:sld>
-</file>
-
-<file path=ppt/slides/slide15.xml><?xml version="1.0" encoding="utf-8"?>
-<p:sld xmlns:a="http://schemas.openxmlformats.org/drawingml/2006/main" xmlns:r="http://schemas.openxmlformats.org/officeDocument/2006/relationships" xmlns:p="http://schemas.openxmlformats.org/presentationml/2006/main">
-  <p:cSld>
-    <p:spTree>
-      <p:nvGrpSpPr>
-        <p:cNvPr id="1" name=""/>
-        <p:cNvGrpSpPr/>
-        <p:nvPr/>
-      </p:nvGrpSpPr>
-      <p:grpSpPr>
-        <a:xfrm>
-          <a:off x="0" y="0"/>
-          <a:ext cx="0" cy="0"/>
-          <a:chOff x="0" y="0"/>
-          <a:chExt cx="0" cy="0"/>
-        </a:xfrm>
-      </p:grpSpPr>
-      <p:sp>
-        <p:nvSpPr>
-          <p:cNvPr id="2" name="Text Placeholder 1"/>
-          <p:cNvSpPr>
-            <a:spLocks noGrp="1"/>
-          </p:cNvSpPr>
-          <p:nvPr>
-            <p:ph type="body" sz="quarter" idx="15"/>
-          </p:nvPr>
-        </p:nvSpPr>
-        <p:spPr/>
-        <p:txBody>
-          <a:bodyPr/>
-          <a:lstStyle/>
-          <a:p>
-            <a:endParaRPr lang="en-US" dirty="0" smtClean="0"/>
-          </a:p>
-        </p:txBody>
-      </p:sp>
-      <p:sp>
-        <p:nvSpPr>
-          <p:cNvPr id="3" name="Picture Placeholder 2"/>
-          <p:cNvSpPr>
-            <a:spLocks noGrp="1"/>
-          </p:cNvSpPr>
-          <p:nvPr>
-            <p:ph type="pic" sz="quarter" idx="16"/>
-          </p:nvPr>
-        </p:nvSpPr>
-        <p:spPr/>
-      </p:sp>
-      <p:sp>
-        <p:nvSpPr>
-          <p:cNvPr id="4" name="Title 3"/>
-          <p:cNvSpPr>
-            <a:spLocks noGrp="1"/>
-          </p:cNvSpPr>
-          <p:nvPr>
-            <p:ph type="title"/>
-          </p:nvPr>
-        </p:nvSpPr>
-        <p:spPr/>
-        <p:txBody>
-          <a:bodyPr/>
-          <a:lstStyle/>
-          <a:p>
-            <a:r>
-              <a:rPr lang="en-US" dirty="0" smtClean="0"/>
-              <a:t>All Data Lives in a Context</a:t>
-            </a:r>
-            <a:endParaRPr lang="en-US" dirty="0"/>
-          </a:p>
-        </p:txBody>
-      </p:sp>
-      <p:pic>
-        <p:nvPicPr>
-          <p:cNvPr id="5" name="Picture 4"/>
-          <p:cNvPicPr>
-            <a:picLocks noChangeAspect="1"/>
-          </p:cNvPicPr>
-          <p:nvPr/>
-        </p:nvPicPr>
-        <p:blipFill>
-          <a:blip r:embed="rId3"/>
-          <a:stretch>
-            <a:fillRect/>
-          </a:stretch>
-        </p:blipFill>
-        <p:spPr>
-          <a:xfrm>
-            <a:off x="5243383" y="1287462"/>
-            <a:ext cx="6918458" cy="5071401"/>
-          </a:xfrm>
-          <a:prstGeom prst="rect">
-            <a:avLst/>
-          </a:prstGeom>
-        </p:spPr>
-      </p:pic>
-    </p:spTree>
-    <p:extLst>
-      <p:ext uri="{BB962C8B-B14F-4D97-AF65-F5344CB8AC3E}">
-        <p14:creationId xmlns:p14="http://schemas.microsoft.com/office/powerpoint/2010/main" val="3405126084"/>
       </p:ext>
     </p:extLst>
   </p:cSld>
@@ -22020,21 +22499,124 @@
           <a:bodyPr/>
           <a:lstStyle/>
           <a:p>
-            <a:endParaRPr lang="en-US" dirty="0" smtClean="0"/>
+            <a:r>
+              <a:rPr lang="en-US" dirty="0" smtClean="0">
+                <a:solidFill>
+                  <a:schemeClr val="tx1">
+                    <a:lumMod val="75000"/>
+                  </a:schemeClr>
+                </a:solidFill>
+              </a:rPr>
+              <a:t> </a:t>
+            </a:r>
+            <a:endParaRPr lang="en-US" dirty="0">
+              <a:solidFill>
+                <a:schemeClr val="tx1">
+                  <a:lumMod val="75000"/>
+                </a:schemeClr>
+              </a:solidFill>
+            </a:endParaRPr>
           </a:p>
         </p:txBody>
       </p:sp>
       <p:sp>
         <p:nvSpPr>
-          <p:cNvPr id="3" name="Picture Placeholder 2"/>
+          <p:cNvPr id="5" name="Title 4"/>
           <p:cNvSpPr>
             <a:spLocks noGrp="1"/>
           </p:cNvSpPr>
           <p:nvPr>
-            <p:ph type="pic" sz="quarter" idx="16"/>
+            <p:ph type="ctrTitle"/>
           </p:nvPr>
         </p:nvSpPr>
         <p:spPr/>
+        <p:txBody>
+          <a:bodyPr/>
+          <a:lstStyle/>
+          <a:p>
+            <a:r>
+              <a:rPr lang="en-US" dirty="0" smtClean="0"/>
+              <a:t>The Importance of Story</a:t>
+            </a:r>
+            <a:endParaRPr lang="en-US" dirty="0"/>
+          </a:p>
+        </p:txBody>
+      </p:sp>
+    </p:spTree>
+    <p:extLst>
+      <p:ext uri="{BB962C8B-B14F-4D97-AF65-F5344CB8AC3E}">
+        <p14:creationId xmlns:p14="http://schemas.microsoft.com/office/powerpoint/2010/main" val="3262900511"/>
+      </p:ext>
+    </p:extLst>
+  </p:cSld>
+  <p:clrMapOvr>
+    <a:masterClrMapping/>
+  </p:clrMapOvr>
+  <mc:AlternateContent xmlns:mc="http://schemas.openxmlformats.org/markup-compatibility/2006" xmlns:p14="http://schemas.microsoft.com/office/powerpoint/2010/main">
+    <mc:Choice Requires="p14">
+      <p:transition spd="med" p14:dur="700">
+        <p:fade/>
+      </p:transition>
+    </mc:Choice>
+    <mc:Fallback xmlns="">
+      <p:transition spd="med">
+        <p:fade/>
+      </p:transition>
+    </mc:Fallback>
+  </mc:AlternateContent>
+  <p:timing>
+    <p:tnLst>
+      <p:par>
+        <p:cTn id="1" dur="indefinite" restart="never" nodeType="tmRoot"/>
+      </p:par>
+    </p:tnLst>
+  </p:timing>
+</p:sld>
+</file>
+
+<file path=ppt/slides/slide17.xml><?xml version="1.0" encoding="utf-8"?>
+<p:sld xmlns:a="http://schemas.openxmlformats.org/drawingml/2006/main" xmlns:r="http://schemas.openxmlformats.org/officeDocument/2006/relationships" xmlns:p="http://schemas.openxmlformats.org/presentationml/2006/main">
+  <p:cSld>
+    <p:spTree>
+      <p:nvGrpSpPr>
+        <p:cNvPr id="1" name=""/>
+        <p:cNvGrpSpPr/>
+        <p:nvPr/>
+      </p:nvGrpSpPr>
+      <p:grpSpPr>
+        <a:xfrm>
+          <a:off x="0" y="0"/>
+          <a:ext cx="0" cy="0"/>
+          <a:chOff x="0" y="0"/>
+          <a:chExt cx="0" cy="0"/>
+        </a:xfrm>
+      </p:grpSpPr>
+      <p:sp>
+        <p:nvSpPr>
+          <p:cNvPr id="2" name="Text Placeholder 1"/>
+          <p:cNvSpPr>
+            <a:spLocks noGrp="1"/>
+          </p:cNvSpPr>
+          <p:nvPr>
+            <p:ph type="body" sz="quarter" idx="15"/>
+          </p:nvPr>
+        </p:nvSpPr>
+        <p:spPr>
+          <a:xfrm>
+            <a:off x="579438" y="1439861"/>
+            <a:ext cx="4495800" cy="4919001"/>
+          </a:xfrm>
+        </p:spPr>
+        <p:txBody>
+          <a:bodyPr/>
+          <a:lstStyle/>
+          <a:p>
+            <a:r>
+              <a:rPr lang="en-US" dirty="0" smtClean="0"/>
+              <a:t>Only the stories around the data make the data matter </a:t>
+            </a:r>
+          </a:p>
+        </p:txBody>
       </p:sp>
       <p:sp>
         <p:nvSpPr>
@@ -22053,20 +22635,40 @@
           <a:p>
             <a:r>
               <a:rPr lang="en-US" dirty="0" smtClean="0"/>
-              <a:t>Only </a:t>
-            </a:r>
-            <a:r>
-              <a:rPr lang="en-US" smtClean="0"/>
-              <a:t>The Story Makes Data Matter</a:t>
+              <a:t>All Data Lives in a Context</a:t>
             </a:r>
             <a:endParaRPr lang="en-US" dirty="0"/>
           </a:p>
         </p:txBody>
       </p:sp>
+      <p:pic>
+        <p:nvPicPr>
+          <p:cNvPr id="5" name="Picture 4"/>
+          <p:cNvPicPr>
+            <a:picLocks noChangeAspect="1"/>
+          </p:cNvPicPr>
+          <p:nvPr/>
+        </p:nvPicPr>
+        <p:blipFill>
+          <a:blip r:embed="rId3"/>
+          <a:stretch>
+            <a:fillRect/>
+          </a:stretch>
+        </p:blipFill>
+        <p:spPr>
+          <a:xfrm>
+            <a:off x="5243383" y="1287462"/>
+            <a:ext cx="6918458" cy="5071401"/>
+          </a:xfrm>
+          <a:prstGeom prst="rect">
+            <a:avLst/>
+          </a:prstGeom>
+        </p:spPr>
+      </p:pic>
     </p:spTree>
     <p:extLst>
       <p:ext uri="{BB962C8B-B14F-4D97-AF65-F5344CB8AC3E}">
-        <p14:creationId xmlns:p14="http://schemas.microsoft.com/office/powerpoint/2010/main" val="2409430659"/>
+        <p14:creationId xmlns:p14="http://schemas.microsoft.com/office/powerpoint/2010/main" val="3405126084"/>
       </p:ext>
     </p:extLst>
   </p:cSld>
@@ -22079,7 +22681,7 @@
 </p:sld>
 </file>
 
-<file path=ppt/slides/slide17.xml><?xml version="1.0" encoding="utf-8"?>
+<file path=ppt/slides/slide18.xml><?xml version="1.0" encoding="utf-8"?>
 <p:sld xmlns:a="http://schemas.openxmlformats.org/drawingml/2006/main" xmlns:r="http://schemas.openxmlformats.org/officeDocument/2006/relationships" xmlns:p="http://schemas.openxmlformats.org/presentationml/2006/main">
   <p:cSld>
     <p:spTree>
@@ -22456,7 +23058,7 @@
 </p:sld>
 </file>
 
-<file path=ppt/slides/slide18.xml><?xml version="1.0" encoding="utf-8"?>
+<file path=ppt/slides/slide19.xml><?xml version="1.0" encoding="utf-8"?>
 <p:sld xmlns:a="http://schemas.openxmlformats.org/drawingml/2006/main" xmlns:r="http://schemas.openxmlformats.org/officeDocument/2006/relationships" xmlns:p="http://schemas.openxmlformats.org/presentationml/2006/main">
   <p:cSld>
     <p:spTree>
@@ -22831,157 +23433,6 @@
 </p:sld>
 </file>
 
-<file path=ppt/slides/slide19.xml><?xml version="1.0" encoding="utf-8"?>
-<p:sld xmlns:a="http://schemas.openxmlformats.org/drawingml/2006/main" xmlns:r="http://schemas.openxmlformats.org/officeDocument/2006/relationships" xmlns:p="http://schemas.openxmlformats.org/presentationml/2006/main">
-  <p:cSld>
-    <p:spTree>
-      <p:nvGrpSpPr>
-        <p:cNvPr id="1" name=""/>
-        <p:cNvGrpSpPr/>
-        <p:nvPr/>
-      </p:nvGrpSpPr>
-      <p:grpSpPr>
-        <a:xfrm>
-          <a:off x="0" y="0"/>
-          <a:ext cx="0" cy="0"/>
-          <a:chOff x="0" y="0"/>
-          <a:chExt cx="0" cy="0"/>
-        </a:xfrm>
-      </p:grpSpPr>
-      <p:sp>
-        <p:nvSpPr>
-          <p:cNvPr id="2" name="Text Placeholder 1"/>
-          <p:cNvSpPr>
-            <a:spLocks noGrp="1"/>
-          </p:cNvSpPr>
-          <p:nvPr>
-            <p:ph type="body" sz="quarter" idx="15"/>
-          </p:nvPr>
-        </p:nvSpPr>
-        <p:spPr>
-          <a:xfrm>
-            <a:off x="5945191" y="1506538"/>
-            <a:ext cx="6216650" cy="2447925"/>
-          </a:xfrm>
-        </p:spPr>
-        <p:txBody>
-          <a:bodyPr anchor="t"/>
-          <a:lstStyle/>
-          <a:p>
-            <a:r>
-              <a:rPr lang="en-US" dirty="0" smtClean="0"/>
-              <a:t>Visuals can be simple or complex</a:t>
-            </a:r>
-          </a:p>
-          <a:p>
-            <a:endParaRPr lang="en-US" dirty="0"/>
-          </a:p>
-          <a:p>
-            <a:r>
-              <a:rPr lang="en-US" dirty="0" smtClean="0"/>
-              <a:t>The value is in the story &amp; message</a:t>
-            </a:r>
-          </a:p>
-        </p:txBody>
-      </p:sp>
-      <p:sp>
-        <p:nvSpPr>
-          <p:cNvPr id="4" name="Title 3"/>
-          <p:cNvSpPr>
-            <a:spLocks noGrp="1"/>
-          </p:cNvSpPr>
-          <p:nvPr>
-            <p:ph type="title"/>
-          </p:nvPr>
-        </p:nvSpPr>
-        <p:spPr/>
-        <p:txBody>
-          <a:bodyPr/>
-          <a:lstStyle/>
-          <a:p>
-            <a:r>
-              <a:rPr lang="en-US" dirty="0" smtClean="0"/>
-              <a:t>Humans Are Visual</a:t>
-            </a:r>
-            <a:endParaRPr lang="en-US" dirty="0"/>
-          </a:p>
-        </p:txBody>
-      </p:sp>
-      <p:sp>
-        <p:nvSpPr>
-          <p:cNvPr id="5" name="Rectangle 4"/>
-          <p:cNvSpPr/>
-          <p:nvPr/>
-        </p:nvSpPr>
-        <p:spPr>
-          <a:xfrm>
-            <a:off x="5945191" y="5506635"/>
-            <a:ext cx="6216650" cy="646331"/>
-          </a:xfrm>
-          <a:prstGeom prst="rect">
-            <a:avLst/>
-          </a:prstGeom>
-        </p:spPr>
-        <p:txBody>
-          <a:bodyPr>
-            <a:spAutoFit/>
-          </a:bodyPr>
-          <a:lstStyle/>
-          <a:p>
-            <a:r>
-              <a:rPr lang="en-US" dirty="0" smtClean="0"/>
-              <a:t>http://freebeacon.com/blog/explainer-if-you-dont-pay-your-bills-you-dont-get-stuff/</a:t>
-            </a:r>
-            <a:endParaRPr lang="en-US" dirty="0"/>
-          </a:p>
-        </p:txBody>
-      </p:sp>
-      <p:pic>
-        <p:nvPicPr>
-          <p:cNvPr id="8" name="Picture 7"/>
-          <p:cNvPicPr>
-            <a:picLocks noChangeAspect="1"/>
-          </p:cNvPicPr>
-          <p:nvPr/>
-        </p:nvPicPr>
-        <p:blipFill>
-          <a:blip r:embed="rId2">
-            <a:extLst>
-              <a:ext uri="{28A0092B-C50C-407E-A947-70E740481C1C}">
-                <a14:useLocalDpi xmlns:a14="http://schemas.microsoft.com/office/drawing/2010/main" val="0"/>
-              </a:ext>
-            </a:extLst>
-          </a:blip>
-          <a:stretch>
-            <a:fillRect/>
-          </a:stretch>
-        </p:blipFill>
-        <p:spPr>
-          <a:xfrm>
-            <a:off x="503237" y="1506538"/>
-            <a:ext cx="5257800" cy="4646428"/>
-          </a:xfrm>
-          <a:prstGeom prst="rect">
-            <a:avLst/>
-          </a:prstGeom>
-        </p:spPr>
-      </p:pic>
-    </p:spTree>
-    <p:extLst>
-      <p:ext uri="{BB962C8B-B14F-4D97-AF65-F5344CB8AC3E}">
-        <p14:creationId xmlns:p14="http://schemas.microsoft.com/office/powerpoint/2010/main" val="3408729877"/>
-      </p:ext>
-    </p:extLst>
-  </p:cSld>
-  <p:clrMapOvr>
-    <a:masterClrMapping/>
-  </p:clrMapOvr>
-  <p:transition>
-    <p:fade/>
-  </p:transition>
-</p:sld>
-</file>
-
 <file path=ppt/slides/slide2.xml><?xml version="1.0" encoding="utf-8"?>
 <p:sld xmlns:a="http://schemas.openxmlformats.org/drawingml/2006/main" xmlns:r="http://schemas.openxmlformats.org/officeDocument/2006/relationships" xmlns:p="http://schemas.openxmlformats.org/presentationml/2006/main">
   <p:cSld>
@@ -23024,11 +23475,7 @@
             </a:pPr>
             <a:r>
               <a:rPr lang="en-US" dirty="0" smtClean="0"/>
-              <a:t>Authored </a:t>
-            </a:r>
-            <a:r>
-              <a:rPr lang="en-US" dirty="0" smtClean="0"/>
-              <a:t>dozens of data visualizations </a:t>
+              <a:t>Authored dozens of data visualizations </a:t>
             </a:r>
           </a:p>
           <a:p>
@@ -23183,6 +23630,157 @@
             <p:ph type="body" sz="quarter" idx="15"/>
           </p:nvPr>
         </p:nvSpPr>
+        <p:spPr>
+          <a:xfrm>
+            <a:off x="5945191" y="1506538"/>
+            <a:ext cx="6216650" cy="2447925"/>
+          </a:xfrm>
+        </p:spPr>
+        <p:txBody>
+          <a:bodyPr anchor="t"/>
+          <a:lstStyle/>
+          <a:p>
+            <a:r>
+              <a:rPr lang="en-US" dirty="0" smtClean="0"/>
+              <a:t>Visuals can be simple or complex</a:t>
+            </a:r>
+          </a:p>
+          <a:p>
+            <a:endParaRPr lang="en-US" dirty="0"/>
+          </a:p>
+          <a:p>
+            <a:r>
+              <a:rPr lang="en-US" dirty="0" smtClean="0"/>
+              <a:t>The value is in the story &amp; message</a:t>
+            </a:r>
+          </a:p>
+        </p:txBody>
+      </p:sp>
+      <p:sp>
+        <p:nvSpPr>
+          <p:cNvPr id="4" name="Title 3"/>
+          <p:cNvSpPr>
+            <a:spLocks noGrp="1"/>
+          </p:cNvSpPr>
+          <p:nvPr>
+            <p:ph type="title"/>
+          </p:nvPr>
+        </p:nvSpPr>
+        <p:spPr/>
+        <p:txBody>
+          <a:bodyPr/>
+          <a:lstStyle/>
+          <a:p>
+            <a:r>
+              <a:rPr lang="en-US" dirty="0" smtClean="0"/>
+              <a:t>Humans Are Visual</a:t>
+            </a:r>
+            <a:endParaRPr lang="en-US" dirty="0"/>
+          </a:p>
+        </p:txBody>
+      </p:sp>
+      <p:sp>
+        <p:nvSpPr>
+          <p:cNvPr id="5" name="Rectangle 4"/>
+          <p:cNvSpPr/>
+          <p:nvPr/>
+        </p:nvSpPr>
+        <p:spPr>
+          <a:xfrm>
+            <a:off x="5945191" y="5506635"/>
+            <a:ext cx="6216650" cy="646331"/>
+          </a:xfrm>
+          <a:prstGeom prst="rect">
+            <a:avLst/>
+          </a:prstGeom>
+        </p:spPr>
+        <p:txBody>
+          <a:bodyPr>
+            <a:spAutoFit/>
+          </a:bodyPr>
+          <a:lstStyle/>
+          <a:p>
+            <a:r>
+              <a:rPr lang="en-US" dirty="0" smtClean="0"/>
+              <a:t>http://freebeacon.com/blog/explainer-if-you-dont-pay-your-bills-you-dont-get-stuff/</a:t>
+            </a:r>
+            <a:endParaRPr lang="en-US" dirty="0"/>
+          </a:p>
+        </p:txBody>
+      </p:sp>
+      <p:pic>
+        <p:nvPicPr>
+          <p:cNvPr id="8" name="Picture 7"/>
+          <p:cNvPicPr>
+            <a:picLocks noChangeAspect="1"/>
+          </p:cNvPicPr>
+          <p:nvPr/>
+        </p:nvPicPr>
+        <p:blipFill>
+          <a:blip r:embed="rId2">
+            <a:extLst>
+              <a:ext uri="{28A0092B-C50C-407E-A947-70E740481C1C}">
+                <a14:useLocalDpi xmlns:a14="http://schemas.microsoft.com/office/drawing/2010/main" val="0"/>
+              </a:ext>
+            </a:extLst>
+          </a:blip>
+          <a:stretch>
+            <a:fillRect/>
+          </a:stretch>
+        </p:blipFill>
+        <p:spPr>
+          <a:xfrm>
+            <a:off x="503237" y="1506538"/>
+            <a:ext cx="5257800" cy="4646428"/>
+          </a:xfrm>
+          <a:prstGeom prst="rect">
+            <a:avLst/>
+          </a:prstGeom>
+        </p:spPr>
+      </p:pic>
+    </p:spTree>
+    <p:extLst>
+      <p:ext uri="{BB962C8B-B14F-4D97-AF65-F5344CB8AC3E}">
+        <p14:creationId xmlns:p14="http://schemas.microsoft.com/office/powerpoint/2010/main" val="3408729877"/>
+      </p:ext>
+    </p:extLst>
+  </p:cSld>
+  <p:clrMapOvr>
+    <a:masterClrMapping/>
+  </p:clrMapOvr>
+  <p:transition>
+    <p:fade/>
+  </p:transition>
+</p:sld>
+</file>
+
+<file path=ppt/slides/slide21.xml><?xml version="1.0" encoding="utf-8"?>
+<p:sld xmlns:a="http://schemas.openxmlformats.org/drawingml/2006/main" xmlns:r="http://schemas.openxmlformats.org/officeDocument/2006/relationships" xmlns:p="http://schemas.openxmlformats.org/presentationml/2006/main">
+  <p:cSld>
+    <p:spTree>
+      <p:nvGrpSpPr>
+        <p:cNvPr id="1" name=""/>
+        <p:cNvGrpSpPr/>
+        <p:nvPr/>
+      </p:nvGrpSpPr>
+      <p:grpSpPr>
+        <a:xfrm>
+          <a:off x="0" y="0"/>
+          <a:ext cx="0" cy="0"/>
+          <a:chOff x="0" y="0"/>
+          <a:chExt cx="0" cy="0"/>
+        </a:xfrm>
+      </p:grpSpPr>
+      <p:sp>
+        <p:nvSpPr>
+          <p:cNvPr id="2" name="Text Placeholder 1"/>
+          <p:cNvSpPr>
+            <a:spLocks noGrp="1"/>
+          </p:cNvSpPr>
+          <p:nvPr>
+            <p:ph type="body" sz="quarter" idx="15"/>
+          </p:nvPr>
+        </p:nvSpPr>
         <p:spPr/>
         <p:txBody>
           <a:bodyPr/>
@@ -23263,7 +23861,7 @@
 </p:sld>
 </file>
 
-<file path=ppt/slides/slide21.xml><?xml version="1.0" encoding="utf-8"?>
+<file path=ppt/slides/slide22.xml><?xml version="1.0" encoding="utf-8"?>
 <p:sld xmlns:a="http://schemas.openxmlformats.org/drawingml/2006/main" xmlns:r="http://schemas.openxmlformats.org/officeDocument/2006/relationships" xmlns:p="http://schemas.openxmlformats.org/presentationml/2006/main">
   <p:cSld>
     <p:spTree>
@@ -23874,668 +24472,6 @@
     <p:extLst>
       <p:ext uri="{BB962C8B-B14F-4D97-AF65-F5344CB8AC3E}">
         <p14:creationId xmlns:p14="http://schemas.microsoft.com/office/powerpoint/2010/main" val="783279586"/>
-      </p:ext>
-    </p:extLst>
-  </p:cSld>
-  <p:clrMapOvr>
-    <a:masterClrMapping/>
-  </p:clrMapOvr>
-  <p:transition>
-    <p:fade/>
-  </p:transition>
-</p:sld>
-</file>
-
-<file path=ppt/slides/slide22.xml><?xml version="1.0" encoding="utf-8"?>
-<p:sld xmlns:a="http://schemas.openxmlformats.org/drawingml/2006/main" xmlns:r="http://schemas.openxmlformats.org/officeDocument/2006/relationships" xmlns:p="http://schemas.openxmlformats.org/presentationml/2006/main">
-  <p:cSld>
-    <p:spTree>
-      <p:nvGrpSpPr>
-        <p:cNvPr id="1" name=""/>
-        <p:cNvGrpSpPr/>
-        <p:nvPr/>
-      </p:nvGrpSpPr>
-      <p:grpSpPr>
-        <a:xfrm>
-          <a:off x="0" y="0"/>
-          <a:ext cx="0" cy="0"/>
-          <a:chOff x="0" y="0"/>
-          <a:chExt cx="0" cy="0"/>
-        </a:xfrm>
-      </p:grpSpPr>
-      <p:sp>
-        <p:nvSpPr>
-          <p:cNvPr id="2" name="Text Placeholder 1"/>
-          <p:cNvSpPr>
-            <a:spLocks noGrp="1"/>
-          </p:cNvSpPr>
-          <p:nvPr>
-            <p:ph type="body" sz="quarter" idx="10"/>
-          </p:nvPr>
-        </p:nvSpPr>
-        <p:spPr>
-          <a:xfrm>
-            <a:off x="274638" y="1212850"/>
-            <a:ext cx="11887200" cy="738664"/>
-          </a:xfrm>
-        </p:spPr>
-        <p:txBody>
-          <a:bodyPr/>
-          <a:lstStyle/>
-          <a:p>
-            <a:pPr marL="0" indent="0">
-              <a:buNone/>
-            </a:pPr>
-            <a:r>
-              <a:rPr lang="en-US" dirty="0" smtClean="0"/>
-              <a:t> </a:t>
-            </a:r>
-            <a:endParaRPr lang="en-US" dirty="0"/>
-          </a:p>
-        </p:txBody>
-      </p:sp>
-      <p:sp>
-        <p:nvSpPr>
-          <p:cNvPr id="4" name="Title 3"/>
-          <p:cNvSpPr>
-            <a:spLocks noGrp="1"/>
-          </p:cNvSpPr>
-          <p:nvPr>
-            <p:ph type="title"/>
-          </p:nvPr>
-        </p:nvSpPr>
-        <p:spPr/>
-        <p:txBody>
-          <a:bodyPr/>
-          <a:lstStyle/>
-          <a:p>
-            <a:r>
-              <a:rPr lang="en-US" dirty="0" smtClean="0"/>
-              <a:t>Designing Data</a:t>
-            </a:r>
-            <a:endParaRPr lang="en-US" dirty="0"/>
-          </a:p>
-        </p:txBody>
-      </p:sp>
-      <p:sp>
-        <p:nvSpPr>
-          <p:cNvPr id="3" name="Rectangle 2"/>
-          <p:cNvSpPr/>
-          <p:nvPr/>
-        </p:nvSpPr>
-        <p:spPr bwMode="auto">
-          <a:xfrm>
-            <a:off x="503237" y="1439862"/>
-            <a:ext cx="4267200" cy="5105400"/>
-          </a:xfrm>
-          <a:prstGeom prst="rect">
-            <a:avLst/>
-          </a:prstGeom>
-          <a:solidFill>
-            <a:srgbClr val="B4A0FF"/>
-          </a:solidFill>
-          <a:ln>
-            <a:headEnd type="none" w="med" len="med"/>
-            <a:tailEnd type="none" w="med" len="med"/>
-          </a:ln>
-        </p:spPr>
-        <p:style>
-          <a:lnRef idx="3">
-            <a:schemeClr val="lt1"/>
-          </a:lnRef>
-          <a:fillRef idx="1">
-            <a:schemeClr val="accent2"/>
-          </a:fillRef>
-          <a:effectRef idx="1">
-            <a:schemeClr val="accent2"/>
-          </a:effectRef>
-          <a:fontRef idx="minor">
-            <a:schemeClr val="lt1"/>
-          </a:fontRef>
-        </p:style>
-        <p:txBody>
-          <a:bodyPr lIns="91440" tIns="91440" rIns="34294" bIns="34294" rtlCol="0" anchor="t" anchorCtr="0"/>
-          <a:lstStyle/>
-          <a:p>
-            <a:pPr defTabSz="932406"/>
-            <a:endParaRPr lang="en-US" sz="2800" dirty="0" smtClean="0">
-              <a:gradFill>
-                <a:gsLst>
-                  <a:gs pos="0">
-                    <a:srgbClr val="FFFFFF"/>
-                  </a:gs>
-                  <a:gs pos="100000">
-                    <a:srgbClr val="FFFFFF"/>
-                  </a:gs>
-                </a:gsLst>
-                <a:lin ang="5400000" scaled="0"/>
-              </a:gradFill>
-              <a:ea typeface="Segoe UI" pitchFamily="34" charset="0"/>
-              <a:cs typeface="Segoe UI" pitchFamily="34" charset="0"/>
-            </a:endParaRPr>
-          </a:p>
-          <a:p>
-            <a:pPr defTabSz="932406"/>
-            <a:endParaRPr lang="en-US" sz="2800" dirty="0">
-              <a:gradFill>
-                <a:gsLst>
-                  <a:gs pos="0">
-                    <a:srgbClr val="FFFFFF"/>
-                  </a:gs>
-                  <a:gs pos="100000">
-                    <a:srgbClr val="FFFFFF"/>
-                  </a:gs>
-                </a:gsLst>
-                <a:lin ang="5400000" scaled="0"/>
-              </a:gradFill>
-              <a:ea typeface="Segoe UI" pitchFamily="34" charset="0"/>
-              <a:cs typeface="Segoe UI" pitchFamily="34" charset="0"/>
-            </a:endParaRPr>
-          </a:p>
-          <a:p>
-            <a:pPr defTabSz="932406"/>
-            <a:r>
-              <a:rPr lang="en-US" sz="2800" dirty="0" smtClean="0">
-                <a:gradFill>
-                  <a:gsLst>
-                    <a:gs pos="0">
-                      <a:srgbClr val="FFFFFF"/>
-                    </a:gs>
-                    <a:gs pos="100000">
-                      <a:srgbClr val="FFFFFF"/>
-                    </a:gs>
-                  </a:gsLst>
-                  <a:lin ang="5400000" scaled="0"/>
-                </a:gradFill>
-                <a:ea typeface="Segoe UI" pitchFamily="34" charset="0"/>
-                <a:cs typeface="Segoe UI" pitchFamily="34" charset="0"/>
-              </a:rPr>
-              <a:t>Layout / placement of data visuals</a:t>
-            </a:r>
-          </a:p>
-          <a:p>
-            <a:pPr defTabSz="932406"/>
-            <a:endParaRPr lang="en-US" sz="2800" dirty="0">
-              <a:gradFill>
-                <a:gsLst>
-                  <a:gs pos="0">
-                    <a:srgbClr val="FFFFFF"/>
-                  </a:gs>
-                  <a:gs pos="100000">
-                    <a:srgbClr val="FFFFFF"/>
-                  </a:gs>
-                </a:gsLst>
-                <a:lin ang="5400000" scaled="0"/>
-              </a:gradFill>
-              <a:ea typeface="Segoe UI" pitchFamily="34" charset="0"/>
-              <a:cs typeface="Segoe UI" pitchFamily="34" charset="0"/>
-            </a:endParaRPr>
-          </a:p>
-          <a:p>
-            <a:pPr defTabSz="932406"/>
-            <a:r>
-              <a:rPr lang="en-US" sz="2800" dirty="0" smtClean="0">
-                <a:gradFill>
-                  <a:gsLst>
-                    <a:gs pos="0">
-                      <a:srgbClr val="FFFFFF"/>
-                    </a:gs>
-                    <a:gs pos="100000">
-                      <a:srgbClr val="FFFFFF"/>
-                    </a:gs>
-                  </a:gsLst>
-                  <a:lin ang="5400000" scaled="0"/>
-                </a:gradFill>
-                <a:ea typeface="Segoe UI" pitchFamily="34" charset="0"/>
-                <a:cs typeface="Segoe UI" pitchFamily="34" charset="0"/>
-              </a:rPr>
-              <a:t>Color theory, selection</a:t>
-            </a:r>
-          </a:p>
-          <a:p>
-            <a:pPr defTabSz="932406"/>
-            <a:endParaRPr lang="en-US" sz="2800" dirty="0">
-              <a:gradFill>
-                <a:gsLst>
-                  <a:gs pos="0">
-                    <a:srgbClr val="FFFFFF"/>
-                  </a:gs>
-                  <a:gs pos="100000">
-                    <a:srgbClr val="FFFFFF"/>
-                  </a:gs>
-                </a:gsLst>
-                <a:lin ang="5400000" scaled="0"/>
-              </a:gradFill>
-              <a:ea typeface="Segoe UI" pitchFamily="34" charset="0"/>
-              <a:cs typeface="Segoe UI" pitchFamily="34" charset="0"/>
-            </a:endParaRPr>
-          </a:p>
-          <a:p>
-            <a:pPr defTabSz="932406"/>
-            <a:r>
-              <a:rPr lang="en-US" sz="2800" dirty="0" smtClean="0">
-                <a:gradFill>
-                  <a:gsLst>
-                    <a:gs pos="0">
-                      <a:srgbClr val="FFFFFF"/>
-                    </a:gs>
-                    <a:gs pos="100000">
-                      <a:srgbClr val="FFFFFF"/>
-                    </a:gs>
-                  </a:gsLst>
-                  <a:lin ang="5400000" scaled="0"/>
-                </a:gradFill>
-                <a:ea typeface="Segoe UI" pitchFamily="34" charset="0"/>
-                <a:cs typeface="Segoe UI" pitchFamily="34" charset="0"/>
-              </a:rPr>
-              <a:t>Typography </a:t>
-            </a:r>
-            <a:endParaRPr lang="en-US" sz="2800" dirty="0">
-              <a:gradFill>
-                <a:gsLst>
-                  <a:gs pos="0">
-                    <a:srgbClr val="FFFFFF"/>
-                  </a:gs>
-                  <a:gs pos="100000">
-                    <a:srgbClr val="FFFFFF"/>
-                  </a:gs>
-                </a:gsLst>
-                <a:lin ang="5400000" scaled="0"/>
-              </a:gradFill>
-              <a:ea typeface="Segoe UI" pitchFamily="34" charset="0"/>
-              <a:cs typeface="Segoe UI" pitchFamily="34" charset="0"/>
-            </a:endParaRPr>
-          </a:p>
-        </p:txBody>
-      </p:sp>
-      <p:sp>
-        <p:nvSpPr>
-          <p:cNvPr id="5" name="Rectangle 4"/>
-          <p:cNvSpPr/>
-          <p:nvPr/>
-        </p:nvSpPr>
-        <p:spPr bwMode="auto">
-          <a:xfrm>
-            <a:off x="503237" y="1439862"/>
-            <a:ext cx="4267200" cy="685800"/>
-          </a:xfrm>
-          <a:prstGeom prst="rect">
-            <a:avLst/>
-          </a:prstGeom>
-          <a:solidFill>
-            <a:srgbClr val="5C2D91"/>
-          </a:solidFill>
-          <a:ln>
-            <a:headEnd type="none" w="med" len="med"/>
-            <a:tailEnd type="none" w="med" len="med"/>
-          </a:ln>
-        </p:spPr>
-        <p:style>
-          <a:lnRef idx="3">
-            <a:schemeClr val="lt1"/>
-          </a:lnRef>
-          <a:fillRef idx="1">
-            <a:schemeClr val="accent1"/>
-          </a:fillRef>
-          <a:effectRef idx="1">
-            <a:schemeClr val="accent1"/>
-          </a:effectRef>
-          <a:fontRef idx="minor">
-            <a:schemeClr val="lt1"/>
-          </a:fontRef>
-        </p:style>
-        <p:txBody>
-          <a:bodyPr lIns="91440" tIns="91440" rIns="34294" bIns="34294" rtlCol="0" anchor="ctr" anchorCtr="0"/>
-          <a:lstStyle/>
-          <a:p>
-            <a:pPr algn="ctr" defTabSz="932406"/>
-            <a:r>
-              <a:rPr lang="en-US" sz="3600" dirty="0" smtClean="0">
-                <a:gradFill>
-                  <a:gsLst>
-                    <a:gs pos="0">
-                      <a:srgbClr val="FFFFFF"/>
-                    </a:gs>
-                    <a:gs pos="100000">
-                      <a:srgbClr val="FFFFFF"/>
-                    </a:gs>
-                  </a:gsLst>
-                  <a:lin ang="5400000" scaled="0"/>
-                </a:gradFill>
-                <a:ea typeface="Segoe UI" pitchFamily="34" charset="0"/>
-                <a:cs typeface="Segoe UI" pitchFamily="34" charset="0"/>
-              </a:rPr>
-              <a:t>Abilities</a:t>
-            </a:r>
-            <a:endParaRPr lang="en-US" sz="3600" dirty="0">
-              <a:gradFill>
-                <a:gsLst>
-                  <a:gs pos="0">
-                    <a:srgbClr val="FFFFFF"/>
-                  </a:gs>
-                  <a:gs pos="100000">
-                    <a:srgbClr val="FFFFFF"/>
-                  </a:gs>
-                </a:gsLst>
-                <a:lin ang="5400000" scaled="0"/>
-              </a:gradFill>
-              <a:ea typeface="Segoe UI" pitchFamily="34" charset="0"/>
-              <a:cs typeface="Segoe UI" pitchFamily="34" charset="0"/>
-            </a:endParaRPr>
-          </a:p>
-        </p:txBody>
-      </p:sp>
-      <p:sp>
-        <p:nvSpPr>
-          <p:cNvPr id="6" name="Rectangle 5"/>
-          <p:cNvSpPr/>
-          <p:nvPr/>
-        </p:nvSpPr>
-        <p:spPr bwMode="auto">
-          <a:xfrm>
-            <a:off x="6751637" y="1439862"/>
-            <a:ext cx="4572000" cy="5105400"/>
-          </a:xfrm>
-          <a:prstGeom prst="rect">
-            <a:avLst/>
-          </a:prstGeom>
-          <a:solidFill>
-            <a:srgbClr val="B4A0FF"/>
-          </a:solidFill>
-          <a:ln>
-            <a:headEnd type="none" w="med" len="med"/>
-            <a:tailEnd type="none" w="med" len="med"/>
-          </a:ln>
-        </p:spPr>
-        <p:style>
-          <a:lnRef idx="3">
-            <a:schemeClr val="lt1"/>
-          </a:lnRef>
-          <a:fillRef idx="1">
-            <a:schemeClr val="accent2"/>
-          </a:fillRef>
-          <a:effectRef idx="1">
-            <a:schemeClr val="accent2"/>
-          </a:effectRef>
-          <a:fontRef idx="minor">
-            <a:schemeClr val="lt1"/>
-          </a:fontRef>
-        </p:style>
-        <p:txBody>
-          <a:bodyPr lIns="91440" tIns="91440" rIns="34294" bIns="34294" rtlCol="0" anchor="t" anchorCtr="0"/>
-          <a:lstStyle/>
-          <a:p>
-            <a:pPr defTabSz="932406"/>
-            <a:endParaRPr lang="en-US" sz="3200" dirty="0" smtClean="0">
-              <a:gradFill>
-                <a:gsLst>
-                  <a:gs pos="0">
-                    <a:srgbClr val="FFFFFF"/>
-                  </a:gs>
-                  <a:gs pos="100000">
-                    <a:srgbClr val="FFFFFF"/>
-                  </a:gs>
-                </a:gsLst>
-                <a:lin ang="5400000" scaled="0"/>
-              </a:gradFill>
-              <a:ea typeface="Segoe UI" pitchFamily="34" charset="0"/>
-              <a:cs typeface="Segoe UI" pitchFamily="34" charset="0"/>
-            </a:endParaRPr>
-          </a:p>
-          <a:p>
-            <a:pPr defTabSz="932406"/>
-            <a:endParaRPr lang="en-US" sz="2800" dirty="0" smtClean="0">
-              <a:gradFill>
-                <a:gsLst>
-                  <a:gs pos="0">
-                    <a:srgbClr val="FFFFFF"/>
-                  </a:gs>
-                  <a:gs pos="100000">
-                    <a:srgbClr val="FFFFFF"/>
-                  </a:gs>
-                </a:gsLst>
-                <a:lin ang="5400000" scaled="0"/>
-              </a:gradFill>
-              <a:ea typeface="Segoe UI" pitchFamily="34" charset="0"/>
-              <a:cs typeface="Segoe UI" pitchFamily="34" charset="0"/>
-            </a:endParaRPr>
-          </a:p>
-          <a:p>
-            <a:pPr defTabSz="932406"/>
-            <a:r>
-              <a:rPr lang="en-US" sz="2800" dirty="0">
-                <a:gradFill>
-                  <a:gsLst>
-                    <a:gs pos="0">
-                      <a:srgbClr val="FFFFFF"/>
-                    </a:gs>
-                    <a:gs pos="100000">
-                      <a:srgbClr val="FFFFFF"/>
-                    </a:gs>
-                  </a:gsLst>
-                  <a:lin ang="5400000" scaled="0"/>
-                </a:gradFill>
-                <a:ea typeface="Segoe UI" pitchFamily="34" charset="0"/>
-                <a:cs typeface="Segoe UI" pitchFamily="34" charset="0"/>
-              </a:rPr>
-              <a:t>A</a:t>
-            </a:r>
-            <a:r>
-              <a:rPr lang="en-US" sz="2800" dirty="0" smtClean="0">
-                <a:gradFill>
-                  <a:gsLst>
-                    <a:gs pos="0">
-                      <a:srgbClr val="FFFFFF"/>
-                    </a:gs>
-                    <a:gs pos="100000">
-                      <a:srgbClr val="FFFFFF"/>
-                    </a:gs>
-                  </a:gsLst>
-                  <a:lin ang="5400000" scaled="0"/>
-                </a:gradFill>
-                <a:ea typeface="Segoe UI" pitchFamily="34" charset="0"/>
-                <a:cs typeface="Segoe UI" pitchFamily="34" charset="0"/>
-              </a:rPr>
-              <a:t>utomated charting (easy)</a:t>
-            </a:r>
-          </a:p>
-          <a:p>
-            <a:pPr defTabSz="932406"/>
-            <a:endParaRPr lang="en-US" sz="2800" dirty="0" smtClean="0">
-              <a:gradFill>
-                <a:gsLst>
-                  <a:gs pos="0">
-                    <a:srgbClr val="FFFFFF"/>
-                  </a:gs>
-                  <a:gs pos="100000">
-                    <a:srgbClr val="FFFFFF"/>
-                  </a:gs>
-                </a:gsLst>
-                <a:lin ang="5400000" scaled="0"/>
-              </a:gradFill>
-              <a:ea typeface="Segoe UI" pitchFamily="34" charset="0"/>
-              <a:cs typeface="Segoe UI" pitchFamily="34" charset="0"/>
-            </a:endParaRPr>
-          </a:p>
-          <a:p>
-            <a:pPr defTabSz="932406"/>
-            <a:r>
-              <a:rPr lang="en-US" sz="2800" dirty="0" smtClean="0">
-                <a:gradFill>
-                  <a:gsLst>
-                    <a:gs pos="0">
-                      <a:srgbClr val="FFFFFF"/>
-                    </a:gs>
-                    <a:gs pos="100000">
-                      <a:srgbClr val="FFFFFF"/>
-                    </a:gs>
-                  </a:gsLst>
-                  <a:lin ang="5400000" scaled="0"/>
-                </a:gradFill>
-                <a:ea typeface="Segoe UI" pitchFamily="34" charset="0"/>
-                <a:cs typeface="Segoe UI" pitchFamily="34" charset="0"/>
-              </a:rPr>
-              <a:t>Custom charting redesigned in imaging software such as Photoshop</a:t>
-            </a:r>
-            <a:r>
-              <a:rPr lang="en-US" sz="2800" dirty="0">
-                <a:gradFill>
-                  <a:gsLst>
-                    <a:gs pos="0">
-                      <a:srgbClr val="FFFFFF"/>
-                    </a:gs>
-                    <a:gs pos="100000">
-                      <a:srgbClr val="FFFFFF"/>
-                    </a:gs>
-                  </a:gsLst>
-                  <a:lin ang="5400000" scaled="0"/>
-                </a:gradFill>
-                <a:ea typeface="Segoe UI" pitchFamily="34" charset="0"/>
-                <a:cs typeface="Segoe UI" pitchFamily="34" charset="0"/>
-              </a:rPr>
-              <a:t> </a:t>
-            </a:r>
-            <a:r>
-              <a:rPr lang="en-US" sz="2800" dirty="0" smtClean="0">
-                <a:gradFill>
-                  <a:gsLst>
-                    <a:gs pos="0">
-                      <a:srgbClr val="FFFFFF"/>
-                    </a:gs>
-                    <a:gs pos="100000">
-                      <a:srgbClr val="FFFFFF"/>
-                    </a:gs>
-                  </a:gsLst>
-                  <a:lin ang="5400000" scaled="0"/>
-                </a:gradFill>
-                <a:ea typeface="Segoe UI" pitchFamily="34" charset="0"/>
-                <a:cs typeface="Segoe UI" pitchFamily="34" charset="0"/>
-              </a:rPr>
-              <a:t>(medium)</a:t>
-            </a:r>
-          </a:p>
-          <a:p>
-            <a:pPr defTabSz="932406"/>
-            <a:endParaRPr lang="en-US" sz="2800" dirty="0" smtClean="0">
-              <a:gradFill>
-                <a:gsLst>
-                  <a:gs pos="0">
-                    <a:srgbClr val="FFFFFF"/>
-                  </a:gs>
-                  <a:gs pos="100000">
-                    <a:srgbClr val="FFFFFF"/>
-                  </a:gs>
-                </a:gsLst>
-                <a:lin ang="5400000" scaled="0"/>
-              </a:gradFill>
-              <a:ea typeface="Segoe UI" pitchFamily="34" charset="0"/>
-              <a:cs typeface="Segoe UI" pitchFamily="34" charset="0"/>
-            </a:endParaRPr>
-          </a:p>
-          <a:p>
-            <a:pPr defTabSz="932406"/>
-            <a:r>
-              <a:rPr lang="en-US" sz="2800" dirty="0" smtClean="0">
-                <a:gradFill>
-                  <a:gsLst>
-                    <a:gs pos="0">
-                      <a:srgbClr val="FFFFFF"/>
-                    </a:gs>
-                    <a:gs pos="100000">
-                      <a:srgbClr val="FFFFFF"/>
-                    </a:gs>
-                  </a:gsLst>
-                  <a:lin ang="5400000" scaled="0"/>
-                </a:gradFill>
-                <a:ea typeface="Segoe UI" pitchFamily="34" charset="0"/>
-                <a:cs typeface="Segoe UI" pitchFamily="34" charset="0"/>
-              </a:rPr>
-              <a:t>Custom programmatic visuals (hard)</a:t>
-            </a:r>
-          </a:p>
-        </p:txBody>
-      </p:sp>
-      <p:sp>
-        <p:nvSpPr>
-          <p:cNvPr id="7" name="Rectangle 6"/>
-          <p:cNvSpPr/>
-          <p:nvPr/>
-        </p:nvSpPr>
-        <p:spPr bwMode="auto">
-          <a:xfrm>
-            <a:off x="6749272" y="1439862"/>
-            <a:ext cx="4574365" cy="685800"/>
-          </a:xfrm>
-          <a:prstGeom prst="rect">
-            <a:avLst/>
-          </a:prstGeom>
-          <a:solidFill>
-            <a:srgbClr val="5C2D91"/>
-          </a:solidFill>
-          <a:ln>
-            <a:headEnd type="none" w="med" len="med"/>
-            <a:tailEnd type="none" w="med" len="med"/>
-          </a:ln>
-        </p:spPr>
-        <p:style>
-          <a:lnRef idx="3">
-            <a:schemeClr val="lt1"/>
-          </a:lnRef>
-          <a:fillRef idx="1">
-            <a:schemeClr val="accent1"/>
-          </a:fillRef>
-          <a:effectRef idx="1">
-            <a:schemeClr val="accent1"/>
-          </a:effectRef>
-          <a:fontRef idx="minor">
-            <a:schemeClr val="lt1"/>
-          </a:fontRef>
-        </p:style>
-        <p:txBody>
-          <a:bodyPr lIns="91440" tIns="91440" rIns="34294" bIns="34294" rtlCol="0" anchor="ctr" anchorCtr="0"/>
-          <a:lstStyle/>
-          <a:p>
-            <a:pPr algn="ctr" defTabSz="932406"/>
-            <a:r>
-              <a:rPr lang="en-US" sz="3600" dirty="0" smtClean="0">
-                <a:gradFill>
-                  <a:gsLst>
-                    <a:gs pos="0">
-                      <a:srgbClr val="FFFFFF"/>
-                    </a:gs>
-                    <a:gs pos="100000">
-                      <a:srgbClr val="FFFFFF"/>
-                    </a:gs>
-                  </a:gsLst>
-                  <a:lin ang="5400000" scaled="0"/>
-                </a:gradFill>
-                <a:ea typeface="Segoe UI" pitchFamily="34" charset="0"/>
-                <a:cs typeface="Segoe UI" pitchFamily="34" charset="0"/>
-              </a:rPr>
-              <a:t>Tools</a:t>
-            </a:r>
-            <a:endParaRPr lang="en-US" sz="3600" dirty="0">
-              <a:gradFill>
-                <a:gsLst>
-                  <a:gs pos="0">
-                    <a:srgbClr val="FFFFFF"/>
-                  </a:gs>
-                  <a:gs pos="100000">
-                    <a:srgbClr val="FFFFFF"/>
-                  </a:gs>
-                </a:gsLst>
-                <a:lin ang="5400000" scaled="0"/>
-              </a:gradFill>
-              <a:ea typeface="Segoe UI" pitchFamily="34" charset="0"/>
-              <a:cs typeface="Segoe UI" pitchFamily="34" charset="0"/>
-            </a:endParaRPr>
-          </a:p>
-        </p:txBody>
-      </p:sp>
-    </p:spTree>
-    <p:extLst>
-      <p:ext uri="{BB962C8B-B14F-4D97-AF65-F5344CB8AC3E}">
-        <p14:creationId xmlns:p14="http://schemas.microsoft.com/office/powerpoint/2010/main" val="2573030395"/>
       </p:ext>
     </p:extLst>
   </p:cSld>
@@ -24613,6 +24549,668 @@
           <a:p>
             <a:r>
               <a:rPr lang="en-US" dirty="0" smtClean="0"/>
+              <a:t>Designing Data</a:t>
+            </a:r>
+            <a:endParaRPr lang="en-US" dirty="0"/>
+          </a:p>
+        </p:txBody>
+      </p:sp>
+      <p:sp>
+        <p:nvSpPr>
+          <p:cNvPr id="3" name="Rectangle 2"/>
+          <p:cNvSpPr/>
+          <p:nvPr/>
+        </p:nvSpPr>
+        <p:spPr bwMode="auto">
+          <a:xfrm>
+            <a:off x="503237" y="1439862"/>
+            <a:ext cx="4267200" cy="5105400"/>
+          </a:xfrm>
+          <a:prstGeom prst="rect">
+            <a:avLst/>
+          </a:prstGeom>
+          <a:solidFill>
+            <a:srgbClr val="B4A0FF"/>
+          </a:solidFill>
+          <a:ln>
+            <a:headEnd type="none" w="med" len="med"/>
+            <a:tailEnd type="none" w="med" len="med"/>
+          </a:ln>
+        </p:spPr>
+        <p:style>
+          <a:lnRef idx="3">
+            <a:schemeClr val="lt1"/>
+          </a:lnRef>
+          <a:fillRef idx="1">
+            <a:schemeClr val="accent2"/>
+          </a:fillRef>
+          <a:effectRef idx="1">
+            <a:schemeClr val="accent2"/>
+          </a:effectRef>
+          <a:fontRef idx="minor">
+            <a:schemeClr val="lt1"/>
+          </a:fontRef>
+        </p:style>
+        <p:txBody>
+          <a:bodyPr lIns="91440" tIns="91440" rIns="34294" bIns="34294" rtlCol="0" anchor="t" anchorCtr="0"/>
+          <a:lstStyle/>
+          <a:p>
+            <a:pPr defTabSz="932406"/>
+            <a:endParaRPr lang="en-US" sz="2800" dirty="0" smtClean="0">
+              <a:gradFill>
+                <a:gsLst>
+                  <a:gs pos="0">
+                    <a:srgbClr val="FFFFFF"/>
+                  </a:gs>
+                  <a:gs pos="100000">
+                    <a:srgbClr val="FFFFFF"/>
+                  </a:gs>
+                </a:gsLst>
+                <a:lin ang="5400000" scaled="0"/>
+              </a:gradFill>
+              <a:ea typeface="Segoe UI" pitchFamily="34" charset="0"/>
+              <a:cs typeface="Segoe UI" pitchFamily="34" charset="0"/>
+            </a:endParaRPr>
+          </a:p>
+          <a:p>
+            <a:pPr defTabSz="932406"/>
+            <a:endParaRPr lang="en-US" sz="2800" dirty="0">
+              <a:gradFill>
+                <a:gsLst>
+                  <a:gs pos="0">
+                    <a:srgbClr val="FFFFFF"/>
+                  </a:gs>
+                  <a:gs pos="100000">
+                    <a:srgbClr val="FFFFFF"/>
+                  </a:gs>
+                </a:gsLst>
+                <a:lin ang="5400000" scaled="0"/>
+              </a:gradFill>
+              <a:ea typeface="Segoe UI" pitchFamily="34" charset="0"/>
+              <a:cs typeface="Segoe UI" pitchFamily="34" charset="0"/>
+            </a:endParaRPr>
+          </a:p>
+          <a:p>
+            <a:pPr defTabSz="932406"/>
+            <a:r>
+              <a:rPr lang="en-US" sz="2800" dirty="0" smtClean="0">
+                <a:gradFill>
+                  <a:gsLst>
+                    <a:gs pos="0">
+                      <a:srgbClr val="FFFFFF"/>
+                    </a:gs>
+                    <a:gs pos="100000">
+                      <a:srgbClr val="FFFFFF"/>
+                    </a:gs>
+                  </a:gsLst>
+                  <a:lin ang="5400000" scaled="0"/>
+                </a:gradFill>
+                <a:ea typeface="Segoe UI" pitchFamily="34" charset="0"/>
+                <a:cs typeface="Segoe UI" pitchFamily="34" charset="0"/>
+              </a:rPr>
+              <a:t>Layout / placement of data visuals</a:t>
+            </a:r>
+          </a:p>
+          <a:p>
+            <a:pPr defTabSz="932406"/>
+            <a:endParaRPr lang="en-US" sz="2800" dirty="0">
+              <a:gradFill>
+                <a:gsLst>
+                  <a:gs pos="0">
+                    <a:srgbClr val="FFFFFF"/>
+                  </a:gs>
+                  <a:gs pos="100000">
+                    <a:srgbClr val="FFFFFF"/>
+                  </a:gs>
+                </a:gsLst>
+                <a:lin ang="5400000" scaled="0"/>
+              </a:gradFill>
+              <a:ea typeface="Segoe UI" pitchFamily="34" charset="0"/>
+              <a:cs typeface="Segoe UI" pitchFamily="34" charset="0"/>
+            </a:endParaRPr>
+          </a:p>
+          <a:p>
+            <a:pPr defTabSz="932406"/>
+            <a:r>
+              <a:rPr lang="en-US" sz="2800" dirty="0" smtClean="0">
+                <a:gradFill>
+                  <a:gsLst>
+                    <a:gs pos="0">
+                      <a:srgbClr val="FFFFFF"/>
+                    </a:gs>
+                    <a:gs pos="100000">
+                      <a:srgbClr val="FFFFFF"/>
+                    </a:gs>
+                  </a:gsLst>
+                  <a:lin ang="5400000" scaled="0"/>
+                </a:gradFill>
+                <a:ea typeface="Segoe UI" pitchFamily="34" charset="0"/>
+                <a:cs typeface="Segoe UI" pitchFamily="34" charset="0"/>
+              </a:rPr>
+              <a:t>Color theory, selection</a:t>
+            </a:r>
+          </a:p>
+          <a:p>
+            <a:pPr defTabSz="932406"/>
+            <a:endParaRPr lang="en-US" sz="2800" dirty="0">
+              <a:gradFill>
+                <a:gsLst>
+                  <a:gs pos="0">
+                    <a:srgbClr val="FFFFFF"/>
+                  </a:gs>
+                  <a:gs pos="100000">
+                    <a:srgbClr val="FFFFFF"/>
+                  </a:gs>
+                </a:gsLst>
+                <a:lin ang="5400000" scaled="0"/>
+              </a:gradFill>
+              <a:ea typeface="Segoe UI" pitchFamily="34" charset="0"/>
+              <a:cs typeface="Segoe UI" pitchFamily="34" charset="0"/>
+            </a:endParaRPr>
+          </a:p>
+          <a:p>
+            <a:pPr defTabSz="932406"/>
+            <a:r>
+              <a:rPr lang="en-US" sz="2800" dirty="0" smtClean="0">
+                <a:gradFill>
+                  <a:gsLst>
+                    <a:gs pos="0">
+                      <a:srgbClr val="FFFFFF"/>
+                    </a:gs>
+                    <a:gs pos="100000">
+                      <a:srgbClr val="FFFFFF"/>
+                    </a:gs>
+                  </a:gsLst>
+                  <a:lin ang="5400000" scaled="0"/>
+                </a:gradFill>
+                <a:ea typeface="Segoe UI" pitchFamily="34" charset="0"/>
+                <a:cs typeface="Segoe UI" pitchFamily="34" charset="0"/>
+              </a:rPr>
+              <a:t>Typography </a:t>
+            </a:r>
+            <a:endParaRPr lang="en-US" sz="2800" dirty="0">
+              <a:gradFill>
+                <a:gsLst>
+                  <a:gs pos="0">
+                    <a:srgbClr val="FFFFFF"/>
+                  </a:gs>
+                  <a:gs pos="100000">
+                    <a:srgbClr val="FFFFFF"/>
+                  </a:gs>
+                </a:gsLst>
+                <a:lin ang="5400000" scaled="0"/>
+              </a:gradFill>
+              <a:ea typeface="Segoe UI" pitchFamily="34" charset="0"/>
+              <a:cs typeface="Segoe UI" pitchFamily="34" charset="0"/>
+            </a:endParaRPr>
+          </a:p>
+        </p:txBody>
+      </p:sp>
+      <p:sp>
+        <p:nvSpPr>
+          <p:cNvPr id="5" name="Rectangle 4"/>
+          <p:cNvSpPr/>
+          <p:nvPr/>
+        </p:nvSpPr>
+        <p:spPr bwMode="auto">
+          <a:xfrm>
+            <a:off x="503237" y="1439862"/>
+            <a:ext cx="4267200" cy="685800"/>
+          </a:xfrm>
+          <a:prstGeom prst="rect">
+            <a:avLst/>
+          </a:prstGeom>
+          <a:solidFill>
+            <a:srgbClr val="5C2D91"/>
+          </a:solidFill>
+          <a:ln>
+            <a:headEnd type="none" w="med" len="med"/>
+            <a:tailEnd type="none" w="med" len="med"/>
+          </a:ln>
+        </p:spPr>
+        <p:style>
+          <a:lnRef idx="3">
+            <a:schemeClr val="lt1"/>
+          </a:lnRef>
+          <a:fillRef idx="1">
+            <a:schemeClr val="accent1"/>
+          </a:fillRef>
+          <a:effectRef idx="1">
+            <a:schemeClr val="accent1"/>
+          </a:effectRef>
+          <a:fontRef idx="minor">
+            <a:schemeClr val="lt1"/>
+          </a:fontRef>
+        </p:style>
+        <p:txBody>
+          <a:bodyPr lIns="91440" tIns="91440" rIns="34294" bIns="34294" rtlCol="0" anchor="ctr" anchorCtr="0"/>
+          <a:lstStyle/>
+          <a:p>
+            <a:pPr algn="ctr" defTabSz="932406"/>
+            <a:r>
+              <a:rPr lang="en-US" sz="3600" dirty="0" smtClean="0">
+                <a:gradFill>
+                  <a:gsLst>
+                    <a:gs pos="0">
+                      <a:srgbClr val="FFFFFF"/>
+                    </a:gs>
+                    <a:gs pos="100000">
+                      <a:srgbClr val="FFFFFF"/>
+                    </a:gs>
+                  </a:gsLst>
+                  <a:lin ang="5400000" scaled="0"/>
+                </a:gradFill>
+                <a:ea typeface="Segoe UI" pitchFamily="34" charset="0"/>
+                <a:cs typeface="Segoe UI" pitchFamily="34" charset="0"/>
+              </a:rPr>
+              <a:t>Abilities</a:t>
+            </a:r>
+            <a:endParaRPr lang="en-US" sz="3600" dirty="0">
+              <a:gradFill>
+                <a:gsLst>
+                  <a:gs pos="0">
+                    <a:srgbClr val="FFFFFF"/>
+                  </a:gs>
+                  <a:gs pos="100000">
+                    <a:srgbClr val="FFFFFF"/>
+                  </a:gs>
+                </a:gsLst>
+                <a:lin ang="5400000" scaled="0"/>
+              </a:gradFill>
+              <a:ea typeface="Segoe UI" pitchFamily="34" charset="0"/>
+              <a:cs typeface="Segoe UI" pitchFamily="34" charset="0"/>
+            </a:endParaRPr>
+          </a:p>
+        </p:txBody>
+      </p:sp>
+      <p:sp>
+        <p:nvSpPr>
+          <p:cNvPr id="6" name="Rectangle 5"/>
+          <p:cNvSpPr/>
+          <p:nvPr/>
+        </p:nvSpPr>
+        <p:spPr bwMode="auto">
+          <a:xfrm>
+            <a:off x="6751637" y="1439862"/>
+            <a:ext cx="4572000" cy="5105400"/>
+          </a:xfrm>
+          <a:prstGeom prst="rect">
+            <a:avLst/>
+          </a:prstGeom>
+          <a:solidFill>
+            <a:srgbClr val="B4A0FF"/>
+          </a:solidFill>
+          <a:ln>
+            <a:headEnd type="none" w="med" len="med"/>
+            <a:tailEnd type="none" w="med" len="med"/>
+          </a:ln>
+        </p:spPr>
+        <p:style>
+          <a:lnRef idx="3">
+            <a:schemeClr val="lt1"/>
+          </a:lnRef>
+          <a:fillRef idx="1">
+            <a:schemeClr val="accent2"/>
+          </a:fillRef>
+          <a:effectRef idx="1">
+            <a:schemeClr val="accent2"/>
+          </a:effectRef>
+          <a:fontRef idx="minor">
+            <a:schemeClr val="lt1"/>
+          </a:fontRef>
+        </p:style>
+        <p:txBody>
+          <a:bodyPr lIns="91440" tIns="91440" rIns="34294" bIns="34294" rtlCol="0" anchor="t" anchorCtr="0"/>
+          <a:lstStyle/>
+          <a:p>
+            <a:pPr defTabSz="932406"/>
+            <a:endParaRPr lang="en-US" sz="3200" dirty="0" smtClean="0">
+              <a:gradFill>
+                <a:gsLst>
+                  <a:gs pos="0">
+                    <a:srgbClr val="FFFFFF"/>
+                  </a:gs>
+                  <a:gs pos="100000">
+                    <a:srgbClr val="FFFFFF"/>
+                  </a:gs>
+                </a:gsLst>
+                <a:lin ang="5400000" scaled="0"/>
+              </a:gradFill>
+              <a:ea typeface="Segoe UI" pitchFamily="34" charset="0"/>
+              <a:cs typeface="Segoe UI" pitchFamily="34" charset="0"/>
+            </a:endParaRPr>
+          </a:p>
+          <a:p>
+            <a:pPr defTabSz="932406"/>
+            <a:endParaRPr lang="en-US" sz="2800" dirty="0" smtClean="0">
+              <a:gradFill>
+                <a:gsLst>
+                  <a:gs pos="0">
+                    <a:srgbClr val="FFFFFF"/>
+                  </a:gs>
+                  <a:gs pos="100000">
+                    <a:srgbClr val="FFFFFF"/>
+                  </a:gs>
+                </a:gsLst>
+                <a:lin ang="5400000" scaled="0"/>
+              </a:gradFill>
+              <a:ea typeface="Segoe UI" pitchFamily="34" charset="0"/>
+              <a:cs typeface="Segoe UI" pitchFamily="34" charset="0"/>
+            </a:endParaRPr>
+          </a:p>
+          <a:p>
+            <a:pPr defTabSz="932406"/>
+            <a:r>
+              <a:rPr lang="en-US" sz="2800" dirty="0">
+                <a:gradFill>
+                  <a:gsLst>
+                    <a:gs pos="0">
+                      <a:srgbClr val="FFFFFF"/>
+                    </a:gs>
+                    <a:gs pos="100000">
+                      <a:srgbClr val="FFFFFF"/>
+                    </a:gs>
+                  </a:gsLst>
+                  <a:lin ang="5400000" scaled="0"/>
+                </a:gradFill>
+                <a:ea typeface="Segoe UI" pitchFamily="34" charset="0"/>
+                <a:cs typeface="Segoe UI" pitchFamily="34" charset="0"/>
+              </a:rPr>
+              <a:t>A</a:t>
+            </a:r>
+            <a:r>
+              <a:rPr lang="en-US" sz="2800" dirty="0" smtClean="0">
+                <a:gradFill>
+                  <a:gsLst>
+                    <a:gs pos="0">
+                      <a:srgbClr val="FFFFFF"/>
+                    </a:gs>
+                    <a:gs pos="100000">
+                      <a:srgbClr val="FFFFFF"/>
+                    </a:gs>
+                  </a:gsLst>
+                  <a:lin ang="5400000" scaled="0"/>
+                </a:gradFill>
+                <a:ea typeface="Segoe UI" pitchFamily="34" charset="0"/>
+                <a:cs typeface="Segoe UI" pitchFamily="34" charset="0"/>
+              </a:rPr>
+              <a:t>utomated charting (easy)</a:t>
+            </a:r>
+          </a:p>
+          <a:p>
+            <a:pPr defTabSz="932406"/>
+            <a:endParaRPr lang="en-US" sz="2800" dirty="0" smtClean="0">
+              <a:gradFill>
+                <a:gsLst>
+                  <a:gs pos="0">
+                    <a:srgbClr val="FFFFFF"/>
+                  </a:gs>
+                  <a:gs pos="100000">
+                    <a:srgbClr val="FFFFFF"/>
+                  </a:gs>
+                </a:gsLst>
+                <a:lin ang="5400000" scaled="0"/>
+              </a:gradFill>
+              <a:ea typeface="Segoe UI" pitchFamily="34" charset="0"/>
+              <a:cs typeface="Segoe UI" pitchFamily="34" charset="0"/>
+            </a:endParaRPr>
+          </a:p>
+          <a:p>
+            <a:pPr defTabSz="932406"/>
+            <a:r>
+              <a:rPr lang="en-US" sz="2800" dirty="0" smtClean="0">
+                <a:gradFill>
+                  <a:gsLst>
+                    <a:gs pos="0">
+                      <a:srgbClr val="FFFFFF"/>
+                    </a:gs>
+                    <a:gs pos="100000">
+                      <a:srgbClr val="FFFFFF"/>
+                    </a:gs>
+                  </a:gsLst>
+                  <a:lin ang="5400000" scaled="0"/>
+                </a:gradFill>
+                <a:ea typeface="Segoe UI" pitchFamily="34" charset="0"/>
+                <a:cs typeface="Segoe UI" pitchFamily="34" charset="0"/>
+              </a:rPr>
+              <a:t>Custom charting redesigned in imaging software such as Photoshop</a:t>
+            </a:r>
+            <a:r>
+              <a:rPr lang="en-US" sz="2800" dirty="0">
+                <a:gradFill>
+                  <a:gsLst>
+                    <a:gs pos="0">
+                      <a:srgbClr val="FFFFFF"/>
+                    </a:gs>
+                    <a:gs pos="100000">
+                      <a:srgbClr val="FFFFFF"/>
+                    </a:gs>
+                  </a:gsLst>
+                  <a:lin ang="5400000" scaled="0"/>
+                </a:gradFill>
+                <a:ea typeface="Segoe UI" pitchFamily="34" charset="0"/>
+                <a:cs typeface="Segoe UI" pitchFamily="34" charset="0"/>
+              </a:rPr>
+              <a:t> </a:t>
+            </a:r>
+            <a:r>
+              <a:rPr lang="en-US" sz="2800" dirty="0" smtClean="0">
+                <a:gradFill>
+                  <a:gsLst>
+                    <a:gs pos="0">
+                      <a:srgbClr val="FFFFFF"/>
+                    </a:gs>
+                    <a:gs pos="100000">
+                      <a:srgbClr val="FFFFFF"/>
+                    </a:gs>
+                  </a:gsLst>
+                  <a:lin ang="5400000" scaled="0"/>
+                </a:gradFill>
+                <a:ea typeface="Segoe UI" pitchFamily="34" charset="0"/>
+                <a:cs typeface="Segoe UI" pitchFamily="34" charset="0"/>
+              </a:rPr>
+              <a:t>(medium)</a:t>
+            </a:r>
+          </a:p>
+          <a:p>
+            <a:pPr defTabSz="932406"/>
+            <a:endParaRPr lang="en-US" sz="2800" dirty="0" smtClean="0">
+              <a:gradFill>
+                <a:gsLst>
+                  <a:gs pos="0">
+                    <a:srgbClr val="FFFFFF"/>
+                  </a:gs>
+                  <a:gs pos="100000">
+                    <a:srgbClr val="FFFFFF"/>
+                  </a:gs>
+                </a:gsLst>
+                <a:lin ang="5400000" scaled="0"/>
+              </a:gradFill>
+              <a:ea typeface="Segoe UI" pitchFamily="34" charset="0"/>
+              <a:cs typeface="Segoe UI" pitchFamily="34" charset="0"/>
+            </a:endParaRPr>
+          </a:p>
+          <a:p>
+            <a:pPr defTabSz="932406"/>
+            <a:r>
+              <a:rPr lang="en-US" sz="2800" dirty="0" smtClean="0">
+                <a:gradFill>
+                  <a:gsLst>
+                    <a:gs pos="0">
+                      <a:srgbClr val="FFFFFF"/>
+                    </a:gs>
+                    <a:gs pos="100000">
+                      <a:srgbClr val="FFFFFF"/>
+                    </a:gs>
+                  </a:gsLst>
+                  <a:lin ang="5400000" scaled="0"/>
+                </a:gradFill>
+                <a:ea typeface="Segoe UI" pitchFamily="34" charset="0"/>
+                <a:cs typeface="Segoe UI" pitchFamily="34" charset="0"/>
+              </a:rPr>
+              <a:t>Custom programmatic visuals (hard)</a:t>
+            </a:r>
+          </a:p>
+        </p:txBody>
+      </p:sp>
+      <p:sp>
+        <p:nvSpPr>
+          <p:cNvPr id="7" name="Rectangle 6"/>
+          <p:cNvSpPr/>
+          <p:nvPr/>
+        </p:nvSpPr>
+        <p:spPr bwMode="auto">
+          <a:xfrm>
+            <a:off x="6749272" y="1439862"/>
+            <a:ext cx="4574365" cy="685800"/>
+          </a:xfrm>
+          <a:prstGeom prst="rect">
+            <a:avLst/>
+          </a:prstGeom>
+          <a:solidFill>
+            <a:srgbClr val="5C2D91"/>
+          </a:solidFill>
+          <a:ln>
+            <a:headEnd type="none" w="med" len="med"/>
+            <a:tailEnd type="none" w="med" len="med"/>
+          </a:ln>
+        </p:spPr>
+        <p:style>
+          <a:lnRef idx="3">
+            <a:schemeClr val="lt1"/>
+          </a:lnRef>
+          <a:fillRef idx="1">
+            <a:schemeClr val="accent1"/>
+          </a:fillRef>
+          <a:effectRef idx="1">
+            <a:schemeClr val="accent1"/>
+          </a:effectRef>
+          <a:fontRef idx="minor">
+            <a:schemeClr val="lt1"/>
+          </a:fontRef>
+        </p:style>
+        <p:txBody>
+          <a:bodyPr lIns="91440" tIns="91440" rIns="34294" bIns="34294" rtlCol="0" anchor="ctr" anchorCtr="0"/>
+          <a:lstStyle/>
+          <a:p>
+            <a:pPr algn="ctr" defTabSz="932406"/>
+            <a:r>
+              <a:rPr lang="en-US" sz="3600" dirty="0" smtClean="0">
+                <a:gradFill>
+                  <a:gsLst>
+                    <a:gs pos="0">
+                      <a:srgbClr val="FFFFFF"/>
+                    </a:gs>
+                    <a:gs pos="100000">
+                      <a:srgbClr val="FFFFFF"/>
+                    </a:gs>
+                  </a:gsLst>
+                  <a:lin ang="5400000" scaled="0"/>
+                </a:gradFill>
+                <a:ea typeface="Segoe UI" pitchFamily="34" charset="0"/>
+                <a:cs typeface="Segoe UI" pitchFamily="34" charset="0"/>
+              </a:rPr>
+              <a:t>Tools</a:t>
+            </a:r>
+            <a:endParaRPr lang="en-US" sz="3600" dirty="0">
+              <a:gradFill>
+                <a:gsLst>
+                  <a:gs pos="0">
+                    <a:srgbClr val="FFFFFF"/>
+                  </a:gs>
+                  <a:gs pos="100000">
+                    <a:srgbClr val="FFFFFF"/>
+                  </a:gs>
+                </a:gsLst>
+                <a:lin ang="5400000" scaled="0"/>
+              </a:gradFill>
+              <a:ea typeface="Segoe UI" pitchFamily="34" charset="0"/>
+              <a:cs typeface="Segoe UI" pitchFamily="34" charset="0"/>
+            </a:endParaRPr>
+          </a:p>
+        </p:txBody>
+      </p:sp>
+    </p:spTree>
+    <p:extLst>
+      <p:ext uri="{BB962C8B-B14F-4D97-AF65-F5344CB8AC3E}">
+        <p14:creationId xmlns:p14="http://schemas.microsoft.com/office/powerpoint/2010/main" val="2573030395"/>
+      </p:ext>
+    </p:extLst>
+  </p:cSld>
+  <p:clrMapOvr>
+    <a:masterClrMapping/>
+  </p:clrMapOvr>
+  <p:transition>
+    <p:fade/>
+  </p:transition>
+</p:sld>
+</file>
+
+<file path=ppt/slides/slide24.xml><?xml version="1.0" encoding="utf-8"?>
+<p:sld xmlns:a="http://schemas.openxmlformats.org/drawingml/2006/main" xmlns:r="http://schemas.openxmlformats.org/officeDocument/2006/relationships" xmlns:p="http://schemas.openxmlformats.org/presentationml/2006/main">
+  <p:cSld>
+    <p:spTree>
+      <p:nvGrpSpPr>
+        <p:cNvPr id="1" name=""/>
+        <p:cNvGrpSpPr/>
+        <p:nvPr/>
+      </p:nvGrpSpPr>
+      <p:grpSpPr>
+        <a:xfrm>
+          <a:off x="0" y="0"/>
+          <a:ext cx="0" cy="0"/>
+          <a:chOff x="0" y="0"/>
+          <a:chExt cx="0" cy="0"/>
+        </a:xfrm>
+      </p:grpSpPr>
+      <p:sp>
+        <p:nvSpPr>
+          <p:cNvPr id="2" name="Text Placeholder 1"/>
+          <p:cNvSpPr>
+            <a:spLocks noGrp="1"/>
+          </p:cNvSpPr>
+          <p:nvPr>
+            <p:ph type="body" sz="quarter" idx="10"/>
+          </p:nvPr>
+        </p:nvSpPr>
+        <p:spPr>
+          <a:xfrm>
+            <a:off x="274638" y="1212850"/>
+            <a:ext cx="11887200" cy="738664"/>
+          </a:xfrm>
+        </p:spPr>
+        <p:txBody>
+          <a:bodyPr/>
+          <a:lstStyle/>
+          <a:p>
+            <a:pPr marL="0" indent="0">
+              <a:buNone/>
+            </a:pPr>
+            <a:r>
+              <a:rPr lang="en-US" dirty="0" smtClean="0"/>
+              <a:t> </a:t>
+            </a:r>
+            <a:endParaRPr lang="en-US" dirty="0"/>
+          </a:p>
+        </p:txBody>
+      </p:sp>
+      <p:sp>
+        <p:nvSpPr>
+          <p:cNvPr id="4" name="Title 3"/>
+          <p:cNvSpPr>
+            <a:spLocks noGrp="1"/>
+          </p:cNvSpPr>
+          <p:nvPr>
+            <p:ph type="title"/>
+          </p:nvPr>
+        </p:nvSpPr>
+        <p:spPr/>
+        <p:txBody>
+          <a:bodyPr/>
+          <a:lstStyle/>
+          <a:p>
+            <a:r>
+              <a:rPr lang="en-US" dirty="0" smtClean="0"/>
               <a:t>Communicating Data</a:t>
             </a:r>
             <a:endParaRPr lang="en-US" dirty="0"/>
@@ -25228,7 +25826,7 @@
 </p:sld>
 </file>
 
-<file path=ppt/slides/slide24.xml><?xml version="1.0" encoding="utf-8"?>
+<file path=ppt/slides/slide25.xml><?xml version="1.0" encoding="utf-8"?>
 <p:sld xmlns:a="http://schemas.openxmlformats.org/drawingml/2006/main" xmlns:r="http://schemas.openxmlformats.org/officeDocument/2006/relationships" xmlns:p="http://schemas.openxmlformats.org/presentationml/2006/main">
   <p:cSld>
     <p:spTree>
@@ -26143,141 +26741,6 @@
 </p:sld>
 </file>
 
-<file path=ppt/slides/slide25.xml><?xml version="1.0" encoding="utf-8"?>
-<p:sld xmlns:a="http://schemas.openxmlformats.org/drawingml/2006/main" xmlns:r="http://schemas.openxmlformats.org/officeDocument/2006/relationships" xmlns:p="http://schemas.openxmlformats.org/presentationml/2006/main">
-  <p:cSld>
-    <p:spTree>
-      <p:nvGrpSpPr>
-        <p:cNvPr id="1" name=""/>
-        <p:cNvGrpSpPr/>
-        <p:nvPr/>
-      </p:nvGrpSpPr>
-      <p:grpSpPr>
-        <a:xfrm>
-          <a:off x="0" y="0"/>
-          <a:ext cx="0" cy="0"/>
-          <a:chOff x="0" y="0"/>
-          <a:chExt cx="0" cy="0"/>
-        </a:xfrm>
-      </p:grpSpPr>
-      <p:sp>
-        <p:nvSpPr>
-          <p:cNvPr id="2" name="Text Placeholder 1"/>
-          <p:cNvSpPr>
-            <a:spLocks noGrp="1"/>
-          </p:cNvSpPr>
-          <p:nvPr>
-            <p:ph type="body" sz="quarter" idx="10"/>
-          </p:nvPr>
-        </p:nvSpPr>
-        <p:spPr>
-          <a:xfrm>
-            <a:off x="274638" y="1212850"/>
-            <a:ext cx="11887200" cy="5139869"/>
-          </a:xfrm>
-        </p:spPr>
-        <p:txBody>
-          <a:bodyPr/>
-          <a:lstStyle/>
-          <a:p>
-            <a:pPr marL="0" indent="0">
-              <a:buNone/>
-            </a:pPr>
-            <a:endParaRPr lang="en-US" dirty="0" smtClean="0"/>
-          </a:p>
-          <a:p>
-            <a:pPr marL="0" indent="0">
-              <a:buNone/>
-            </a:pPr>
-            <a:r>
-              <a:rPr lang="en-US" sz="3600" dirty="0" smtClean="0"/>
-              <a:t>You will be making charts (data wrangler)</a:t>
-            </a:r>
-            <a:endParaRPr lang="en-US" sz="3600" dirty="0"/>
-          </a:p>
-          <a:p>
-            <a:pPr marL="0" indent="0">
-              <a:buNone/>
-            </a:pPr>
-            <a:endParaRPr lang="en-US" sz="3600" dirty="0" smtClean="0"/>
-          </a:p>
-          <a:p>
-            <a:pPr marL="0" indent="0">
-              <a:buNone/>
-            </a:pPr>
-            <a:r>
-              <a:rPr lang="en-US" sz="3600" dirty="0" smtClean="0"/>
-              <a:t>You will turn those charts into visualizations (designer)</a:t>
-            </a:r>
-          </a:p>
-          <a:p>
-            <a:pPr marL="0" indent="0">
-              <a:buNone/>
-            </a:pPr>
-            <a:endParaRPr lang="en-US" sz="3600" dirty="0"/>
-          </a:p>
-          <a:p>
-            <a:pPr marL="0" indent="0">
-              <a:buNone/>
-            </a:pPr>
-            <a:r>
-              <a:rPr lang="en-US" sz="3600" dirty="0" smtClean="0"/>
-              <a:t>You will tell stories with those visualization (communicator)</a:t>
-            </a:r>
-          </a:p>
-          <a:p>
-            <a:pPr marL="0" indent="0">
-              <a:buNone/>
-            </a:pPr>
-            <a:endParaRPr lang="en-US" dirty="0"/>
-          </a:p>
-          <a:p>
-            <a:pPr marL="0" indent="0">
-              <a:buNone/>
-            </a:pPr>
-            <a:endParaRPr lang="en-US" dirty="0" smtClean="0"/>
-          </a:p>
-        </p:txBody>
-      </p:sp>
-      <p:sp>
-        <p:nvSpPr>
-          <p:cNvPr id="4" name="Title 3"/>
-          <p:cNvSpPr>
-            <a:spLocks noGrp="1"/>
-          </p:cNvSpPr>
-          <p:nvPr>
-            <p:ph type="title"/>
-          </p:nvPr>
-        </p:nvSpPr>
-        <p:spPr/>
-        <p:txBody>
-          <a:bodyPr/>
-          <a:lstStyle/>
-          <a:p>
-            <a:r>
-              <a:rPr lang="en-US" dirty="0" smtClean="0"/>
-              <a:t>By The End </a:t>
-            </a:r>
-            <a:endParaRPr lang="en-US" dirty="0"/>
-          </a:p>
-        </p:txBody>
-      </p:sp>
-    </p:spTree>
-    <p:extLst>
-      <p:ext uri="{BB962C8B-B14F-4D97-AF65-F5344CB8AC3E}">
-        <p14:creationId xmlns:p14="http://schemas.microsoft.com/office/powerpoint/2010/main" val="3631156704"/>
-      </p:ext>
-    </p:extLst>
-  </p:cSld>
-  <p:clrMapOvr>
-    <a:masterClrMapping/>
-  </p:clrMapOvr>
-  <p:transition>
-    <p:fade/>
-  </p:transition>
-</p:sld>
-</file>
-
 <file path=ppt/slides/slide26.xml><?xml version="1.0" encoding="utf-8"?>
 <p:sld xmlns:a="http://schemas.openxmlformats.org/drawingml/2006/main" xmlns:r="http://schemas.openxmlformats.org/officeDocument/2006/relationships" xmlns:p="http://schemas.openxmlformats.org/presentationml/2006/main">
   <p:cSld>
@@ -26391,15 +26854,7 @@
           <a:p>
             <a:r>
               <a:rPr lang="en-US" dirty="0" smtClean="0"/>
-              <a:t>Beware Young </a:t>
-            </a:r>
-            <a:r>
-              <a:rPr lang="en-US" dirty="0" err="1" smtClean="0"/>
-              <a:t>Padawan</a:t>
-            </a:r>
-            <a:r>
-              <a:rPr lang="en-US" smtClean="0"/>
-              <a:t> </a:t>
+              <a:t>By The End </a:t>
             </a:r>
             <a:endParaRPr lang="en-US" dirty="0"/>
           </a:p>
@@ -26408,7 +26863,7 @@
     </p:spTree>
     <p:extLst>
       <p:ext uri="{BB962C8B-B14F-4D97-AF65-F5344CB8AC3E}">
-        <p14:creationId xmlns:p14="http://schemas.microsoft.com/office/powerpoint/2010/main" val="1518572607"/>
+        <p14:creationId xmlns:p14="http://schemas.microsoft.com/office/powerpoint/2010/main" val="3631156704"/>
       </p:ext>
     </p:extLst>
   </p:cSld>
@@ -27461,7 +27916,7 @@
                 <a:latin typeface="+mj-lt"/>
                 <a:cs typeface="+mn-cs"/>
               </a:rPr>
-              <a:t>This is called a “ratio”</a:t>
+              <a:t>This is a “ratio”</a:t>
             </a:r>
           </a:p>
           <a:p>
@@ -28081,7 +28536,7 @@
         <p:spPr>
           <a:xfrm>
             <a:off x="427036" y="1212850"/>
-            <a:ext cx="6477001" cy="3594830"/>
+            <a:ext cx="3886201" cy="4025717"/>
           </a:xfrm>
           <a:prstGeom prst="rect">
             <a:avLst/>
@@ -28318,13 +28773,6 @@
               <a:buFont typeface="Arial" pitchFamily="34" charset="0"/>
               <a:buNone/>
             </a:pPr>
-            <a:endParaRPr lang="en-US" dirty="0"/>
-          </a:p>
-          <a:p>
-            <a:pPr marL="0" indent="0">
-              <a:buFont typeface="Arial" pitchFamily="34" charset="0"/>
-              <a:buNone/>
-            </a:pPr>
             <a:r>
               <a:rPr lang="en-US" sz="2800" dirty="0" smtClean="0">
                 <a:gradFill>
@@ -28341,7 +28789,114 @@
                 <a:latin typeface="+mj-lt"/>
                 <a:cs typeface="+mn-cs"/>
               </a:rPr>
-              <a:t>Example: Votes (compare California votes to Texas votes in 2008 election)</a:t>
+              <a:t>California Obama Votes</a:t>
+            </a:r>
+          </a:p>
+          <a:p>
+            <a:pPr marL="0" indent="0">
+              <a:buNone/>
+            </a:pPr>
+            <a:r>
+              <a:rPr lang="en-US" sz="4000" dirty="0" smtClean="0">
+                <a:gradFill>
+                  <a:gsLst>
+                    <a:gs pos="1250">
+                      <a:schemeClr val="tx1"/>
+                    </a:gs>
+                    <a:gs pos="100000">
+                      <a:schemeClr val="tx1"/>
+                    </a:gs>
+                  </a:gsLst>
+                  <a:lin ang="5400000" scaled="0"/>
+                </a:gradFill>
+                <a:latin typeface="+mj-lt"/>
+                <a:cs typeface="+mn-cs"/>
+              </a:rPr>
+              <a:t>8,274,473</a:t>
+            </a:r>
+            <a:endParaRPr lang="en-US" sz="4000" dirty="0">
+              <a:gradFill>
+                <a:gsLst>
+                  <a:gs pos="1250">
+                    <a:schemeClr val="tx1"/>
+                  </a:gs>
+                  <a:gs pos="100000">
+                    <a:schemeClr val="tx1"/>
+                  </a:gs>
+                </a:gsLst>
+                <a:lin ang="5400000" scaled="0"/>
+              </a:gradFill>
+              <a:latin typeface="+mj-lt"/>
+              <a:cs typeface="+mn-cs"/>
+            </a:endParaRPr>
+          </a:p>
+          <a:p>
+            <a:pPr marL="0" indent="0">
+              <a:buFont typeface="Arial" pitchFamily="34" charset="0"/>
+              <a:buNone/>
+            </a:pPr>
+            <a:endParaRPr lang="en-US" sz="2800" dirty="0" smtClean="0">
+              <a:gradFill>
+                <a:gsLst>
+                  <a:gs pos="1250">
+                    <a:schemeClr val="tx1"/>
+                  </a:gs>
+                  <a:gs pos="100000">
+                    <a:schemeClr val="tx1"/>
+                  </a:gs>
+                </a:gsLst>
+                <a:lin ang="5400000" scaled="0"/>
+              </a:gradFill>
+              <a:latin typeface="+mj-lt"/>
+              <a:cs typeface="+mn-cs"/>
+            </a:endParaRPr>
+          </a:p>
+          <a:p>
+            <a:pPr marL="0" indent="0">
+              <a:buFont typeface="Arial" pitchFamily="34" charset="0"/>
+              <a:buNone/>
+            </a:pPr>
+            <a:r>
+              <a:rPr lang="en-US" sz="2800" dirty="0" smtClean="0">
+                <a:gradFill>
+                  <a:gsLst>
+                    <a:gs pos="1250">
+                      <a:schemeClr val="tx1"/>
+                    </a:gs>
+                    <a:gs pos="100000">
+                      <a:schemeClr val="tx1"/>
+                    </a:gs>
+                  </a:gsLst>
+                  <a:lin ang="5400000" scaled="0"/>
+                </a:gradFill>
+                <a:latin typeface="+mj-lt"/>
+                <a:cs typeface="+mn-cs"/>
+              </a:rPr>
+              <a:t>California Obama Bar</a:t>
+            </a:r>
+          </a:p>
+          <a:p>
+            <a:pPr marL="0" indent="0">
+              <a:buFont typeface="Arial" pitchFamily="34" charset="0"/>
+              <a:buNone/>
+            </a:pPr>
+            <a:r>
+              <a:rPr lang="en-US" sz="2800" dirty="0" smtClean="0">
+                <a:gradFill>
+                  <a:gsLst>
+                    <a:gs pos="1250">
+                      <a:schemeClr val="tx1"/>
+                    </a:gs>
+                    <a:gs pos="100000">
+                      <a:schemeClr val="tx1"/>
+                    </a:gs>
+                  </a:gsLst>
+                  <a:lin ang="5400000" scaled="0"/>
+                </a:gradFill>
+                <a:latin typeface="+mj-lt"/>
+                <a:cs typeface="+mn-cs"/>
+              </a:rPr>
+              <a:t>340 pixels high</a:t>
             </a:r>
           </a:p>
           <a:p>
@@ -28370,30 +28925,6 @@
               <a:buFont typeface="Arial" pitchFamily="34" charset="0"/>
               <a:buNone/>
             </a:pPr>
-            <a:r>
-              <a:rPr lang="en-US" sz="2800" dirty="0" smtClean="0">
-                <a:gradFill>
-                  <a:gsLst>
-                    <a:gs pos="1250">
-                      <a:schemeClr val="tx1"/>
-                    </a:gs>
-                    <a:gs pos="100000">
-                      <a:schemeClr val="tx1"/>
-                    </a:gs>
-                  </a:gsLst>
-                  <a:lin ang="5400000" scaled="0"/>
-                </a:gradFill>
-                <a:latin typeface="+mj-lt"/>
-                <a:cs typeface="+mn-cs"/>
-              </a:rPr>
-              <a:t>Example 2: Show all the votes in the 2008 election in a chart</a:t>
-            </a:r>
-          </a:p>
-          <a:p>
-            <a:pPr marL="0" indent="0">
-              <a:buFont typeface="Arial" pitchFamily="34" charset="0"/>
-              <a:buNone/>
-            </a:pPr>
             <a:endParaRPr lang="en-US" sz="2800" dirty="0" smtClean="0">
               <a:gradFill>
                 <a:gsLst>
@@ -28419,6 +28950,168 @@
           </a:p>
         </p:txBody>
       </p:sp>
+      <p:pic>
+        <p:nvPicPr>
+          <p:cNvPr id="2" name="Picture 1"/>
+          <p:cNvPicPr>
+            <a:picLocks noChangeAspect="1"/>
+          </p:cNvPicPr>
+          <p:nvPr/>
+        </p:nvPicPr>
+        <p:blipFill>
+          <a:blip r:embed="rId2"/>
+          <a:stretch>
+            <a:fillRect/>
+          </a:stretch>
+        </p:blipFill>
+        <p:spPr>
+          <a:xfrm>
+            <a:off x="4823498" y="1374918"/>
+            <a:ext cx="7490737" cy="4103543"/>
+          </a:xfrm>
+          <a:prstGeom prst="rect">
+            <a:avLst/>
+          </a:prstGeom>
+        </p:spPr>
+      </p:pic>
+      <mc:AlternateContent xmlns:mc="http://schemas.openxmlformats.org/markup-compatibility/2006" xmlns:a14="http://schemas.microsoft.com/office/drawing/2010/main">
+        <mc:Choice Requires="a14">
+          <p:sp>
+            <p:nvSpPr>
+              <p:cNvPr id="9" name="Rectangle 8"/>
+              <p:cNvSpPr/>
+              <p:nvPr/>
+            </p:nvSpPr>
+            <p:spPr>
+              <a:xfrm>
+                <a:off x="5761037" y="5640529"/>
+                <a:ext cx="4573688" cy="1202702"/>
+              </a:xfrm>
+              <a:prstGeom prst="rect">
+                <a:avLst/>
+              </a:prstGeom>
+            </p:spPr>
+            <p:txBody>
+              <a:bodyPr wrap="none">
+                <a:spAutoFit/>
+              </a:bodyPr>
+              <a:lstStyle/>
+              <a:p>
+                <a:pPr/>
+                <a14:m>
+                  <m:oMathPara xmlns:m="http://schemas.openxmlformats.org/officeDocument/2006/math">
+                    <m:oMathParaPr>
+                      <m:jc m:val="centerGroup"/>
+                    </m:oMathParaPr>
+                    <m:oMath xmlns:m="http://schemas.openxmlformats.org/officeDocument/2006/math">
+                      <m:f>
+                        <m:fPr>
+                          <m:ctrlPr>
+                            <a:rPr lang="en-US" sz="3600" i="1" smtClean="0">
+                              <a:latin typeface="Cambria Math" panose="02040503050406030204" pitchFamily="18" charset="0"/>
+                            </a:rPr>
+                          </m:ctrlPr>
+                        </m:fPr>
+                        <m:num>
+                          <m:r>
+                            <a:rPr lang="en-US" sz="3600" b="0" i="1" smtClean="0">
+                              <a:latin typeface="Cambria Math" panose="02040503050406030204" pitchFamily="18" charset="0"/>
+                            </a:rPr>
+                            <m:t>340</m:t>
+                          </m:r>
+                          <m:r>
+                            <a:rPr lang="en-US" sz="3600" i="0">
+                              <a:latin typeface="Cambria Math" panose="02040503050406030204" pitchFamily="18" charset="0"/>
+                            </a:rPr>
+                            <m:t>∗</m:t>
+                          </m:r>
+                          <m:r>
+                            <a:rPr lang="en-US" sz="3600" i="1">
+                              <a:latin typeface="Cambria Math" panose="02040503050406030204" pitchFamily="18" charset="0"/>
+                            </a:rPr>
+                            <m:t>𝑣𝑎𝑙𝑢𝑒</m:t>
+                          </m:r>
+                          <m:r>
+                            <a:rPr lang="en-US" sz="3600" i="0">
+                              <a:latin typeface="Cambria Math" panose="02040503050406030204" pitchFamily="18" charset="0"/>
+                            </a:rPr>
+                            <m:t>2</m:t>
+                          </m:r>
+                        </m:num>
+                        <m:den>
+                          <m:r>
+                            <a:rPr lang="en-US" sz="3600" b="0" i="1" smtClean="0">
+                              <a:latin typeface="Cambria Math" panose="02040503050406030204" pitchFamily="18" charset="0"/>
+                            </a:rPr>
+                            <m:t>8,274,473</m:t>
+                          </m:r>
+                        </m:den>
+                      </m:f>
+                      <m:r>
+                        <a:rPr lang="en-US" sz="3600" i="0">
+                          <a:latin typeface="Cambria Math" panose="02040503050406030204" pitchFamily="18" charset="0"/>
+                        </a:rPr>
+                        <m:t>=</m:t>
+                      </m:r>
+                      <m:r>
+                        <a:rPr lang="en-US" sz="3600" i="1">
+                          <a:latin typeface="Cambria Math" panose="02040503050406030204" pitchFamily="18" charset="0"/>
+                        </a:rPr>
+                        <m:t>𝑠𝑖𝑧𝑒</m:t>
+                      </m:r>
+                      <m:r>
+                        <a:rPr lang="en-US" sz="3600" i="0">
+                          <a:latin typeface="Cambria Math" panose="02040503050406030204" pitchFamily="18" charset="0"/>
+                        </a:rPr>
+                        <m:t>2</m:t>
+                      </m:r>
+                    </m:oMath>
+                  </m:oMathPara>
+                </a14:m>
+                <a:endParaRPr lang="en-US" sz="3600" dirty="0"/>
+              </a:p>
+            </p:txBody>
+          </p:sp>
+        </mc:Choice>
+        <mc:Fallback xmlns="">
+          <p:sp>
+            <p:nvSpPr>
+              <p:cNvPr id="9" name="Rectangle 8"/>
+              <p:cNvSpPr>
+                <a:spLocks noRot="1" noChangeAspect="1" noMove="1" noResize="1" noEditPoints="1" noAdjustHandles="1" noChangeArrowheads="1" noChangeShapeType="1" noTextEdit="1"/>
+              </p:cNvSpPr>
+              <p:nvPr/>
+            </p:nvSpPr>
+            <p:spPr>
+              <a:xfrm>
+                <a:off x="5761037" y="5640529"/>
+                <a:ext cx="4573688" cy="1202702"/>
+              </a:xfrm>
+              <a:prstGeom prst="rect">
+                <a:avLst/>
+              </a:prstGeom>
+              <a:blipFill rotWithShape="0">
+                <a:blip r:embed="rId3"/>
+                <a:stretch>
+                  <a:fillRect/>
+                </a:stretch>
+              </a:blipFill>
+            </p:spPr>
+            <p:txBody>
+              <a:bodyPr/>
+              <a:lstStyle/>
+              <a:p>
+                <a:r>
+                  <a:rPr lang="en-US">
+                    <a:noFill/>
+                  </a:rPr>
+                  <a:t> </a:t>
+                </a:r>
+              </a:p>
+            </p:txBody>
+          </p:sp>
+        </mc:Fallback>
+      </mc:AlternateContent>
     </p:spTree>
     <p:extLst>
       <p:ext uri="{BB962C8B-B14F-4D97-AF65-F5344CB8AC3E}">
@@ -28464,8 +29157,8 @@
         </p:nvSpPr>
         <p:spPr>
           <a:xfrm>
-            <a:off x="427036" y="1212850"/>
-            <a:ext cx="7924801" cy="4715137"/>
+            <a:off x="274638" y="1212850"/>
+            <a:ext cx="11887200" cy="1329595"/>
           </a:xfrm>
         </p:spPr>
         <p:txBody>
@@ -28478,206 +29171,7 @@
             <a:pPr marL="0" indent="0">
               <a:buNone/>
             </a:pPr>
-            <a:r>
-              <a:rPr lang="en-US" sz="2800" dirty="0" smtClean="0">
-                <a:gradFill>
-                  <a:gsLst>
-                    <a:gs pos="1250">
-                      <a:schemeClr val="tx1"/>
-                    </a:gs>
-                    <a:gs pos="100000">
-                      <a:schemeClr val="tx1"/>
-                    </a:gs>
-                  </a:gsLst>
-                  <a:lin ang="5400000" scaled="0"/>
-                </a:gradFill>
-                <a:latin typeface="+mj-lt"/>
-                <a:cs typeface="+mn-cs"/>
-              </a:rPr>
-              <a:t>Find </a:t>
-            </a:r>
-            <a:r>
-              <a:rPr lang="en-US" sz="2800" dirty="0">
-                <a:gradFill>
-                  <a:gsLst>
-                    <a:gs pos="1250">
-                      <a:schemeClr val="tx1"/>
-                    </a:gs>
-                    <a:gs pos="100000">
-                      <a:schemeClr val="tx1"/>
-                    </a:gs>
-                  </a:gsLst>
-                  <a:lin ang="5400000" scaled="0"/>
-                </a:gradFill>
-                <a:latin typeface="+mj-lt"/>
-                <a:cs typeface="+mn-cs"/>
-              </a:rPr>
-              <a:t>a key data point in your </a:t>
-            </a:r>
-            <a:r>
-              <a:rPr lang="en-US" sz="2800" dirty="0" smtClean="0">
-                <a:gradFill>
-                  <a:gsLst>
-                    <a:gs pos="1250">
-                      <a:schemeClr val="tx1"/>
-                    </a:gs>
-                    <a:gs pos="100000">
-                      <a:schemeClr val="tx1"/>
-                    </a:gs>
-                  </a:gsLst>
-                  <a:lin ang="5400000" scaled="0"/>
-                </a:gradFill>
-                <a:latin typeface="+mj-lt"/>
-                <a:cs typeface="+mn-cs"/>
-              </a:rPr>
-              <a:t>visual (value 1)</a:t>
-            </a:r>
-          </a:p>
-          <a:p>
-            <a:pPr marL="0" indent="0">
-              <a:buNone/>
-            </a:pPr>
-            <a:endParaRPr lang="en-US" sz="2800" dirty="0">
-              <a:gradFill>
-                <a:gsLst>
-                  <a:gs pos="1250">
-                    <a:schemeClr val="tx1"/>
-                  </a:gs>
-                  <a:gs pos="100000">
-                    <a:schemeClr val="tx1"/>
-                  </a:gs>
-                </a:gsLst>
-                <a:lin ang="5400000" scaled="0"/>
-              </a:gradFill>
-              <a:latin typeface="+mj-lt"/>
-              <a:cs typeface="+mn-cs"/>
-            </a:endParaRPr>
-          </a:p>
-          <a:p>
-            <a:pPr marL="0" indent="0">
-              <a:buNone/>
-            </a:pPr>
-            <a:r>
-              <a:rPr lang="en-US" sz="2800" dirty="0" smtClean="0">
-                <a:gradFill>
-                  <a:gsLst>
-                    <a:gs pos="1250">
-                      <a:schemeClr val="tx1"/>
-                    </a:gs>
-                    <a:gs pos="100000">
-                      <a:schemeClr val="tx1"/>
-                    </a:gs>
-                  </a:gsLst>
-                  <a:lin ang="5400000" scaled="0"/>
-                </a:gradFill>
-                <a:latin typeface="+mj-lt"/>
-                <a:cs typeface="+mn-cs"/>
-              </a:rPr>
-              <a:t>Size the representation to fit that data point (size 1)</a:t>
-            </a:r>
-          </a:p>
-          <a:p>
-            <a:pPr marL="0" indent="0">
-              <a:buNone/>
-            </a:pPr>
-            <a:endParaRPr lang="en-US" sz="2800" dirty="0">
-              <a:gradFill>
-                <a:gsLst>
-                  <a:gs pos="1250">
-                    <a:schemeClr val="tx1"/>
-                  </a:gs>
-                  <a:gs pos="100000">
-                    <a:schemeClr val="tx1"/>
-                  </a:gs>
-                </a:gsLst>
-                <a:lin ang="5400000" scaled="0"/>
-              </a:gradFill>
-              <a:latin typeface="+mj-lt"/>
-              <a:cs typeface="+mn-cs"/>
-            </a:endParaRPr>
-          </a:p>
-          <a:p>
-            <a:pPr marL="0" indent="0">
-              <a:buNone/>
-            </a:pPr>
-            <a:r>
-              <a:rPr lang="en-US" sz="2800" dirty="0" smtClean="0">
-                <a:gradFill>
-                  <a:gsLst>
-                    <a:gs pos="1250">
-                      <a:schemeClr val="tx1"/>
-                    </a:gs>
-                    <a:gs pos="100000">
-                      <a:schemeClr val="tx1"/>
-                    </a:gs>
-                  </a:gsLst>
-                  <a:lin ang="5400000" scaled="0"/>
-                </a:gradFill>
-                <a:latin typeface="+mj-lt"/>
-                <a:cs typeface="+mn-cs"/>
-              </a:rPr>
-              <a:t>A good key data point is the largest value you will need to represent</a:t>
-            </a:r>
-          </a:p>
-          <a:p>
-            <a:pPr marL="0" indent="0">
-              <a:buNone/>
-            </a:pPr>
-            <a:endParaRPr lang="en-US" sz="2800" dirty="0">
-              <a:gradFill>
-                <a:gsLst>
-                  <a:gs pos="1250">
-                    <a:schemeClr val="tx1"/>
-                  </a:gs>
-                  <a:gs pos="100000">
-                    <a:schemeClr val="tx1"/>
-                  </a:gs>
-                </a:gsLst>
-                <a:lin ang="5400000" scaled="0"/>
-              </a:gradFill>
-              <a:latin typeface="+mj-lt"/>
-              <a:cs typeface="+mn-cs"/>
-            </a:endParaRPr>
-          </a:p>
-          <a:p>
-            <a:pPr marL="0" indent="0">
-              <a:buNone/>
-            </a:pPr>
-            <a:endParaRPr lang="en-US" sz="2800" dirty="0" smtClean="0">
-              <a:gradFill>
-                <a:gsLst>
-                  <a:gs pos="1250">
-                    <a:schemeClr val="tx1"/>
-                  </a:gs>
-                  <a:gs pos="100000">
-                    <a:schemeClr val="tx1"/>
-                  </a:gs>
-                </a:gsLst>
-                <a:lin ang="5400000" scaled="0"/>
-              </a:gradFill>
-              <a:latin typeface="+mj-lt"/>
-              <a:cs typeface="+mn-cs"/>
-            </a:endParaRPr>
-          </a:p>
-          <a:p>
-            <a:pPr marL="0" indent="0">
-              <a:buNone/>
-            </a:pPr>
-            <a:endParaRPr lang="en-US" sz="2800" dirty="0" smtClean="0">
-              <a:gradFill>
-                <a:gsLst>
-                  <a:gs pos="1250">
-                    <a:schemeClr val="tx1"/>
-                  </a:gs>
-                  <a:gs pos="100000">
-                    <a:schemeClr val="tx1"/>
-                  </a:gs>
-                </a:gsLst>
-                <a:lin ang="5400000" scaled="0"/>
-              </a:gradFill>
-              <a:latin typeface="+mj-lt"/>
-              <a:cs typeface="+mn-cs"/>
-            </a:endParaRPr>
+            <a:endParaRPr lang="en-US" dirty="0"/>
           </a:p>
           <a:p>
             <a:pPr marL="0" indent="0">
@@ -28704,566 +29198,7 @@
           <a:p>
             <a:r>
               <a:rPr lang="en-US" dirty="0" smtClean="0"/>
-              <a:t>Choosing an Anchor Visual</a:t>
-            </a:r>
-            <a:endParaRPr lang="en-US" dirty="0"/>
-          </a:p>
-        </p:txBody>
-      </p:sp>
-    </p:spTree>
-    <p:extLst>
-      <p:ext uri="{BB962C8B-B14F-4D97-AF65-F5344CB8AC3E}">
-        <p14:creationId xmlns:p14="http://schemas.microsoft.com/office/powerpoint/2010/main" val="3774165446"/>
-      </p:ext>
-    </p:extLst>
-  </p:cSld>
-  <p:clrMapOvr>
-    <a:masterClrMapping/>
-  </p:clrMapOvr>
-  <p:transition>
-    <p:fade/>
-  </p:transition>
-</p:sld>
-</file>
-
-<file path=ppt/slides/slide32.xml><?xml version="1.0" encoding="utf-8"?>
-<p:sld xmlns:a="http://schemas.openxmlformats.org/drawingml/2006/main" xmlns:r="http://schemas.openxmlformats.org/officeDocument/2006/relationships" xmlns:p="http://schemas.openxmlformats.org/presentationml/2006/main">
-  <p:cSld>
-    <p:spTree>
-      <p:nvGrpSpPr>
-        <p:cNvPr id="1" name=""/>
-        <p:cNvGrpSpPr/>
-        <p:nvPr/>
-      </p:nvGrpSpPr>
-      <p:grpSpPr>
-        <a:xfrm>
-          <a:off x="0" y="0"/>
-          <a:ext cx="0" cy="0"/>
-          <a:chOff x="0" y="0"/>
-          <a:chExt cx="0" cy="0"/>
-        </a:xfrm>
-      </p:grpSpPr>
-      <p:sp>
-        <p:nvSpPr>
-          <p:cNvPr id="6" name="Text Placeholder 5"/>
-          <p:cNvSpPr>
-            <a:spLocks noGrp="1"/>
-          </p:cNvSpPr>
-          <p:nvPr>
-            <p:ph type="body" sz="quarter" idx="10"/>
-          </p:nvPr>
-        </p:nvSpPr>
-        <p:spPr>
-          <a:xfrm>
-            <a:off x="427036" y="1212850"/>
-            <a:ext cx="7924801" cy="4154984"/>
-          </a:xfrm>
-        </p:spPr>
-        <p:txBody>
-          <a:bodyPr/>
-          <a:lstStyle/>
-          <a:p>
-            <a:endParaRPr lang="en-US" dirty="0" smtClean="0"/>
-          </a:p>
-          <a:p>
-            <a:pPr marL="0" indent="0">
-              <a:buNone/>
-            </a:pPr>
-            <a:r>
-              <a:rPr lang="en-US" sz="2800" dirty="0" smtClean="0">
-                <a:gradFill>
-                  <a:gsLst>
-                    <a:gs pos="1250">
-                      <a:schemeClr val="tx1"/>
-                    </a:gs>
-                    <a:gs pos="100000">
-                      <a:schemeClr val="tx1"/>
-                    </a:gs>
-                  </a:gsLst>
-                  <a:lin ang="5400000" scaled="0"/>
-                </a:gradFill>
-                <a:latin typeface="+mj-lt"/>
-                <a:cs typeface="+mn-cs"/>
-              </a:rPr>
-              <a:t>Show all the states &amp; explain why I chose California as my anchor</a:t>
-            </a:r>
-          </a:p>
-          <a:p>
-            <a:pPr marL="0" indent="0">
-              <a:buNone/>
-            </a:pPr>
-            <a:endParaRPr lang="en-US" sz="2800" dirty="0">
-              <a:gradFill>
-                <a:gsLst>
-                  <a:gs pos="1250">
-                    <a:schemeClr val="tx1"/>
-                  </a:gs>
-                  <a:gs pos="100000">
-                    <a:schemeClr val="tx1"/>
-                  </a:gs>
-                </a:gsLst>
-                <a:lin ang="5400000" scaled="0"/>
-              </a:gradFill>
-              <a:latin typeface="+mj-lt"/>
-              <a:cs typeface="+mn-cs"/>
-            </a:endParaRPr>
-          </a:p>
-          <a:p>
-            <a:pPr marL="0" indent="0">
-              <a:buNone/>
-            </a:pPr>
-            <a:r>
-              <a:rPr lang="en-US" sz="2800" dirty="0" smtClean="0">
-                <a:gradFill>
-                  <a:gsLst>
-                    <a:gs pos="1250">
-                      <a:schemeClr val="tx1"/>
-                    </a:gs>
-                    <a:gs pos="100000">
-                      <a:schemeClr val="tx1"/>
-                    </a:gs>
-                  </a:gsLst>
-                  <a:lin ang="5400000" scaled="0"/>
-                </a:gradFill>
-                <a:latin typeface="+mj-lt"/>
-                <a:cs typeface="+mn-cs"/>
-              </a:rPr>
-              <a:t>Show the actual math steps</a:t>
-            </a:r>
-          </a:p>
-          <a:p>
-            <a:pPr marL="0" indent="0">
-              <a:buNone/>
-            </a:pPr>
-            <a:endParaRPr lang="en-US" sz="2800" dirty="0">
-              <a:gradFill>
-                <a:gsLst>
-                  <a:gs pos="1250">
-                    <a:schemeClr val="tx1"/>
-                  </a:gs>
-                  <a:gs pos="100000">
-                    <a:schemeClr val="tx1"/>
-                  </a:gs>
-                </a:gsLst>
-                <a:lin ang="5400000" scaled="0"/>
-              </a:gradFill>
-              <a:latin typeface="+mj-lt"/>
-              <a:cs typeface="+mn-cs"/>
-            </a:endParaRPr>
-          </a:p>
-          <a:p>
-            <a:pPr marL="0" indent="0">
-              <a:buNone/>
-            </a:pPr>
-            <a:endParaRPr lang="en-US" sz="2800" dirty="0" smtClean="0">
-              <a:gradFill>
-                <a:gsLst>
-                  <a:gs pos="1250">
-                    <a:schemeClr val="tx1"/>
-                  </a:gs>
-                  <a:gs pos="100000">
-                    <a:schemeClr val="tx1"/>
-                  </a:gs>
-                </a:gsLst>
-                <a:lin ang="5400000" scaled="0"/>
-              </a:gradFill>
-              <a:latin typeface="+mj-lt"/>
-              <a:cs typeface="+mn-cs"/>
-            </a:endParaRPr>
-          </a:p>
-          <a:p>
-            <a:pPr marL="0" indent="0">
-              <a:buNone/>
-            </a:pPr>
-            <a:endParaRPr lang="en-US" sz="2800" dirty="0" smtClean="0">
-              <a:gradFill>
-                <a:gsLst>
-                  <a:gs pos="1250">
-                    <a:schemeClr val="tx1"/>
-                  </a:gs>
-                  <a:gs pos="100000">
-                    <a:schemeClr val="tx1"/>
-                  </a:gs>
-                </a:gsLst>
-                <a:lin ang="5400000" scaled="0"/>
-              </a:gradFill>
-              <a:latin typeface="+mj-lt"/>
-              <a:cs typeface="+mn-cs"/>
-            </a:endParaRPr>
-          </a:p>
-          <a:p>
-            <a:pPr marL="0" indent="0">
-              <a:buNone/>
-            </a:pPr>
-            <a:endParaRPr lang="en-US" dirty="0" smtClean="0"/>
-          </a:p>
-        </p:txBody>
-      </p:sp>
-      <p:sp>
-        <p:nvSpPr>
-          <p:cNvPr id="5" name="Title 4"/>
-          <p:cNvSpPr>
-            <a:spLocks noGrp="1"/>
-          </p:cNvSpPr>
-          <p:nvPr>
-            <p:ph type="title"/>
-          </p:nvPr>
-        </p:nvSpPr>
-        <p:spPr/>
-        <p:txBody>
-          <a:bodyPr/>
-          <a:lstStyle/>
-          <a:p>
-            <a:r>
-              <a:rPr lang="en-US" dirty="0" smtClean="0"/>
-              <a:t>Choosing an Anchor Visual</a:t>
-            </a:r>
-            <a:endParaRPr lang="en-US" dirty="0"/>
-          </a:p>
-        </p:txBody>
-      </p:sp>
-    </p:spTree>
-    <p:extLst>
-      <p:ext uri="{BB962C8B-B14F-4D97-AF65-F5344CB8AC3E}">
-        <p14:creationId xmlns:p14="http://schemas.microsoft.com/office/powerpoint/2010/main" val="1283866442"/>
-      </p:ext>
-    </p:extLst>
-  </p:cSld>
-  <p:clrMapOvr>
-    <a:masterClrMapping/>
-  </p:clrMapOvr>
-  <p:transition>
-    <p:fade/>
-  </p:transition>
-</p:sld>
-</file>
-
-<file path=ppt/slides/slide33.xml><?xml version="1.0" encoding="utf-8"?>
-<p:sld xmlns:a="http://schemas.openxmlformats.org/drawingml/2006/main" xmlns:r="http://schemas.openxmlformats.org/officeDocument/2006/relationships" xmlns:p="http://schemas.openxmlformats.org/presentationml/2006/main">
-  <p:cSld>
-    <p:spTree>
-      <p:nvGrpSpPr>
-        <p:cNvPr id="1" name=""/>
-        <p:cNvGrpSpPr/>
-        <p:nvPr/>
-      </p:nvGrpSpPr>
-      <p:grpSpPr>
-        <a:xfrm>
-          <a:off x="0" y="0"/>
-          <a:ext cx="0" cy="0"/>
-          <a:chOff x="0" y="0"/>
-          <a:chExt cx="0" cy="0"/>
-        </a:xfrm>
-      </p:grpSpPr>
-      <p:sp>
-        <p:nvSpPr>
-          <p:cNvPr id="6" name="Text Placeholder 5"/>
-          <p:cNvSpPr>
-            <a:spLocks noGrp="1"/>
-          </p:cNvSpPr>
-          <p:nvPr>
-            <p:ph type="body" sz="quarter" idx="10"/>
-          </p:nvPr>
-        </p:nvSpPr>
-        <p:spPr>
-          <a:xfrm>
-            <a:off x="427036" y="1212850"/>
-            <a:ext cx="7924801" cy="4715137"/>
-          </a:xfrm>
-        </p:spPr>
-        <p:txBody>
-          <a:bodyPr/>
-          <a:lstStyle/>
-          <a:p>
-            <a:endParaRPr lang="en-US" dirty="0" smtClean="0"/>
-          </a:p>
-          <a:p>
-            <a:pPr marL="0" indent="0">
-              <a:buNone/>
-            </a:pPr>
-            <a:r>
-              <a:rPr lang="en-US" sz="2800" dirty="0" smtClean="0">
-                <a:gradFill>
-                  <a:gsLst>
-                    <a:gs pos="1250">
-                      <a:schemeClr val="tx1"/>
-                    </a:gs>
-                    <a:gs pos="100000">
-                      <a:schemeClr val="tx1"/>
-                    </a:gs>
-                  </a:gsLst>
-                  <a:lin ang="5400000" scaled="0"/>
-                </a:gradFill>
-                <a:latin typeface="+mj-lt"/>
-                <a:cs typeface="+mn-cs"/>
-              </a:rPr>
-              <a:t>Find </a:t>
-            </a:r>
-            <a:r>
-              <a:rPr lang="en-US" sz="2800" dirty="0">
-                <a:gradFill>
-                  <a:gsLst>
-                    <a:gs pos="1250">
-                      <a:schemeClr val="tx1"/>
-                    </a:gs>
-                    <a:gs pos="100000">
-                      <a:schemeClr val="tx1"/>
-                    </a:gs>
-                  </a:gsLst>
-                  <a:lin ang="5400000" scaled="0"/>
-                </a:gradFill>
-                <a:latin typeface="+mj-lt"/>
-                <a:cs typeface="+mn-cs"/>
-              </a:rPr>
-              <a:t>a key data point in your </a:t>
-            </a:r>
-            <a:r>
-              <a:rPr lang="en-US" sz="2800" dirty="0" smtClean="0">
-                <a:gradFill>
-                  <a:gsLst>
-                    <a:gs pos="1250">
-                      <a:schemeClr val="tx1"/>
-                    </a:gs>
-                    <a:gs pos="100000">
-                      <a:schemeClr val="tx1"/>
-                    </a:gs>
-                  </a:gsLst>
-                  <a:lin ang="5400000" scaled="0"/>
-                </a:gradFill>
-                <a:latin typeface="+mj-lt"/>
-                <a:cs typeface="+mn-cs"/>
-              </a:rPr>
-              <a:t>visual (value 1)</a:t>
-            </a:r>
-          </a:p>
-          <a:p>
-            <a:pPr marL="0" indent="0">
-              <a:buNone/>
-            </a:pPr>
-            <a:endParaRPr lang="en-US" sz="2800" dirty="0">
-              <a:gradFill>
-                <a:gsLst>
-                  <a:gs pos="1250">
-                    <a:schemeClr val="tx1"/>
-                  </a:gs>
-                  <a:gs pos="100000">
-                    <a:schemeClr val="tx1"/>
-                  </a:gs>
-                </a:gsLst>
-                <a:lin ang="5400000" scaled="0"/>
-              </a:gradFill>
-              <a:latin typeface="+mj-lt"/>
-              <a:cs typeface="+mn-cs"/>
-            </a:endParaRPr>
-          </a:p>
-          <a:p>
-            <a:pPr marL="0" indent="0">
-              <a:buNone/>
-            </a:pPr>
-            <a:r>
-              <a:rPr lang="en-US" sz="2800" dirty="0" smtClean="0">
-                <a:gradFill>
-                  <a:gsLst>
-                    <a:gs pos="1250">
-                      <a:schemeClr val="tx1"/>
-                    </a:gs>
-                    <a:gs pos="100000">
-                      <a:schemeClr val="tx1"/>
-                    </a:gs>
-                  </a:gsLst>
-                  <a:lin ang="5400000" scaled="0"/>
-                </a:gradFill>
-                <a:latin typeface="+mj-lt"/>
-                <a:cs typeface="+mn-cs"/>
-              </a:rPr>
-              <a:t>Size the representation to fit that data point (size 1)</a:t>
-            </a:r>
-          </a:p>
-          <a:p>
-            <a:pPr marL="0" indent="0">
-              <a:buNone/>
-            </a:pPr>
-            <a:endParaRPr lang="en-US" sz="2800" dirty="0">
-              <a:gradFill>
-                <a:gsLst>
-                  <a:gs pos="1250">
-                    <a:schemeClr val="tx1"/>
-                  </a:gs>
-                  <a:gs pos="100000">
-                    <a:schemeClr val="tx1"/>
-                  </a:gs>
-                </a:gsLst>
-                <a:lin ang="5400000" scaled="0"/>
-              </a:gradFill>
-              <a:latin typeface="+mj-lt"/>
-              <a:cs typeface="+mn-cs"/>
-            </a:endParaRPr>
-          </a:p>
-          <a:p>
-            <a:pPr marL="0" indent="0">
-              <a:buNone/>
-            </a:pPr>
-            <a:r>
-              <a:rPr lang="en-US" sz="2800" dirty="0" smtClean="0">
-                <a:gradFill>
-                  <a:gsLst>
-                    <a:gs pos="1250">
-                      <a:schemeClr val="tx1"/>
-                    </a:gs>
-                    <a:gs pos="100000">
-                      <a:schemeClr val="tx1"/>
-                    </a:gs>
-                  </a:gsLst>
-                  <a:lin ang="5400000" scaled="0"/>
-                </a:gradFill>
-                <a:latin typeface="+mj-lt"/>
-                <a:cs typeface="+mn-cs"/>
-              </a:rPr>
-              <a:t>A good key data point is the largest value you will need to represent</a:t>
-            </a:r>
-          </a:p>
-          <a:p>
-            <a:pPr marL="0" indent="0">
-              <a:buNone/>
-            </a:pPr>
-            <a:endParaRPr lang="en-US" sz="2800" dirty="0">
-              <a:gradFill>
-                <a:gsLst>
-                  <a:gs pos="1250">
-                    <a:schemeClr val="tx1"/>
-                  </a:gs>
-                  <a:gs pos="100000">
-                    <a:schemeClr val="tx1"/>
-                  </a:gs>
-                </a:gsLst>
-                <a:lin ang="5400000" scaled="0"/>
-              </a:gradFill>
-              <a:latin typeface="+mj-lt"/>
-              <a:cs typeface="+mn-cs"/>
-            </a:endParaRPr>
-          </a:p>
-          <a:p>
-            <a:pPr marL="0" indent="0">
-              <a:buNone/>
-            </a:pPr>
-            <a:endParaRPr lang="en-US" sz="2800" dirty="0" smtClean="0">
-              <a:gradFill>
-                <a:gsLst>
-                  <a:gs pos="1250">
-                    <a:schemeClr val="tx1"/>
-                  </a:gs>
-                  <a:gs pos="100000">
-                    <a:schemeClr val="tx1"/>
-                  </a:gs>
-                </a:gsLst>
-                <a:lin ang="5400000" scaled="0"/>
-              </a:gradFill>
-              <a:latin typeface="+mj-lt"/>
-              <a:cs typeface="+mn-cs"/>
-            </a:endParaRPr>
-          </a:p>
-          <a:p>
-            <a:pPr marL="0" indent="0">
-              <a:buNone/>
-            </a:pPr>
-            <a:endParaRPr lang="en-US" sz="2800" dirty="0" smtClean="0">
-              <a:gradFill>
-                <a:gsLst>
-                  <a:gs pos="1250">
-                    <a:schemeClr val="tx1"/>
-                  </a:gs>
-                  <a:gs pos="100000">
-                    <a:schemeClr val="tx1"/>
-                  </a:gs>
-                </a:gsLst>
-                <a:lin ang="5400000" scaled="0"/>
-              </a:gradFill>
-              <a:latin typeface="+mj-lt"/>
-              <a:cs typeface="+mn-cs"/>
-            </a:endParaRPr>
-          </a:p>
-          <a:p>
-            <a:pPr marL="0" indent="0">
-              <a:buNone/>
-            </a:pPr>
-            <a:endParaRPr lang="en-US" dirty="0" smtClean="0"/>
-          </a:p>
-        </p:txBody>
-      </p:sp>
-      <p:sp>
-        <p:nvSpPr>
-          <p:cNvPr id="5" name="Title 4"/>
-          <p:cNvSpPr>
-            <a:spLocks noGrp="1"/>
-          </p:cNvSpPr>
-          <p:nvPr>
-            <p:ph type="title"/>
-          </p:nvPr>
-        </p:nvSpPr>
-        <p:spPr/>
-        <p:txBody>
-          <a:bodyPr/>
-          <a:lstStyle/>
-          <a:p>
-            <a:r>
-              <a:rPr lang="en-US" dirty="0" smtClean="0"/>
-              <a:t>Anchor Visual Example</a:t>
-            </a:r>
-            <a:endParaRPr lang="en-US" dirty="0"/>
-          </a:p>
-        </p:txBody>
-      </p:sp>
-    </p:spTree>
-    <p:extLst>
-      <p:ext uri="{BB962C8B-B14F-4D97-AF65-F5344CB8AC3E}">
-        <p14:creationId xmlns:p14="http://schemas.microsoft.com/office/powerpoint/2010/main" val="1568710016"/>
-      </p:ext>
-    </p:extLst>
-  </p:cSld>
-  <p:clrMapOvr>
-    <a:masterClrMapping/>
-  </p:clrMapOvr>
-  <p:transition>
-    <p:fade/>
-  </p:transition>
-</p:sld>
-</file>
-
-<file path=ppt/slides/slide34.xml><?xml version="1.0" encoding="utf-8"?>
-<p:sld xmlns:a="http://schemas.openxmlformats.org/drawingml/2006/main" xmlns:r="http://schemas.openxmlformats.org/officeDocument/2006/relationships" xmlns:p="http://schemas.openxmlformats.org/presentationml/2006/main">
-  <p:cSld>
-    <p:spTree>
-      <p:nvGrpSpPr>
-        <p:cNvPr id="1" name=""/>
-        <p:cNvGrpSpPr/>
-        <p:nvPr/>
-      </p:nvGrpSpPr>
-      <p:grpSpPr>
-        <a:xfrm>
-          <a:off x="0" y="0"/>
-          <a:ext cx="0" cy="0"/>
-          <a:chOff x="0" y="0"/>
-          <a:chExt cx="0" cy="0"/>
-        </a:xfrm>
-      </p:grpSpPr>
-      <p:sp>
-        <p:nvSpPr>
-          <p:cNvPr id="5" name="Title 4"/>
-          <p:cNvSpPr>
-            <a:spLocks noGrp="1"/>
-          </p:cNvSpPr>
-          <p:nvPr>
-            <p:ph type="title"/>
-          </p:nvPr>
-        </p:nvSpPr>
-        <p:spPr/>
-        <p:txBody>
-          <a:bodyPr/>
-          <a:lstStyle/>
-          <a:p>
-            <a:r>
-              <a:rPr lang="en-US" dirty="0" smtClean="0"/>
-              <a:t>Area</a:t>
+              <a:t>Simple Ratio</a:t>
             </a:r>
             <a:endParaRPr lang="en-US" dirty="0"/>
           </a:p>
@@ -29279,8 +29214,8 @@
         </p:nvSpPr>
         <p:spPr>
           <a:xfrm>
-            <a:off x="427037" y="1212850"/>
-            <a:ext cx="4832840" cy="3767185"/>
+            <a:off x="427036" y="1212850"/>
+            <a:ext cx="4038601" cy="4499693"/>
           </a:xfrm>
           <a:prstGeom prst="rect">
             <a:avLst/>
@@ -29513,6 +29448,2433 @@
             </a:lvl9pPr>
           </a:lstStyle>
           <a:p>
+            <a:pPr marL="0" indent="0">
+              <a:buFont typeface="Arial" pitchFamily="34" charset="0"/>
+              <a:buNone/>
+            </a:pPr>
+            <a:r>
+              <a:rPr lang="en-US" sz="2800" dirty="0" smtClean="0">
+                <a:gradFill>
+                  <a:gsLst>
+                    <a:gs pos="1250">
+                      <a:schemeClr val="tx1"/>
+                    </a:gs>
+                    <a:gs pos="100000">
+                      <a:schemeClr val="tx1"/>
+                    </a:gs>
+                  </a:gsLst>
+                  <a:lin ang="5400000" scaled="0"/>
+                </a:gradFill>
+                <a:latin typeface="+mj-lt"/>
+                <a:cs typeface="+mn-cs"/>
+              </a:rPr>
+              <a:t>California Obama Votes</a:t>
+            </a:r>
+          </a:p>
+          <a:p>
+            <a:pPr marL="0" indent="0">
+              <a:buNone/>
+            </a:pPr>
+            <a:r>
+              <a:rPr lang="en-US" sz="4000" dirty="0" smtClean="0">
+                <a:gradFill>
+                  <a:gsLst>
+                    <a:gs pos="1250">
+                      <a:schemeClr val="tx1"/>
+                    </a:gs>
+                    <a:gs pos="100000">
+                      <a:schemeClr val="tx1"/>
+                    </a:gs>
+                  </a:gsLst>
+                  <a:lin ang="5400000" scaled="0"/>
+                </a:gradFill>
+                <a:latin typeface="+mj-lt"/>
+                <a:cs typeface="+mn-cs"/>
+              </a:rPr>
+              <a:t>8,274,473</a:t>
+            </a:r>
+            <a:endParaRPr lang="en-US" sz="4000" dirty="0">
+              <a:gradFill>
+                <a:gsLst>
+                  <a:gs pos="1250">
+                    <a:schemeClr val="tx1"/>
+                  </a:gs>
+                  <a:gs pos="100000">
+                    <a:schemeClr val="tx1"/>
+                  </a:gs>
+                </a:gsLst>
+                <a:lin ang="5400000" scaled="0"/>
+              </a:gradFill>
+              <a:latin typeface="+mj-lt"/>
+              <a:cs typeface="+mn-cs"/>
+            </a:endParaRPr>
+          </a:p>
+          <a:p>
+            <a:pPr marL="0" indent="0">
+              <a:buFont typeface="Arial" pitchFamily="34" charset="0"/>
+              <a:buNone/>
+            </a:pPr>
+            <a:endParaRPr lang="en-US" sz="2800" dirty="0" smtClean="0">
+              <a:gradFill>
+                <a:gsLst>
+                  <a:gs pos="1250">
+                    <a:schemeClr val="tx1"/>
+                  </a:gs>
+                  <a:gs pos="100000">
+                    <a:schemeClr val="tx1"/>
+                  </a:gs>
+                </a:gsLst>
+                <a:lin ang="5400000" scaled="0"/>
+              </a:gradFill>
+              <a:latin typeface="+mj-lt"/>
+              <a:cs typeface="+mn-cs"/>
+            </a:endParaRPr>
+          </a:p>
+          <a:p>
+            <a:pPr marL="0" indent="0">
+              <a:buFont typeface="Arial" pitchFamily="34" charset="0"/>
+              <a:buNone/>
+            </a:pPr>
+            <a:r>
+              <a:rPr lang="en-US" sz="2800" dirty="0" smtClean="0">
+                <a:gradFill>
+                  <a:gsLst>
+                    <a:gs pos="1250">
+                      <a:schemeClr val="tx1"/>
+                    </a:gs>
+                    <a:gs pos="100000">
+                      <a:schemeClr val="tx1"/>
+                    </a:gs>
+                  </a:gsLst>
+                  <a:lin ang="5400000" scaled="0"/>
+                </a:gradFill>
+                <a:latin typeface="+mj-lt"/>
+                <a:cs typeface="+mn-cs"/>
+              </a:rPr>
+              <a:t>California Obama Bar</a:t>
+            </a:r>
+          </a:p>
+          <a:p>
+            <a:pPr marL="0" indent="0">
+              <a:buFont typeface="Arial" pitchFamily="34" charset="0"/>
+              <a:buNone/>
+            </a:pPr>
+            <a:r>
+              <a:rPr lang="en-US" sz="4000" dirty="0">
+                <a:gradFill>
+                  <a:gsLst>
+                    <a:gs pos="1250">
+                      <a:schemeClr val="tx1"/>
+                    </a:gs>
+                    <a:gs pos="100000">
+                      <a:schemeClr val="tx1"/>
+                    </a:gs>
+                  </a:gsLst>
+                  <a:lin ang="5400000" scaled="0"/>
+                </a:gradFill>
+                <a:latin typeface="+mj-lt"/>
+                <a:cs typeface="+mn-cs"/>
+              </a:rPr>
+              <a:t>340 </a:t>
+            </a:r>
+            <a:r>
+              <a:rPr lang="en-US" sz="4000" dirty="0" smtClean="0">
+                <a:gradFill>
+                  <a:gsLst>
+                    <a:gs pos="1250">
+                      <a:schemeClr val="tx1"/>
+                    </a:gs>
+                    <a:gs pos="100000">
+                      <a:schemeClr val="tx1"/>
+                    </a:gs>
+                  </a:gsLst>
+                  <a:lin ang="5400000" scaled="0"/>
+                </a:gradFill>
+                <a:latin typeface="+mj-lt"/>
+                <a:cs typeface="+mn-cs"/>
+              </a:rPr>
+              <a:t>pixels</a:t>
+            </a:r>
+          </a:p>
+          <a:p>
+            <a:pPr marL="0" indent="0">
+              <a:buNone/>
+            </a:pPr>
+            <a:endParaRPr lang="en-US" sz="2800" dirty="0" smtClean="0">
+              <a:gradFill>
+                <a:gsLst>
+                  <a:gs pos="1250">
+                    <a:schemeClr val="tx1"/>
+                  </a:gs>
+                  <a:gs pos="100000">
+                    <a:schemeClr val="tx1"/>
+                  </a:gs>
+                </a:gsLst>
+                <a:lin ang="5400000" scaled="0"/>
+              </a:gradFill>
+            </a:endParaRPr>
+          </a:p>
+          <a:p>
+            <a:pPr marL="0" indent="0">
+              <a:buNone/>
+            </a:pPr>
+            <a:r>
+              <a:rPr lang="en-US" sz="2800" dirty="0" smtClean="0">
+                <a:gradFill>
+                  <a:gsLst>
+                    <a:gs pos="1250">
+                      <a:schemeClr val="tx1"/>
+                    </a:gs>
+                    <a:gs pos="100000">
+                      <a:schemeClr val="tx1"/>
+                    </a:gs>
+                  </a:gsLst>
+                  <a:lin ang="5400000" scaled="0"/>
+                </a:gradFill>
+                <a:latin typeface="+mj-lt"/>
+                <a:cs typeface="+mn-cs"/>
+              </a:rPr>
+              <a:t>Texas Obama </a:t>
+            </a:r>
+            <a:r>
+              <a:rPr lang="en-US" sz="2800" dirty="0">
+                <a:gradFill>
+                  <a:gsLst>
+                    <a:gs pos="1250">
+                      <a:schemeClr val="tx1"/>
+                    </a:gs>
+                    <a:gs pos="100000">
+                      <a:schemeClr val="tx1"/>
+                    </a:gs>
+                  </a:gsLst>
+                  <a:lin ang="5400000" scaled="0"/>
+                </a:gradFill>
+                <a:latin typeface="+mj-lt"/>
+                <a:cs typeface="+mn-cs"/>
+              </a:rPr>
+              <a:t>Votes</a:t>
+            </a:r>
+          </a:p>
+          <a:p>
+            <a:pPr marL="0" indent="0">
+              <a:buNone/>
+            </a:pPr>
+            <a:r>
+              <a:rPr lang="en-US" sz="4000" dirty="0">
+                <a:gradFill>
+                  <a:gsLst>
+                    <a:gs pos="1250">
+                      <a:schemeClr val="tx1"/>
+                    </a:gs>
+                    <a:gs pos="100000">
+                      <a:schemeClr val="tx1"/>
+                    </a:gs>
+                  </a:gsLst>
+                  <a:lin ang="5400000" scaled="0"/>
+                </a:gradFill>
+                <a:latin typeface="+mj-lt"/>
+                <a:cs typeface="+mn-cs"/>
+              </a:rPr>
+              <a:t>3,528,633</a:t>
+            </a:r>
+          </a:p>
+        </p:txBody>
+      </p:sp>
+      <p:pic>
+        <p:nvPicPr>
+          <p:cNvPr id="2" name="Picture 1"/>
+          <p:cNvPicPr>
+            <a:picLocks noChangeAspect="1"/>
+          </p:cNvPicPr>
+          <p:nvPr/>
+        </p:nvPicPr>
+        <p:blipFill>
+          <a:blip r:embed="rId2"/>
+          <a:stretch>
+            <a:fillRect/>
+          </a:stretch>
+        </p:blipFill>
+        <p:spPr>
+          <a:xfrm>
+            <a:off x="4823498" y="1374918"/>
+            <a:ext cx="7490737" cy="4103543"/>
+          </a:xfrm>
+          <a:prstGeom prst="rect">
+            <a:avLst/>
+          </a:prstGeom>
+        </p:spPr>
+      </p:pic>
+      <mc:AlternateContent xmlns:mc="http://schemas.openxmlformats.org/markup-compatibility/2006" xmlns:a14="http://schemas.microsoft.com/office/drawing/2010/main">
+        <mc:Choice Requires="a14">
+          <p:sp>
+            <p:nvSpPr>
+              <p:cNvPr id="9" name="Rectangle 8"/>
+              <p:cNvSpPr/>
+              <p:nvPr/>
+            </p:nvSpPr>
+            <p:spPr>
+              <a:xfrm>
+                <a:off x="5761037" y="5640529"/>
+                <a:ext cx="5144357" cy="1202958"/>
+              </a:xfrm>
+              <a:prstGeom prst="rect">
+                <a:avLst/>
+              </a:prstGeom>
+            </p:spPr>
+            <p:txBody>
+              <a:bodyPr wrap="none">
+                <a:spAutoFit/>
+              </a:bodyPr>
+              <a:lstStyle/>
+              <a:p>
+                <a:pPr/>
+                <a14:m>
+                  <m:oMathPara xmlns:m="http://schemas.openxmlformats.org/officeDocument/2006/math">
+                    <m:oMathParaPr>
+                      <m:jc m:val="centerGroup"/>
+                    </m:oMathParaPr>
+                    <m:oMath xmlns:m="http://schemas.openxmlformats.org/officeDocument/2006/math">
+                      <m:f>
+                        <m:fPr>
+                          <m:ctrlPr>
+                            <a:rPr lang="en-US" sz="3600" i="1" smtClean="0">
+                              <a:latin typeface="Cambria Math" panose="02040503050406030204" pitchFamily="18" charset="0"/>
+                            </a:rPr>
+                          </m:ctrlPr>
+                        </m:fPr>
+                        <m:num>
+                          <m:r>
+                            <a:rPr lang="en-US" sz="3600" b="0" i="1" smtClean="0">
+                              <a:latin typeface="Cambria Math" panose="02040503050406030204" pitchFamily="18" charset="0"/>
+                            </a:rPr>
+                            <m:t>340</m:t>
+                          </m:r>
+                          <m:r>
+                            <a:rPr lang="en-US" sz="3600" i="0">
+                              <a:latin typeface="Cambria Math" panose="02040503050406030204" pitchFamily="18" charset="0"/>
+                            </a:rPr>
+                            <m:t>∗</m:t>
+                          </m:r>
+                          <m:r>
+                            <a:rPr lang="en-US" sz="3600" b="0" i="1" smtClean="0">
+                              <a:latin typeface="Cambria Math" panose="02040503050406030204" pitchFamily="18" charset="0"/>
+                            </a:rPr>
+                            <m:t>3,528,633</m:t>
+                          </m:r>
+                        </m:num>
+                        <m:den>
+                          <m:r>
+                            <a:rPr lang="en-US" sz="3600" b="0" i="1" smtClean="0">
+                              <a:latin typeface="Cambria Math" panose="02040503050406030204" pitchFamily="18" charset="0"/>
+                            </a:rPr>
+                            <m:t>8,274,473</m:t>
+                          </m:r>
+                        </m:den>
+                      </m:f>
+                      <m:r>
+                        <a:rPr lang="en-US" sz="3600" i="0">
+                          <a:latin typeface="Cambria Math" panose="02040503050406030204" pitchFamily="18" charset="0"/>
+                        </a:rPr>
+                        <m:t>=</m:t>
+                      </m:r>
+                      <m:r>
+                        <a:rPr lang="en-US" sz="3600" i="1">
+                          <a:latin typeface="Cambria Math" panose="02040503050406030204" pitchFamily="18" charset="0"/>
+                        </a:rPr>
+                        <m:t>𝑠𝑖𝑧𝑒</m:t>
+                      </m:r>
+                      <m:r>
+                        <a:rPr lang="en-US" sz="3600" i="0">
+                          <a:latin typeface="Cambria Math" panose="02040503050406030204" pitchFamily="18" charset="0"/>
+                        </a:rPr>
+                        <m:t>2</m:t>
+                      </m:r>
+                    </m:oMath>
+                  </m:oMathPara>
+                </a14:m>
+                <a:endParaRPr lang="en-US" sz="3600" dirty="0"/>
+              </a:p>
+            </p:txBody>
+          </p:sp>
+        </mc:Choice>
+        <mc:Fallback xmlns="">
+          <p:sp>
+            <p:nvSpPr>
+              <p:cNvPr id="9" name="Rectangle 8"/>
+              <p:cNvSpPr>
+                <a:spLocks noRot="1" noChangeAspect="1" noMove="1" noResize="1" noEditPoints="1" noAdjustHandles="1" noChangeArrowheads="1" noChangeShapeType="1" noTextEdit="1"/>
+              </p:cNvSpPr>
+              <p:nvPr/>
+            </p:nvSpPr>
+            <p:spPr>
+              <a:xfrm>
+                <a:off x="5761037" y="5640529"/>
+                <a:ext cx="5144357" cy="1202958"/>
+              </a:xfrm>
+              <a:prstGeom prst="rect">
+                <a:avLst/>
+              </a:prstGeom>
+              <a:blipFill rotWithShape="0">
+                <a:blip r:embed="rId3"/>
+                <a:stretch>
+                  <a:fillRect/>
+                </a:stretch>
+              </a:blipFill>
+            </p:spPr>
+            <p:txBody>
+              <a:bodyPr/>
+              <a:lstStyle/>
+              <a:p>
+                <a:r>
+                  <a:rPr lang="en-US">
+                    <a:noFill/>
+                  </a:rPr>
+                  <a:t> </a:t>
+                </a:r>
+              </a:p>
+            </p:txBody>
+          </p:sp>
+        </mc:Fallback>
+      </mc:AlternateContent>
+    </p:spTree>
+    <p:extLst>
+      <p:ext uri="{BB962C8B-B14F-4D97-AF65-F5344CB8AC3E}">
+        <p14:creationId xmlns:p14="http://schemas.microsoft.com/office/powerpoint/2010/main" val="2727114607"/>
+      </p:ext>
+    </p:extLst>
+  </p:cSld>
+  <p:clrMapOvr>
+    <a:masterClrMapping/>
+  </p:clrMapOvr>
+  <p:transition>
+    <p:fade/>
+  </p:transition>
+</p:sld>
+</file>
+
+<file path=ppt/slides/slide32.xml><?xml version="1.0" encoding="utf-8"?>
+<p:sld xmlns:a="http://schemas.openxmlformats.org/drawingml/2006/main" xmlns:r="http://schemas.openxmlformats.org/officeDocument/2006/relationships" xmlns:p="http://schemas.openxmlformats.org/presentationml/2006/main">
+  <p:cSld>
+    <p:spTree>
+      <p:nvGrpSpPr>
+        <p:cNvPr id="1" name=""/>
+        <p:cNvGrpSpPr/>
+        <p:nvPr/>
+      </p:nvGrpSpPr>
+      <p:grpSpPr>
+        <a:xfrm>
+          <a:off x="0" y="0"/>
+          <a:ext cx="0" cy="0"/>
+          <a:chOff x="0" y="0"/>
+          <a:chExt cx="0" cy="0"/>
+        </a:xfrm>
+      </p:grpSpPr>
+      <p:sp>
+        <p:nvSpPr>
+          <p:cNvPr id="6" name="Text Placeholder 5"/>
+          <p:cNvSpPr>
+            <a:spLocks noGrp="1"/>
+          </p:cNvSpPr>
+          <p:nvPr>
+            <p:ph type="body" sz="quarter" idx="10"/>
+          </p:nvPr>
+        </p:nvSpPr>
+        <p:spPr>
+          <a:xfrm>
+            <a:off x="274638" y="1212850"/>
+            <a:ext cx="11887200" cy="1329595"/>
+          </a:xfrm>
+        </p:spPr>
+        <p:txBody>
+          <a:bodyPr/>
+          <a:lstStyle/>
+          <a:p>
+            <a:endParaRPr lang="en-US" dirty="0" smtClean="0"/>
+          </a:p>
+          <a:p>
+            <a:pPr marL="0" indent="0">
+              <a:buNone/>
+            </a:pPr>
+            <a:endParaRPr lang="en-US" dirty="0"/>
+          </a:p>
+          <a:p>
+            <a:pPr marL="0" indent="0">
+              <a:buNone/>
+            </a:pPr>
+            <a:endParaRPr lang="en-US" dirty="0" smtClean="0"/>
+          </a:p>
+        </p:txBody>
+      </p:sp>
+      <p:sp>
+        <p:nvSpPr>
+          <p:cNvPr id="5" name="Title 4"/>
+          <p:cNvSpPr>
+            <a:spLocks noGrp="1"/>
+          </p:cNvSpPr>
+          <p:nvPr>
+            <p:ph type="title"/>
+          </p:nvPr>
+        </p:nvSpPr>
+        <p:spPr/>
+        <p:txBody>
+          <a:bodyPr/>
+          <a:lstStyle/>
+          <a:p>
+            <a:r>
+              <a:rPr lang="en-US" dirty="0" smtClean="0"/>
+              <a:t>Simple Ratio</a:t>
+            </a:r>
+            <a:endParaRPr lang="en-US" dirty="0"/>
+          </a:p>
+        </p:txBody>
+      </p:sp>
+      <p:sp>
+        <p:nvSpPr>
+          <p:cNvPr id="7" name="Text Placeholder 5"/>
+          <p:cNvSpPr txBox="1">
+            <a:spLocks/>
+          </p:cNvSpPr>
+          <p:nvPr/>
+        </p:nvSpPr>
+        <p:spPr>
+          <a:xfrm>
+            <a:off x="427036" y="1212850"/>
+            <a:ext cx="4038601" cy="4499693"/>
+          </a:xfrm>
+          <a:prstGeom prst="rect">
+            <a:avLst/>
+          </a:prstGeom>
+        </p:spPr>
+        <p:txBody>
+          <a:bodyPr vert="horz" wrap="square" lIns="146304" tIns="91440" rIns="146304" bIns="91440" rtlCol="0">
+            <a:spAutoFit/>
+          </a:bodyPr>
+          <a:lstStyle>
+            <a:lvl1pPr marL="342900" marR="0" indent="-342900" algn="l" defTabSz="932742" rtl="0" eaLnBrk="1" fontAlgn="auto" latinLnBrk="0" hangingPunct="1">
+              <a:lnSpc>
+                <a:spcPct val="90000"/>
+              </a:lnSpc>
+              <a:spcBef>
+                <a:spcPct val="20000"/>
+              </a:spcBef>
+              <a:spcAft>
+                <a:spcPts val="0"/>
+              </a:spcAft>
+              <a:buClrTx/>
+              <a:buSzPct val="90000"/>
+              <a:buFont typeface="Arial" pitchFamily="34" charset="0"/>
+              <a:buChar char="•"/>
+              <a:tabLst/>
+              <a:defRPr lang="en-US" sz="2400" kern="1200" spc="0" baseline="0" dirty="0" smtClean="0">
+                <a:gradFill>
+                  <a:gsLst>
+                    <a:gs pos="100000">
+                      <a:schemeClr val="tx1"/>
+                    </a:gs>
+                    <a:gs pos="0">
+                      <a:schemeClr val="tx1"/>
+                    </a:gs>
+                  </a:gsLst>
+                  <a:lin ang="5400000" scaled="0"/>
+                </a:gradFill>
+                <a:latin typeface="Consolas" pitchFamily="49" charset="0"/>
+                <a:ea typeface="+mn-ea"/>
+                <a:cs typeface="Consolas" pitchFamily="49" charset="0"/>
+              </a:defRPr>
+            </a:lvl1pPr>
+            <a:lvl2pPr marL="584200" marR="0" indent="-241300" algn="l" defTabSz="932742" rtl="0" eaLnBrk="1" fontAlgn="auto" latinLnBrk="0" hangingPunct="1">
+              <a:lnSpc>
+                <a:spcPct val="90000"/>
+              </a:lnSpc>
+              <a:spcBef>
+                <a:spcPct val="20000"/>
+              </a:spcBef>
+              <a:spcAft>
+                <a:spcPts val="0"/>
+              </a:spcAft>
+              <a:buClrTx/>
+              <a:buSzPct val="90000"/>
+              <a:buFont typeface="Arial" pitchFamily="34" charset="0"/>
+              <a:buChar char="•"/>
+              <a:tabLst/>
+              <a:defRPr lang="en-US" sz="2400" kern="1200" spc="0" baseline="0" dirty="0" smtClean="0">
+                <a:gradFill>
+                  <a:gsLst>
+                    <a:gs pos="100000">
+                      <a:schemeClr val="tx1"/>
+                    </a:gs>
+                    <a:gs pos="0">
+                      <a:schemeClr val="tx1"/>
+                    </a:gs>
+                  </a:gsLst>
+                  <a:lin ang="5400000" scaled="0"/>
+                </a:gradFill>
+                <a:latin typeface="Consolas" pitchFamily="49" charset="0"/>
+                <a:ea typeface="+mn-ea"/>
+                <a:cs typeface="Consolas" pitchFamily="49" charset="0"/>
+              </a:defRPr>
+            </a:lvl2pPr>
+            <a:lvl3pPr marL="571441" marR="0" indent="-342900" algn="l" defTabSz="932742" rtl="0" eaLnBrk="1" fontAlgn="auto" latinLnBrk="0" hangingPunct="1">
+              <a:lnSpc>
+                <a:spcPct val="90000"/>
+              </a:lnSpc>
+              <a:spcBef>
+                <a:spcPct val="20000"/>
+              </a:spcBef>
+              <a:spcAft>
+                <a:spcPts val="0"/>
+              </a:spcAft>
+              <a:buClrTx/>
+              <a:buSzPct val="90000"/>
+              <a:buFont typeface="Arial" pitchFamily="34" charset="0"/>
+              <a:buChar char="•"/>
+              <a:tabLst/>
+              <a:defRPr lang="en-US" sz="2400" kern="1200" spc="0" baseline="0" dirty="0" smtClean="0">
+                <a:gradFill>
+                  <a:gsLst>
+                    <a:gs pos="100000">
+                      <a:schemeClr val="tx1"/>
+                    </a:gs>
+                    <a:gs pos="0">
+                      <a:schemeClr val="tx1"/>
+                    </a:gs>
+                  </a:gsLst>
+                  <a:lin ang="5400000" scaled="0"/>
+                </a:gradFill>
+                <a:latin typeface="Consolas" pitchFamily="49" charset="0"/>
+                <a:ea typeface="+mn-ea"/>
+                <a:cs typeface="Consolas" pitchFamily="49" charset="0"/>
+              </a:defRPr>
+            </a:lvl3pPr>
+            <a:lvl4pPr marL="1028700" marR="0" indent="-228600" algn="l" defTabSz="932742" rtl="0" eaLnBrk="1" fontAlgn="auto" latinLnBrk="0" hangingPunct="1">
+              <a:lnSpc>
+                <a:spcPct val="90000"/>
+              </a:lnSpc>
+              <a:spcBef>
+                <a:spcPct val="20000"/>
+              </a:spcBef>
+              <a:spcAft>
+                <a:spcPts val="0"/>
+              </a:spcAft>
+              <a:buClrTx/>
+              <a:buSzPct val="90000"/>
+              <a:buFont typeface="Arial" pitchFamily="34" charset="0"/>
+              <a:buChar char="•"/>
+              <a:tabLst/>
+              <a:defRPr sz="2000" kern="1200" spc="0" baseline="0">
+                <a:gradFill>
+                  <a:gsLst>
+                    <a:gs pos="1250">
+                      <a:schemeClr val="tx1"/>
+                    </a:gs>
+                    <a:gs pos="100000">
+                      <a:schemeClr val="tx1"/>
+                    </a:gs>
+                  </a:gsLst>
+                  <a:lin ang="5400000" scaled="0"/>
+                </a:gradFill>
+                <a:latin typeface="+mn-lt"/>
+                <a:ea typeface="+mn-ea"/>
+                <a:cs typeface="+mn-cs"/>
+              </a:defRPr>
+            </a:lvl4pPr>
+            <a:lvl5pPr marL="1257300" marR="0" indent="-228600" algn="l" defTabSz="932742" rtl="0" eaLnBrk="1" fontAlgn="auto" latinLnBrk="0" hangingPunct="1">
+              <a:lnSpc>
+                <a:spcPct val="90000"/>
+              </a:lnSpc>
+              <a:spcBef>
+                <a:spcPct val="20000"/>
+              </a:spcBef>
+              <a:spcAft>
+                <a:spcPts val="0"/>
+              </a:spcAft>
+              <a:buClrTx/>
+              <a:buSzPct val="90000"/>
+              <a:buFont typeface="Arial" pitchFamily="34" charset="0"/>
+              <a:buChar char="•"/>
+              <a:tabLst/>
+              <a:defRPr sz="2000" kern="1200" spc="0" baseline="0">
+                <a:gradFill>
+                  <a:gsLst>
+                    <a:gs pos="1250">
+                      <a:schemeClr val="tx1"/>
+                    </a:gs>
+                    <a:gs pos="100000">
+                      <a:schemeClr val="tx1"/>
+                    </a:gs>
+                  </a:gsLst>
+                  <a:lin ang="5400000" scaled="0"/>
+                </a:gradFill>
+                <a:latin typeface="+mn-lt"/>
+                <a:ea typeface="+mn-ea"/>
+                <a:cs typeface="+mn-cs"/>
+              </a:defRPr>
+            </a:lvl5pPr>
+            <a:lvl6pPr marL="2565040" indent="-233186" algn="l" defTabSz="932742" rtl="0" eaLnBrk="1" latinLnBrk="0" hangingPunct="1">
+              <a:spcBef>
+                <a:spcPct val="20000"/>
+              </a:spcBef>
+              <a:buFont typeface="Arial" pitchFamily="34" charset="0"/>
+              <a:buChar char="•"/>
+              <a:defRPr sz="2000" kern="1200">
+                <a:solidFill>
+                  <a:schemeClr val="tx1"/>
+                </a:solidFill>
+                <a:latin typeface="+mn-lt"/>
+                <a:ea typeface="+mn-ea"/>
+                <a:cs typeface="+mn-cs"/>
+              </a:defRPr>
+            </a:lvl6pPr>
+            <a:lvl7pPr marL="3031412" indent="-233186" algn="l" defTabSz="932742" rtl="0" eaLnBrk="1" latinLnBrk="0" hangingPunct="1">
+              <a:spcBef>
+                <a:spcPct val="20000"/>
+              </a:spcBef>
+              <a:buFont typeface="Arial" pitchFamily="34" charset="0"/>
+              <a:buChar char="•"/>
+              <a:defRPr sz="2000" kern="1200">
+                <a:solidFill>
+                  <a:schemeClr val="tx1"/>
+                </a:solidFill>
+                <a:latin typeface="+mn-lt"/>
+                <a:ea typeface="+mn-ea"/>
+                <a:cs typeface="+mn-cs"/>
+              </a:defRPr>
+            </a:lvl7pPr>
+            <a:lvl8pPr marL="3497783" indent="-233186" algn="l" defTabSz="932742" rtl="0" eaLnBrk="1" latinLnBrk="0" hangingPunct="1">
+              <a:spcBef>
+                <a:spcPct val="20000"/>
+              </a:spcBef>
+              <a:buFont typeface="Arial" pitchFamily="34" charset="0"/>
+              <a:buChar char="•"/>
+              <a:defRPr sz="2000" kern="1200">
+                <a:solidFill>
+                  <a:schemeClr val="tx1"/>
+                </a:solidFill>
+                <a:latin typeface="+mn-lt"/>
+                <a:ea typeface="+mn-ea"/>
+                <a:cs typeface="+mn-cs"/>
+              </a:defRPr>
+            </a:lvl8pPr>
+            <a:lvl9pPr marL="3964155" indent="-233186" algn="l" defTabSz="932742" rtl="0" eaLnBrk="1" latinLnBrk="0" hangingPunct="1">
+              <a:spcBef>
+                <a:spcPct val="20000"/>
+              </a:spcBef>
+              <a:buFont typeface="Arial" pitchFamily="34" charset="0"/>
+              <a:buChar char="•"/>
+              <a:defRPr sz="2000" kern="1200">
+                <a:solidFill>
+                  <a:schemeClr val="tx1"/>
+                </a:solidFill>
+                <a:latin typeface="+mn-lt"/>
+                <a:ea typeface="+mn-ea"/>
+                <a:cs typeface="+mn-cs"/>
+              </a:defRPr>
+            </a:lvl9pPr>
+          </a:lstStyle>
+          <a:p>
+            <a:pPr marL="0" indent="0">
+              <a:buFont typeface="Arial" pitchFamily="34" charset="0"/>
+              <a:buNone/>
+            </a:pPr>
+            <a:r>
+              <a:rPr lang="en-US" sz="2800" dirty="0" smtClean="0">
+                <a:gradFill>
+                  <a:gsLst>
+                    <a:gs pos="1250">
+                      <a:schemeClr val="tx1"/>
+                    </a:gs>
+                    <a:gs pos="100000">
+                      <a:schemeClr val="tx1"/>
+                    </a:gs>
+                  </a:gsLst>
+                  <a:lin ang="5400000" scaled="0"/>
+                </a:gradFill>
+                <a:latin typeface="+mj-lt"/>
+                <a:cs typeface="+mn-cs"/>
+              </a:rPr>
+              <a:t>California Obama Votes</a:t>
+            </a:r>
+          </a:p>
+          <a:p>
+            <a:pPr marL="0" indent="0">
+              <a:buNone/>
+            </a:pPr>
+            <a:r>
+              <a:rPr lang="en-US" sz="4000" dirty="0" smtClean="0">
+                <a:gradFill>
+                  <a:gsLst>
+                    <a:gs pos="1250">
+                      <a:schemeClr val="tx1"/>
+                    </a:gs>
+                    <a:gs pos="100000">
+                      <a:schemeClr val="tx1"/>
+                    </a:gs>
+                  </a:gsLst>
+                  <a:lin ang="5400000" scaled="0"/>
+                </a:gradFill>
+                <a:latin typeface="+mj-lt"/>
+                <a:cs typeface="+mn-cs"/>
+              </a:rPr>
+              <a:t>8,274,473</a:t>
+            </a:r>
+            <a:endParaRPr lang="en-US" sz="4000" dirty="0">
+              <a:gradFill>
+                <a:gsLst>
+                  <a:gs pos="1250">
+                    <a:schemeClr val="tx1"/>
+                  </a:gs>
+                  <a:gs pos="100000">
+                    <a:schemeClr val="tx1"/>
+                  </a:gs>
+                </a:gsLst>
+                <a:lin ang="5400000" scaled="0"/>
+              </a:gradFill>
+              <a:latin typeface="+mj-lt"/>
+              <a:cs typeface="+mn-cs"/>
+            </a:endParaRPr>
+          </a:p>
+          <a:p>
+            <a:pPr marL="0" indent="0">
+              <a:buFont typeface="Arial" pitchFamily="34" charset="0"/>
+              <a:buNone/>
+            </a:pPr>
+            <a:endParaRPr lang="en-US" sz="2800" dirty="0" smtClean="0">
+              <a:gradFill>
+                <a:gsLst>
+                  <a:gs pos="1250">
+                    <a:schemeClr val="tx1"/>
+                  </a:gs>
+                  <a:gs pos="100000">
+                    <a:schemeClr val="tx1"/>
+                  </a:gs>
+                </a:gsLst>
+                <a:lin ang="5400000" scaled="0"/>
+              </a:gradFill>
+              <a:latin typeface="+mj-lt"/>
+              <a:cs typeface="+mn-cs"/>
+            </a:endParaRPr>
+          </a:p>
+          <a:p>
+            <a:pPr marL="0" indent="0">
+              <a:buFont typeface="Arial" pitchFamily="34" charset="0"/>
+              <a:buNone/>
+            </a:pPr>
+            <a:r>
+              <a:rPr lang="en-US" sz="2800" dirty="0" smtClean="0">
+                <a:gradFill>
+                  <a:gsLst>
+                    <a:gs pos="1250">
+                      <a:schemeClr val="tx1"/>
+                    </a:gs>
+                    <a:gs pos="100000">
+                      <a:schemeClr val="tx1"/>
+                    </a:gs>
+                  </a:gsLst>
+                  <a:lin ang="5400000" scaled="0"/>
+                </a:gradFill>
+                <a:latin typeface="+mj-lt"/>
+                <a:cs typeface="+mn-cs"/>
+              </a:rPr>
+              <a:t>California Obama Bar</a:t>
+            </a:r>
+          </a:p>
+          <a:p>
+            <a:pPr marL="0" indent="0">
+              <a:buFont typeface="Arial" pitchFamily="34" charset="0"/>
+              <a:buNone/>
+            </a:pPr>
+            <a:r>
+              <a:rPr lang="en-US" sz="4000" dirty="0">
+                <a:gradFill>
+                  <a:gsLst>
+                    <a:gs pos="1250">
+                      <a:schemeClr val="tx1"/>
+                    </a:gs>
+                    <a:gs pos="100000">
+                      <a:schemeClr val="tx1"/>
+                    </a:gs>
+                  </a:gsLst>
+                  <a:lin ang="5400000" scaled="0"/>
+                </a:gradFill>
+                <a:latin typeface="+mj-lt"/>
+                <a:cs typeface="+mn-cs"/>
+              </a:rPr>
+              <a:t>340 </a:t>
+            </a:r>
+            <a:r>
+              <a:rPr lang="en-US" sz="4000" dirty="0" smtClean="0">
+                <a:gradFill>
+                  <a:gsLst>
+                    <a:gs pos="1250">
+                      <a:schemeClr val="tx1"/>
+                    </a:gs>
+                    <a:gs pos="100000">
+                      <a:schemeClr val="tx1"/>
+                    </a:gs>
+                  </a:gsLst>
+                  <a:lin ang="5400000" scaled="0"/>
+                </a:gradFill>
+                <a:latin typeface="+mj-lt"/>
+                <a:cs typeface="+mn-cs"/>
+              </a:rPr>
+              <a:t>pixels</a:t>
+            </a:r>
+          </a:p>
+          <a:p>
+            <a:pPr marL="0" indent="0">
+              <a:buNone/>
+            </a:pPr>
+            <a:endParaRPr lang="en-US" sz="2800" dirty="0" smtClean="0">
+              <a:gradFill>
+                <a:gsLst>
+                  <a:gs pos="1250">
+                    <a:schemeClr val="tx1"/>
+                  </a:gs>
+                  <a:gs pos="100000">
+                    <a:schemeClr val="tx1"/>
+                  </a:gs>
+                </a:gsLst>
+                <a:lin ang="5400000" scaled="0"/>
+              </a:gradFill>
+            </a:endParaRPr>
+          </a:p>
+          <a:p>
+            <a:pPr marL="0" indent="0">
+              <a:buNone/>
+            </a:pPr>
+            <a:r>
+              <a:rPr lang="en-US" sz="2800" dirty="0" smtClean="0">
+                <a:gradFill>
+                  <a:gsLst>
+                    <a:gs pos="1250">
+                      <a:schemeClr val="tx1"/>
+                    </a:gs>
+                    <a:gs pos="100000">
+                      <a:schemeClr val="tx1"/>
+                    </a:gs>
+                  </a:gsLst>
+                  <a:lin ang="5400000" scaled="0"/>
+                </a:gradFill>
+                <a:latin typeface="+mj-lt"/>
+                <a:cs typeface="+mn-cs"/>
+              </a:rPr>
+              <a:t>Texas Obama </a:t>
+            </a:r>
+            <a:r>
+              <a:rPr lang="en-US" sz="2800" dirty="0">
+                <a:gradFill>
+                  <a:gsLst>
+                    <a:gs pos="1250">
+                      <a:schemeClr val="tx1"/>
+                    </a:gs>
+                    <a:gs pos="100000">
+                      <a:schemeClr val="tx1"/>
+                    </a:gs>
+                  </a:gsLst>
+                  <a:lin ang="5400000" scaled="0"/>
+                </a:gradFill>
+                <a:latin typeface="+mj-lt"/>
+                <a:cs typeface="+mn-cs"/>
+              </a:rPr>
+              <a:t>Votes</a:t>
+            </a:r>
+          </a:p>
+          <a:p>
+            <a:pPr marL="0" indent="0">
+              <a:buNone/>
+            </a:pPr>
+            <a:r>
+              <a:rPr lang="en-US" sz="4000" dirty="0">
+                <a:gradFill>
+                  <a:gsLst>
+                    <a:gs pos="1250">
+                      <a:schemeClr val="tx1"/>
+                    </a:gs>
+                    <a:gs pos="100000">
+                      <a:schemeClr val="tx1"/>
+                    </a:gs>
+                  </a:gsLst>
+                  <a:lin ang="5400000" scaled="0"/>
+                </a:gradFill>
+                <a:latin typeface="+mj-lt"/>
+                <a:cs typeface="+mn-cs"/>
+              </a:rPr>
+              <a:t>3,528,633</a:t>
+            </a:r>
+          </a:p>
+        </p:txBody>
+      </p:sp>
+      <p:pic>
+        <p:nvPicPr>
+          <p:cNvPr id="2" name="Picture 1"/>
+          <p:cNvPicPr>
+            <a:picLocks noChangeAspect="1"/>
+          </p:cNvPicPr>
+          <p:nvPr/>
+        </p:nvPicPr>
+        <p:blipFill>
+          <a:blip r:embed="rId3"/>
+          <a:stretch>
+            <a:fillRect/>
+          </a:stretch>
+        </p:blipFill>
+        <p:spPr>
+          <a:xfrm>
+            <a:off x="4823498" y="1374918"/>
+            <a:ext cx="7490737" cy="4103543"/>
+          </a:xfrm>
+          <a:prstGeom prst="rect">
+            <a:avLst/>
+          </a:prstGeom>
+        </p:spPr>
+      </p:pic>
+      <mc:AlternateContent xmlns:mc="http://schemas.openxmlformats.org/markup-compatibility/2006" xmlns:a14="http://schemas.microsoft.com/office/drawing/2010/main">
+        <mc:Choice Requires="a14">
+          <p:sp>
+            <p:nvSpPr>
+              <p:cNvPr id="9" name="Rectangle 8"/>
+              <p:cNvSpPr/>
+              <p:nvPr/>
+            </p:nvSpPr>
+            <p:spPr>
+              <a:xfrm>
+                <a:off x="5761037" y="5640529"/>
+                <a:ext cx="6190990" cy="1202958"/>
+              </a:xfrm>
+              <a:prstGeom prst="rect">
+                <a:avLst/>
+              </a:prstGeom>
+            </p:spPr>
+            <p:txBody>
+              <a:bodyPr wrap="none">
+                <a:spAutoFit/>
+              </a:bodyPr>
+              <a:lstStyle/>
+              <a:p>
+                <a:pPr/>
+                <a14:m>
+                  <m:oMathPara xmlns:m="http://schemas.openxmlformats.org/officeDocument/2006/math">
+                    <m:oMathParaPr>
+                      <m:jc m:val="centerGroup"/>
+                    </m:oMathParaPr>
+                    <m:oMath xmlns:m="http://schemas.openxmlformats.org/officeDocument/2006/math">
+                      <m:f>
+                        <m:fPr>
+                          <m:ctrlPr>
+                            <a:rPr lang="en-US" sz="3600" i="1" smtClean="0">
+                              <a:latin typeface="Cambria Math" panose="02040503050406030204" pitchFamily="18" charset="0"/>
+                            </a:rPr>
+                          </m:ctrlPr>
+                        </m:fPr>
+                        <m:num>
+                          <m:r>
+                            <a:rPr lang="en-US" sz="3600" b="0" i="1" smtClean="0">
+                              <a:latin typeface="Cambria Math" panose="02040503050406030204" pitchFamily="18" charset="0"/>
+                            </a:rPr>
+                            <m:t>340</m:t>
+                          </m:r>
+                          <m:r>
+                            <a:rPr lang="en-US" sz="3600" i="0">
+                              <a:latin typeface="Cambria Math" panose="02040503050406030204" pitchFamily="18" charset="0"/>
+                            </a:rPr>
+                            <m:t>∗</m:t>
+                          </m:r>
+                          <m:r>
+                            <a:rPr lang="en-US" sz="3600" b="0" i="1" smtClean="0">
+                              <a:latin typeface="Cambria Math" panose="02040503050406030204" pitchFamily="18" charset="0"/>
+                            </a:rPr>
+                            <m:t>3,528,633</m:t>
+                          </m:r>
+                        </m:num>
+                        <m:den>
+                          <m:r>
+                            <a:rPr lang="en-US" sz="3600" b="0" i="1" smtClean="0">
+                              <a:latin typeface="Cambria Math" panose="02040503050406030204" pitchFamily="18" charset="0"/>
+                            </a:rPr>
+                            <m:t>8,274,473</m:t>
+                          </m:r>
+                        </m:den>
+                      </m:f>
+                      <m:r>
+                        <a:rPr lang="en-US" sz="3600" i="0">
+                          <a:latin typeface="Cambria Math" panose="02040503050406030204" pitchFamily="18" charset="0"/>
+                        </a:rPr>
+                        <m:t>=</m:t>
+                      </m:r>
+                      <m:r>
+                        <a:rPr lang="en-US" sz="3600" b="0" i="1" smtClean="0">
+                          <a:latin typeface="Cambria Math" panose="02040503050406030204" pitchFamily="18" charset="0"/>
+                        </a:rPr>
+                        <m:t>140 </m:t>
+                      </m:r>
+                      <m:r>
+                        <a:rPr lang="en-US" sz="3600" b="0" i="1" smtClean="0">
+                          <a:latin typeface="Cambria Math" panose="02040503050406030204" pitchFamily="18" charset="0"/>
+                        </a:rPr>
+                        <m:t>𝑝𝑖𝑥𝑒𝑙𝑠</m:t>
+                      </m:r>
+                    </m:oMath>
+                  </m:oMathPara>
+                </a14:m>
+                <a:endParaRPr lang="en-US" sz="3600" dirty="0"/>
+              </a:p>
+            </p:txBody>
+          </p:sp>
+        </mc:Choice>
+        <mc:Fallback xmlns="">
+          <p:sp>
+            <p:nvSpPr>
+              <p:cNvPr id="9" name="Rectangle 8"/>
+              <p:cNvSpPr>
+                <a:spLocks noRot="1" noChangeAspect="1" noMove="1" noResize="1" noEditPoints="1" noAdjustHandles="1" noChangeArrowheads="1" noChangeShapeType="1" noTextEdit="1"/>
+              </p:cNvSpPr>
+              <p:nvPr/>
+            </p:nvSpPr>
+            <p:spPr>
+              <a:xfrm>
+                <a:off x="5761037" y="5640529"/>
+                <a:ext cx="6190990" cy="1202958"/>
+              </a:xfrm>
+              <a:prstGeom prst="rect">
+                <a:avLst/>
+              </a:prstGeom>
+              <a:blipFill rotWithShape="0">
+                <a:blip r:embed="rId4"/>
+                <a:stretch>
+                  <a:fillRect/>
+                </a:stretch>
+              </a:blipFill>
+            </p:spPr>
+            <p:txBody>
+              <a:bodyPr/>
+              <a:lstStyle/>
+              <a:p>
+                <a:r>
+                  <a:rPr lang="en-US">
+                    <a:noFill/>
+                  </a:rPr>
+                  <a:t> </a:t>
+                </a:r>
+              </a:p>
+            </p:txBody>
+          </p:sp>
+        </mc:Fallback>
+      </mc:AlternateContent>
+    </p:spTree>
+    <p:extLst>
+      <p:ext uri="{BB962C8B-B14F-4D97-AF65-F5344CB8AC3E}">
+        <p14:creationId xmlns:p14="http://schemas.microsoft.com/office/powerpoint/2010/main" val="3732925971"/>
+      </p:ext>
+    </p:extLst>
+  </p:cSld>
+  <p:clrMapOvr>
+    <a:masterClrMapping/>
+  </p:clrMapOvr>
+  <p:transition>
+    <p:fade/>
+  </p:transition>
+</p:sld>
+</file>
+
+<file path=ppt/slides/slide33.xml><?xml version="1.0" encoding="utf-8"?>
+<p:sld xmlns:a="http://schemas.openxmlformats.org/drawingml/2006/main" xmlns:r="http://schemas.openxmlformats.org/officeDocument/2006/relationships" xmlns:p="http://schemas.openxmlformats.org/presentationml/2006/main">
+  <p:cSld>
+    <p:spTree>
+      <p:nvGrpSpPr>
+        <p:cNvPr id="1" name=""/>
+        <p:cNvGrpSpPr/>
+        <p:nvPr/>
+      </p:nvGrpSpPr>
+      <p:grpSpPr>
+        <a:xfrm>
+          <a:off x="0" y="0"/>
+          <a:ext cx="0" cy="0"/>
+          <a:chOff x="0" y="0"/>
+          <a:chExt cx="0" cy="0"/>
+        </a:xfrm>
+      </p:grpSpPr>
+      <p:sp>
+        <p:nvSpPr>
+          <p:cNvPr id="6" name="Text Placeholder 5"/>
+          <p:cNvSpPr>
+            <a:spLocks noGrp="1"/>
+          </p:cNvSpPr>
+          <p:nvPr>
+            <p:ph type="body" sz="quarter" idx="10"/>
+          </p:nvPr>
+        </p:nvSpPr>
+        <p:spPr>
+          <a:xfrm>
+            <a:off x="427036" y="1212850"/>
+            <a:ext cx="7924801" cy="4715137"/>
+          </a:xfrm>
+        </p:spPr>
+        <p:txBody>
+          <a:bodyPr/>
+          <a:lstStyle/>
+          <a:p>
+            <a:endParaRPr lang="en-US" dirty="0" smtClean="0"/>
+          </a:p>
+          <a:p>
+            <a:pPr marL="0" indent="0">
+              <a:buNone/>
+            </a:pPr>
+            <a:r>
+              <a:rPr lang="en-US" sz="2800" dirty="0" smtClean="0">
+                <a:gradFill>
+                  <a:gsLst>
+                    <a:gs pos="1250">
+                      <a:schemeClr val="tx1"/>
+                    </a:gs>
+                    <a:gs pos="100000">
+                      <a:schemeClr val="tx1"/>
+                    </a:gs>
+                  </a:gsLst>
+                  <a:lin ang="5400000" scaled="0"/>
+                </a:gradFill>
+                <a:latin typeface="+mj-lt"/>
+                <a:cs typeface="+mn-cs"/>
+              </a:rPr>
+              <a:t>Find </a:t>
+            </a:r>
+            <a:r>
+              <a:rPr lang="en-US" sz="2800" dirty="0">
+                <a:gradFill>
+                  <a:gsLst>
+                    <a:gs pos="1250">
+                      <a:schemeClr val="tx1"/>
+                    </a:gs>
+                    <a:gs pos="100000">
+                      <a:schemeClr val="tx1"/>
+                    </a:gs>
+                  </a:gsLst>
+                  <a:lin ang="5400000" scaled="0"/>
+                </a:gradFill>
+                <a:latin typeface="+mj-lt"/>
+                <a:cs typeface="+mn-cs"/>
+              </a:rPr>
+              <a:t>a key data point in your </a:t>
+            </a:r>
+            <a:r>
+              <a:rPr lang="en-US" sz="2800" dirty="0" smtClean="0">
+                <a:gradFill>
+                  <a:gsLst>
+                    <a:gs pos="1250">
+                      <a:schemeClr val="tx1"/>
+                    </a:gs>
+                    <a:gs pos="100000">
+                      <a:schemeClr val="tx1"/>
+                    </a:gs>
+                  </a:gsLst>
+                  <a:lin ang="5400000" scaled="0"/>
+                </a:gradFill>
+                <a:latin typeface="+mj-lt"/>
+                <a:cs typeface="+mn-cs"/>
+              </a:rPr>
+              <a:t>visual (value 1)</a:t>
+            </a:r>
+          </a:p>
+          <a:p>
+            <a:pPr marL="0" indent="0">
+              <a:buNone/>
+            </a:pPr>
+            <a:endParaRPr lang="en-US" sz="2800" dirty="0">
+              <a:gradFill>
+                <a:gsLst>
+                  <a:gs pos="1250">
+                    <a:schemeClr val="tx1"/>
+                  </a:gs>
+                  <a:gs pos="100000">
+                    <a:schemeClr val="tx1"/>
+                  </a:gs>
+                </a:gsLst>
+                <a:lin ang="5400000" scaled="0"/>
+              </a:gradFill>
+              <a:latin typeface="+mj-lt"/>
+              <a:cs typeface="+mn-cs"/>
+            </a:endParaRPr>
+          </a:p>
+          <a:p>
+            <a:pPr marL="0" indent="0">
+              <a:buNone/>
+            </a:pPr>
+            <a:r>
+              <a:rPr lang="en-US" sz="2800" dirty="0" smtClean="0">
+                <a:gradFill>
+                  <a:gsLst>
+                    <a:gs pos="1250">
+                      <a:schemeClr val="tx1"/>
+                    </a:gs>
+                    <a:gs pos="100000">
+                      <a:schemeClr val="tx1"/>
+                    </a:gs>
+                  </a:gsLst>
+                  <a:lin ang="5400000" scaled="0"/>
+                </a:gradFill>
+                <a:latin typeface="+mj-lt"/>
+                <a:cs typeface="+mn-cs"/>
+              </a:rPr>
+              <a:t>Size the representation to fit that data point (size 1)</a:t>
+            </a:r>
+          </a:p>
+          <a:p>
+            <a:pPr marL="0" indent="0">
+              <a:buNone/>
+            </a:pPr>
+            <a:endParaRPr lang="en-US" sz="2800" dirty="0">
+              <a:gradFill>
+                <a:gsLst>
+                  <a:gs pos="1250">
+                    <a:schemeClr val="tx1"/>
+                  </a:gs>
+                  <a:gs pos="100000">
+                    <a:schemeClr val="tx1"/>
+                  </a:gs>
+                </a:gsLst>
+                <a:lin ang="5400000" scaled="0"/>
+              </a:gradFill>
+              <a:latin typeface="+mj-lt"/>
+              <a:cs typeface="+mn-cs"/>
+            </a:endParaRPr>
+          </a:p>
+          <a:p>
+            <a:pPr marL="0" indent="0">
+              <a:buNone/>
+            </a:pPr>
+            <a:r>
+              <a:rPr lang="en-US" sz="2800" dirty="0" smtClean="0">
+                <a:gradFill>
+                  <a:gsLst>
+                    <a:gs pos="1250">
+                      <a:schemeClr val="tx1"/>
+                    </a:gs>
+                    <a:gs pos="100000">
+                      <a:schemeClr val="tx1"/>
+                    </a:gs>
+                  </a:gsLst>
+                  <a:lin ang="5400000" scaled="0"/>
+                </a:gradFill>
+                <a:latin typeface="+mj-lt"/>
+                <a:cs typeface="+mn-cs"/>
+              </a:rPr>
+              <a:t>A good key data point is the largest value you will need to represent</a:t>
+            </a:r>
+          </a:p>
+          <a:p>
+            <a:pPr marL="0" indent="0">
+              <a:buNone/>
+            </a:pPr>
+            <a:endParaRPr lang="en-US" sz="2800" dirty="0">
+              <a:gradFill>
+                <a:gsLst>
+                  <a:gs pos="1250">
+                    <a:schemeClr val="tx1"/>
+                  </a:gs>
+                  <a:gs pos="100000">
+                    <a:schemeClr val="tx1"/>
+                  </a:gs>
+                </a:gsLst>
+                <a:lin ang="5400000" scaled="0"/>
+              </a:gradFill>
+              <a:latin typeface="+mj-lt"/>
+              <a:cs typeface="+mn-cs"/>
+            </a:endParaRPr>
+          </a:p>
+          <a:p>
+            <a:pPr marL="0" indent="0">
+              <a:buNone/>
+            </a:pPr>
+            <a:endParaRPr lang="en-US" sz="2800" dirty="0" smtClean="0">
+              <a:gradFill>
+                <a:gsLst>
+                  <a:gs pos="1250">
+                    <a:schemeClr val="tx1"/>
+                  </a:gs>
+                  <a:gs pos="100000">
+                    <a:schemeClr val="tx1"/>
+                  </a:gs>
+                </a:gsLst>
+                <a:lin ang="5400000" scaled="0"/>
+              </a:gradFill>
+              <a:latin typeface="+mj-lt"/>
+              <a:cs typeface="+mn-cs"/>
+            </a:endParaRPr>
+          </a:p>
+          <a:p>
+            <a:pPr marL="0" indent="0">
+              <a:buNone/>
+            </a:pPr>
+            <a:endParaRPr lang="en-US" sz="2800" dirty="0" smtClean="0">
+              <a:gradFill>
+                <a:gsLst>
+                  <a:gs pos="1250">
+                    <a:schemeClr val="tx1"/>
+                  </a:gs>
+                  <a:gs pos="100000">
+                    <a:schemeClr val="tx1"/>
+                  </a:gs>
+                </a:gsLst>
+                <a:lin ang="5400000" scaled="0"/>
+              </a:gradFill>
+              <a:latin typeface="+mj-lt"/>
+              <a:cs typeface="+mn-cs"/>
+            </a:endParaRPr>
+          </a:p>
+          <a:p>
+            <a:pPr marL="0" indent="0">
+              <a:buNone/>
+            </a:pPr>
+            <a:endParaRPr lang="en-US" dirty="0" smtClean="0"/>
+          </a:p>
+        </p:txBody>
+      </p:sp>
+      <p:sp>
+        <p:nvSpPr>
+          <p:cNvPr id="5" name="Title 4"/>
+          <p:cNvSpPr>
+            <a:spLocks noGrp="1"/>
+          </p:cNvSpPr>
+          <p:nvPr>
+            <p:ph type="title"/>
+          </p:nvPr>
+        </p:nvSpPr>
+        <p:spPr/>
+        <p:txBody>
+          <a:bodyPr/>
+          <a:lstStyle/>
+          <a:p>
+            <a:r>
+              <a:rPr lang="en-US" dirty="0" smtClean="0"/>
+              <a:t>Anchor Visual</a:t>
+            </a:r>
+            <a:endParaRPr lang="en-US" dirty="0"/>
+          </a:p>
+        </p:txBody>
+      </p:sp>
+    </p:spTree>
+    <p:extLst>
+      <p:ext uri="{BB962C8B-B14F-4D97-AF65-F5344CB8AC3E}">
+        <p14:creationId xmlns:p14="http://schemas.microsoft.com/office/powerpoint/2010/main" val="1568710016"/>
+      </p:ext>
+    </p:extLst>
+  </p:cSld>
+  <p:clrMapOvr>
+    <a:masterClrMapping/>
+  </p:clrMapOvr>
+  <p:transition>
+    <p:fade/>
+  </p:transition>
+</p:sld>
+</file>
+
+<file path=ppt/slides/slide34.xml><?xml version="1.0" encoding="utf-8"?>
+<p:sld xmlns:a="http://schemas.openxmlformats.org/drawingml/2006/main" xmlns:r="http://schemas.openxmlformats.org/officeDocument/2006/relationships" xmlns:p="http://schemas.openxmlformats.org/presentationml/2006/main">
+  <p:cSld>
+    <p:spTree>
+      <p:nvGrpSpPr>
+        <p:cNvPr id="1" name=""/>
+        <p:cNvGrpSpPr/>
+        <p:nvPr/>
+      </p:nvGrpSpPr>
+      <p:grpSpPr>
+        <a:xfrm>
+          <a:off x="0" y="0"/>
+          <a:ext cx="0" cy="0"/>
+          <a:chOff x="0" y="0"/>
+          <a:chExt cx="0" cy="0"/>
+        </a:xfrm>
+      </p:grpSpPr>
+      <p:sp>
+        <p:nvSpPr>
+          <p:cNvPr id="6" name="Text Placeholder 5"/>
+          <p:cNvSpPr>
+            <a:spLocks noGrp="1"/>
+          </p:cNvSpPr>
+          <p:nvPr>
+            <p:ph type="body" sz="quarter" idx="10"/>
+          </p:nvPr>
+        </p:nvSpPr>
+        <p:spPr>
+          <a:xfrm>
+            <a:off x="274638" y="1212850"/>
+            <a:ext cx="11887200" cy="1329595"/>
+          </a:xfrm>
+        </p:spPr>
+        <p:txBody>
+          <a:bodyPr/>
+          <a:lstStyle/>
+          <a:p>
+            <a:endParaRPr lang="en-US" dirty="0" smtClean="0"/>
+          </a:p>
+          <a:p>
+            <a:pPr marL="0" indent="0">
+              <a:buNone/>
+            </a:pPr>
+            <a:endParaRPr lang="en-US" dirty="0"/>
+          </a:p>
+          <a:p>
+            <a:pPr marL="0" indent="0">
+              <a:buNone/>
+            </a:pPr>
+            <a:endParaRPr lang="en-US" dirty="0" smtClean="0"/>
+          </a:p>
+        </p:txBody>
+      </p:sp>
+      <p:sp>
+        <p:nvSpPr>
+          <p:cNvPr id="5" name="Title 4"/>
+          <p:cNvSpPr>
+            <a:spLocks noGrp="1"/>
+          </p:cNvSpPr>
+          <p:nvPr>
+            <p:ph type="title"/>
+          </p:nvPr>
+        </p:nvSpPr>
+        <p:spPr/>
+        <p:txBody>
+          <a:bodyPr/>
+          <a:lstStyle/>
+          <a:p>
+            <a:r>
+              <a:rPr lang="en-US" dirty="0" smtClean="0"/>
+              <a:t>Anchor Visual</a:t>
+            </a:r>
+            <a:endParaRPr lang="en-US" dirty="0"/>
+          </a:p>
+        </p:txBody>
+      </p:sp>
+      <p:sp>
+        <p:nvSpPr>
+          <p:cNvPr id="7" name="Text Placeholder 5"/>
+          <p:cNvSpPr txBox="1">
+            <a:spLocks/>
+          </p:cNvSpPr>
+          <p:nvPr/>
+        </p:nvSpPr>
+        <p:spPr>
+          <a:xfrm>
+            <a:off x="427036" y="1212850"/>
+            <a:ext cx="4038601" cy="4499693"/>
+          </a:xfrm>
+          <a:prstGeom prst="rect">
+            <a:avLst/>
+          </a:prstGeom>
+        </p:spPr>
+        <p:txBody>
+          <a:bodyPr vert="horz" wrap="square" lIns="146304" tIns="91440" rIns="146304" bIns="91440" rtlCol="0">
+            <a:spAutoFit/>
+          </a:bodyPr>
+          <a:lstStyle>
+            <a:lvl1pPr marL="342900" marR="0" indent="-342900" algn="l" defTabSz="932742" rtl="0" eaLnBrk="1" fontAlgn="auto" latinLnBrk="0" hangingPunct="1">
+              <a:lnSpc>
+                <a:spcPct val="90000"/>
+              </a:lnSpc>
+              <a:spcBef>
+                <a:spcPct val="20000"/>
+              </a:spcBef>
+              <a:spcAft>
+                <a:spcPts val="0"/>
+              </a:spcAft>
+              <a:buClrTx/>
+              <a:buSzPct val="90000"/>
+              <a:buFont typeface="Arial" pitchFamily="34" charset="0"/>
+              <a:buChar char="•"/>
+              <a:tabLst/>
+              <a:defRPr lang="en-US" sz="2400" kern="1200" spc="0" baseline="0" dirty="0" smtClean="0">
+                <a:gradFill>
+                  <a:gsLst>
+                    <a:gs pos="100000">
+                      <a:schemeClr val="tx1"/>
+                    </a:gs>
+                    <a:gs pos="0">
+                      <a:schemeClr val="tx1"/>
+                    </a:gs>
+                  </a:gsLst>
+                  <a:lin ang="5400000" scaled="0"/>
+                </a:gradFill>
+                <a:latin typeface="Consolas" pitchFamily="49" charset="0"/>
+                <a:ea typeface="+mn-ea"/>
+                <a:cs typeface="Consolas" pitchFamily="49" charset="0"/>
+              </a:defRPr>
+            </a:lvl1pPr>
+            <a:lvl2pPr marL="584200" marR="0" indent="-241300" algn="l" defTabSz="932742" rtl="0" eaLnBrk="1" fontAlgn="auto" latinLnBrk="0" hangingPunct="1">
+              <a:lnSpc>
+                <a:spcPct val="90000"/>
+              </a:lnSpc>
+              <a:spcBef>
+                <a:spcPct val="20000"/>
+              </a:spcBef>
+              <a:spcAft>
+                <a:spcPts val="0"/>
+              </a:spcAft>
+              <a:buClrTx/>
+              <a:buSzPct val="90000"/>
+              <a:buFont typeface="Arial" pitchFamily="34" charset="0"/>
+              <a:buChar char="•"/>
+              <a:tabLst/>
+              <a:defRPr lang="en-US" sz="2400" kern="1200" spc="0" baseline="0" dirty="0" smtClean="0">
+                <a:gradFill>
+                  <a:gsLst>
+                    <a:gs pos="100000">
+                      <a:schemeClr val="tx1"/>
+                    </a:gs>
+                    <a:gs pos="0">
+                      <a:schemeClr val="tx1"/>
+                    </a:gs>
+                  </a:gsLst>
+                  <a:lin ang="5400000" scaled="0"/>
+                </a:gradFill>
+                <a:latin typeface="Consolas" pitchFamily="49" charset="0"/>
+                <a:ea typeface="+mn-ea"/>
+                <a:cs typeface="Consolas" pitchFamily="49" charset="0"/>
+              </a:defRPr>
+            </a:lvl2pPr>
+            <a:lvl3pPr marL="571441" marR="0" indent="-342900" algn="l" defTabSz="932742" rtl="0" eaLnBrk="1" fontAlgn="auto" latinLnBrk="0" hangingPunct="1">
+              <a:lnSpc>
+                <a:spcPct val="90000"/>
+              </a:lnSpc>
+              <a:spcBef>
+                <a:spcPct val="20000"/>
+              </a:spcBef>
+              <a:spcAft>
+                <a:spcPts val="0"/>
+              </a:spcAft>
+              <a:buClrTx/>
+              <a:buSzPct val="90000"/>
+              <a:buFont typeface="Arial" pitchFamily="34" charset="0"/>
+              <a:buChar char="•"/>
+              <a:tabLst/>
+              <a:defRPr lang="en-US" sz="2400" kern="1200" spc="0" baseline="0" dirty="0" smtClean="0">
+                <a:gradFill>
+                  <a:gsLst>
+                    <a:gs pos="100000">
+                      <a:schemeClr val="tx1"/>
+                    </a:gs>
+                    <a:gs pos="0">
+                      <a:schemeClr val="tx1"/>
+                    </a:gs>
+                  </a:gsLst>
+                  <a:lin ang="5400000" scaled="0"/>
+                </a:gradFill>
+                <a:latin typeface="Consolas" pitchFamily="49" charset="0"/>
+                <a:ea typeface="+mn-ea"/>
+                <a:cs typeface="Consolas" pitchFamily="49" charset="0"/>
+              </a:defRPr>
+            </a:lvl3pPr>
+            <a:lvl4pPr marL="1028700" marR="0" indent="-228600" algn="l" defTabSz="932742" rtl="0" eaLnBrk="1" fontAlgn="auto" latinLnBrk="0" hangingPunct="1">
+              <a:lnSpc>
+                <a:spcPct val="90000"/>
+              </a:lnSpc>
+              <a:spcBef>
+                <a:spcPct val="20000"/>
+              </a:spcBef>
+              <a:spcAft>
+                <a:spcPts val="0"/>
+              </a:spcAft>
+              <a:buClrTx/>
+              <a:buSzPct val="90000"/>
+              <a:buFont typeface="Arial" pitchFamily="34" charset="0"/>
+              <a:buChar char="•"/>
+              <a:tabLst/>
+              <a:defRPr sz="2000" kern="1200" spc="0" baseline="0">
+                <a:gradFill>
+                  <a:gsLst>
+                    <a:gs pos="1250">
+                      <a:schemeClr val="tx1"/>
+                    </a:gs>
+                    <a:gs pos="100000">
+                      <a:schemeClr val="tx1"/>
+                    </a:gs>
+                  </a:gsLst>
+                  <a:lin ang="5400000" scaled="0"/>
+                </a:gradFill>
+                <a:latin typeface="+mn-lt"/>
+                <a:ea typeface="+mn-ea"/>
+                <a:cs typeface="+mn-cs"/>
+              </a:defRPr>
+            </a:lvl4pPr>
+            <a:lvl5pPr marL="1257300" marR="0" indent="-228600" algn="l" defTabSz="932742" rtl="0" eaLnBrk="1" fontAlgn="auto" latinLnBrk="0" hangingPunct="1">
+              <a:lnSpc>
+                <a:spcPct val="90000"/>
+              </a:lnSpc>
+              <a:spcBef>
+                <a:spcPct val="20000"/>
+              </a:spcBef>
+              <a:spcAft>
+                <a:spcPts val="0"/>
+              </a:spcAft>
+              <a:buClrTx/>
+              <a:buSzPct val="90000"/>
+              <a:buFont typeface="Arial" pitchFamily="34" charset="0"/>
+              <a:buChar char="•"/>
+              <a:tabLst/>
+              <a:defRPr sz="2000" kern="1200" spc="0" baseline="0">
+                <a:gradFill>
+                  <a:gsLst>
+                    <a:gs pos="1250">
+                      <a:schemeClr val="tx1"/>
+                    </a:gs>
+                    <a:gs pos="100000">
+                      <a:schemeClr val="tx1"/>
+                    </a:gs>
+                  </a:gsLst>
+                  <a:lin ang="5400000" scaled="0"/>
+                </a:gradFill>
+                <a:latin typeface="+mn-lt"/>
+                <a:ea typeface="+mn-ea"/>
+                <a:cs typeface="+mn-cs"/>
+              </a:defRPr>
+            </a:lvl5pPr>
+            <a:lvl6pPr marL="2565040" indent="-233186" algn="l" defTabSz="932742" rtl="0" eaLnBrk="1" latinLnBrk="0" hangingPunct="1">
+              <a:spcBef>
+                <a:spcPct val="20000"/>
+              </a:spcBef>
+              <a:buFont typeface="Arial" pitchFamily="34" charset="0"/>
+              <a:buChar char="•"/>
+              <a:defRPr sz="2000" kern="1200">
+                <a:solidFill>
+                  <a:schemeClr val="tx1"/>
+                </a:solidFill>
+                <a:latin typeface="+mn-lt"/>
+                <a:ea typeface="+mn-ea"/>
+                <a:cs typeface="+mn-cs"/>
+              </a:defRPr>
+            </a:lvl6pPr>
+            <a:lvl7pPr marL="3031412" indent="-233186" algn="l" defTabSz="932742" rtl="0" eaLnBrk="1" latinLnBrk="0" hangingPunct="1">
+              <a:spcBef>
+                <a:spcPct val="20000"/>
+              </a:spcBef>
+              <a:buFont typeface="Arial" pitchFamily="34" charset="0"/>
+              <a:buChar char="•"/>
+              <a:defRPr sz="2000" kern="1200">
+                <a:solidFill>
+                  <a:schemeClr val="tx1"/>
+                </a:solidFill>
+                <a:latin typeface="+mn-lt"/>
+                <a:ea typeface="+mn-ea"/>
+                <a:cs typeface="+mn-cs"/>
+              </a:defRPr>
+            </a:lvl7pPr>
+            <a:lvl8pPr marL="3497783" indent="-233186" algn="l" defTabSz="932742" rtl="0" eaLnBrk="1" latinLnBrk="0" hangingPunct="1">
+              <a:spcBef>
+                <a:spcPct val="20000"/>
+              </a:spcBef>
+              <a:buFont typeface="Arial" pitchFamily="34" charset="0"/>
+              <a:buChar char="•"/>
+              <a:defRPr sz="2000" kern="1200">
+                <a:solidFill>
+                  <a:schemeClr val="tx1"/>
+                </a:solidFill>
+                <a:latin typeface="+mn-lt"/>
+                <a:ea typeface="+mn-ea"/>
+                <a:cs typeface="+mn-cs"/>
+              </a:defRPr>
+            </a:lvl8pPr>
+            <a:lvl9pPr marL="3964155" indent="-233186" algn="l" defTabSz="932742" rtl="0" eaLnBrk="1" latinLnBrk="0" hangingPunct="1">
+              <a:spcBef>
+                <a:spcPct val="20000"/>
+              </a:spcBef>
+              <a:buFont typeface="Arial" pitchFamily="34" charset="0"/>
+              <a:buChar char="•"/>
+              <a:defRPr sz="2000" kern="1200">
+                <a:solidFill>
+                  <a:schemeClr val="tx1"/>
+                </a:solidFill>
+                <a:latin typeface="+mn-lt"/>
+                <a:ea typeface="+mn-ea"/>
+                <a:cs typeface="+mn-cs"/>
+              </a:defRPr>
+            </a:lvl9pPr>
+          </a:lstStyle>
+          <a:p>
+            <a:pPr marL="0" indent="0">
+              <a:buFont typeface="Arial" pitchFamily="34" charset="0"/>
+              <a:buNone/>
+            </a:pPr>
+            <a:r>
+              <a:rPr lang="en-US" sz="2800" dirty="0" smtClean="0">
+                <a:gradFill>
+                  <a:gsLst>
+                    <a:gs pos="1250">
+                      <a:schemeClr val="tx1"/>
+                    </a:gs>
+                    <a:gs pos="100000">
+                      <a:schemeClr val="tx1"/>
+                    </a:gs>
+                  </a:gsLst>
+                  <a:lin ang="5400000" scaled="0"/>
+                </a:gradFill>
+                <a:latin typeface="+mj-lt"/>
+                <a:cs typeface="+mn-cs"/>
+              </a:rPr>
+              <a:t>California Obama Votes</a:t>
+            </a:r>
+          </a:p>
+          <a:p>
+            <a:pPr marL="0" indent="0">
+              <a:buNone/>
+            </a:pPr>
+            <a:r>
+              <a:rPr lang="en-US" sz="4000" dirty="0" smtClean="0">
+                <a:gradFill>
+                  <a:gsLst>
+                    <a:gs pos="1250">
+                      <a:schemeClr val="tx1"/>
+                    </a:gs>
+                    <a:gs pos="100000">
+                      <a:schemeClr val="tx1"/>
+                    </a:gs>
+                  </a:gsLst>
+                  <a:lin ang="5400000" scaled="0"/>
+                </a:gradFill>
+                <a:latin typeface="+mj-lt"/>
+                <a:cs typeface="+mn-cs"/>
+              </a:rPr>
+              <a:t>8,274,473</a:t>
+            </a:r>
+            <a:endParaRPr lang="en-US" sz="4000" dirty="0">
+              <a:gradFill>
+                <a:gsLst>
+                  <a:gs pos="1250">
+                    <a:schemeClr val="tx1"/>
+                  </a:gs>
+                  <a:gs pos="100000">
+                    <a:schemeClr val="tx1"/>
+                  </a:gs>
+                </a:gsLst>
+                <a:lin ang="5400000" scaled="0"/>
+              </a:gradFill>
+              <a:latin typeface="+mj-lt"/>
+              <a:cs typeface="+mn-cs"/>
+            </a:endParaRPr>
+          </a:p>
+          <a:p>
+            <a:pPr marL="0" indent="0">
+              <a:buFont typeface="Arial" pitchFamily="34" charset="0"/>
+              <a:buNone/>
+            </a:pPr>
+            <a:endParaRPr lang="en-US" sz="2800" dirty="0" smtClean="0">
+              <a:gradFill>
+                <a:gsLst>
+                  <a:gs pos="1250">
+                    <a:schemeClr val="tx1"/>
+                  </a:gs>
+                  <a:gs pos="100000">
+                    <a:schemeClr val="tx1"/>
+                  </a:gs>
+                </a:gsLst>
+                <a:lin ang="5400000" scaled="0"/>
+              </a:gradFill>
+              <a:latin typeface="+mj-lt"/>
+              <a:cs typeface="+mn-cs"/>
+            </a:endParaRPr>
+          </a:p>
+          <a:p>
+            <a:pPr marL="0" indent="0">
+              <a:buFont typeface="Arial" pitchFamily="34" charset="0"/>
+              <a:buNone/>
+            </a:pPr>
+            <a:r>
+              <a:rPr lang="en-US" sz="2800" dirty="0" smtClean="0">
+                <a:gradFill>
+                  <a:gsLst>
+                    <a:gs pos="1250">
+                      <a:schemeClr val="tx1"/>
+                    </a:gs>
+                    <a:gs pos="100000">
+                      <a:schemeClr val="tx1"/>
+                    </a:gs>
+                  </a:gsLst>
+                  <a:lin ang="5400000" scaled="0"/>
+                </a:gradFill>
+                <a:latin typeface="+mj-lt"/>
+                <a:cs typeface="+mn-cs"/>
+              </a:rPr>
+              <a:t>California Obama Bar</a:t>
+            </a:r>
+          </a:p>
+          <a:p>
+            <a:pPr marL="0" indent="0">
+              <a:buFont typeface="Arial" pitchFamily="34" charset="0"/>
+              <a:buNone/>
+            </a:pPr>
+            <a:r>
+              <a:rPr lang="en-US" sz="4000" dirty="0">
+                <a:gradFill>
+                  <a:gsLst>
+                    <a:gs pos="1250">
+                      <a:schemeClr val="tx1"/>
+                    </a:gs>
+                    <a:gs pos="100000">
+                      <a:schemeClr val="tx1"/>
+                    </a:gs>
+                  </a:gsLst>
+                  <a:lin ang="5400000" scaled="0"/>
+                </a:gradFill>
+                <a:latin typeface="+mj-lt"/>
+                <a:cs typeface="+mn-cs"/>
+              </a:rPr>
+              <a:t>340 </a:t>
+            </a:r>
+            <a:r>
+              <a:rPr lang="en-US" sz="4000" dirty="0" smtClean="0">
+                <a:gradFill>
+                  <a:gsLst>
+                    <a:gs pos="1250">
+                      <a:schemeClr val="tx1"/>
+                    </a:gs>
+                    <a:gs pos="100000">
+                      <a:schemeClr val="tx1"/>
+                    </a:gs>
+                  </a:gsLst>
+                  <a:lin ang="5400000" scaled="0"/>
+                </a:gradFill>
+                <a:latin typeface="+mj-lt"/>
+                <a:cs typeface="+mn-cs"/>
+              </a:rPr>
+              <a:t>pixels</a:t>
+            </a:r>
+          </a:p>
+          <a:p>
+            <a:pPr marL="0" indent="0">
+              <a:buNone/>
+            </a:pPr>
+            <a:endParaRPr lang="en-US" sz="2800" dirty="0" smtClean="0">
+              <a:gradFill>
+                <a:gsLst>
+                  <a:gs pos="1250">
+                    <a:schemeClr val="tx1"/>
+                  </a:gs>
+                  <a:gs pos="100000">
+                    <a:schemeClr val="tx1"/>
+                  </a:gs>
+                </a:gsLst>
+                <a:lin ang="5400000" scaled="0"/>
+              </a:gradFill>
+            </a:endParaRPr>
+          </a:p>
+          <a:p>
+            <a:pPr marL="0" indent="0">
+              <a:buNone/>
+            </a:pPr>
+            <a:r>
+              <a:rPr lang="en-US" sz="2800" dirty="0" smtClean="0">
+                <a:gradFill>
+                  <a:gsLst>
+                    <a:gs pos="1250">
+                      <a:schemeClr val="tx1"/>
+                    </a:gs>
+                    <a:gs pos="100000">
+                      <a:schemeClr val="tx1"/>
+                    </a:gs>
+                  </a:gsLst>
+                  <a:lin ang="5400000" scaled="0"/>
+                </a:gradFill>
+                <a:latin typeface="+mj-lt"/>
+                <a:cs typeface="+mn-cs"/>
+              </a:rPr>
+              <a:t>Texas Obama </a:t>
+            </a:r>
+            <a:r>
+              <a:rPr lang="en-US" sz="2800" dirty="0">
+                <a:gradFill>
+                  <a:gsLst>
+                    <a:gs pos="1250">
+                      <a:schemeClr val="tx1"/>
+                    </a:gs>
+                    <a:gs pos="100000">
+                      <a:schemeClr val="tx1"/>
+                    </a:gs>
+                  </a:gsLst>
+                  <a:lin ang="5400000" scaled="0"/>
+                </a:gradFill>
+                <a:latin typeface="+mj-lt"/>
+                <a:cs typeface="+mn-cs"/>
+              </a:rPr>
+              <a:t>Votes</a:t>
+            </a:r>
+          </a:p>
+          <a:p>
+            <a:pPr marL="0" indent="0">
+              <a:buNone/>
+            </a:pPr>
+            <a:r>
+              <a:rPr lang="en-US" sz="4000" dirty="0">
+                <a:gradFill>
+                  <a:gsLst>
+                    <a:gs pos="1250">
+                      <a:schemeClr val="tx1"/>
+                    </a:gs>
+                    <a:gs pos="100000">
+                      <a:schemeClr val="tx1"/>
+                    </a:gs>
+                  </a:gsLst>
+                  <a:lin ang="5400000" scaled="0"/>
+                </a:gradFill>
+                <a:latin typeface="+mj-lt"/>
+                <a:cs typeface="+mn-cs"/>
+              </a:rPr>
+              <a:t>3,528,633</a:t>
+            </a:r>
+          </a:p>
+        </p:txBody>
+      </p:sp>
+      <p:pic>
+        <p:nvPicPr>
+          <p:cNvPr id="2" name="Picture 1"/>
+          <p:cNvPicPr>
+            <a:picLocks noChangeAspect="1"/>
+          </p:cNvPicPr>
+          <p:nvPr/>
+        </p:nvPicPr>
+        <p:blipFill>
+          <a:blip r:embed="rId3"/>
+          <a:stretch>
+            <a:fillRect/>
+          </a:stretch>
+        </p:blipFill>
+        <p:spPr>
+          <a:xfrm>
+            <a:off x="4823498" y="1374918"/>
+            <a:ext cx="7490737" cy="4103543"/>
+          </a:xfrm>
+          <a:prstGeom prst="rect">
+            <a:avLst/>
+          </a:prstGeom>
+        </p:spPr>
+      </p:pic>
+      <mc:AlternateContent xmlns:mc="http://schemas.openxmlformats.org/markup-compatibility/2006" xmlns:a14="http://schemas.microsoft.com/office/drawing/2010/main">
+        <mc:Choice Requires="a14">
+          <p:sp>
+            <p:nvSpPr>
+              <p:cNvPr id="9" name="Rectangle 8"/>
+              <p:cNvSpPr/>
+              <p:nvPr/>
+            </p:nvSpPr>
+            <p:spPr>
+              <a:xfrm>
+                <a:off x="5761037" y="5640529"/>
+                <a:ext cx="6190990" cy="1202958"/>
+              </a:xfrm>
+              <a:prstGeom prst="rect">
+                <a:avLst/>
+              </a:prstGeom>
+            </p:spPr>
+            <p:txBody>
+              <a:bodyPr wrap="none">
+                <a:spAutoFit/>
+              </a:bodyPr>
+              <a:lstStyle/>
+              <a:p>
+                <a:pPr/>
+                <a14:m>
+                  <m:oMathPara xmlns:m="http://schemas.openxmlformats.org/officeDocument/2006/math">
+                    <m:oMathParaPr>
+                      <m:jc m:val="centerGroup"/>
+                    </m:oMathParaPr>
+                    <m:oMath xmlns:m="http://schemas.openxmlformats.org/officeDocument/2006/math">
+                      <m:f>
+                        <m:fPr>
+                          <m:ctrlPr>
+                            <a:rPr lang="en-US" sz="3600" i="1" smtClean="0">
+                              <a:latin typeface="Cambria Math" panose="02040503050406030204" pitchFamily="18" charset="0"/>
+                            </a:rPr>
+                          </m:ctrlPr>
+                        </m:fPr>
+                        <m:num>
+                          <m:r>
+                            <a:rPr lang="en-US" sz="3600" b="0" i="1" smtClean="0">
+                              <a:latin typeface="Cambria Math" panose="02040503050406030204" pitchFamily="18" charset="0"/>
+                            </a:rPr>
+                            <m:t>340</m:t>
+                          </m:r>
+                          <m:r>
+                            <a:rPr lang="en-US" sz="3600" i="0">
+                              <a:latin typeface="Cambria Math" panose="02040503050406030204" pitchFamily="18" charset="0"/>
+                            </a:rPr>
+                            <m:t>∗</m:t>
+                          </m:r>
+                          <m:r>
+                            <a:rPr lang="en-US" sz="3600" b="0" i="1" smtClean="0">
+                              <a:latin typeface="Cambria Math" panose="02040503050406030204" pitchFamily="18" charset="0"/>
+                            </a:rPr>
+                            <m:t>3,528,633</m:t>
+                          </m:r>
+                        </m:num>
+                        <m:den>
+                          <m:r>
+                            <a:rPr lang="en-US" sz="3600" b="0" i="1" smtClean="0">
+                              <a:latin typeface="Cambria Math" panose="02040503050406030204" pitchFamily="18" charset="0"/>
+                            </a:rPr>
+                            <m:t>8,274,473</m:t>
+                          </m:r>
+                        </m:den>
+                      </m:f>
+                      <m:r>
+                        <a:rPr lang="en-US" sz="3600" i="0">
+                          <a:latin typeface="Cambria Math" panose="02040503050406030204" pitchFamily="18" charset="0"/>
+                        </a:rPr>
+                        <m:t>=</m:t>
+                      </m:r>
+                      <m:r>
+                        <a:rPr lang="en-US" sz="3600" b="0" i="1" smtClean="0">
+                          <a:latin typeface="Cambria Math" panose="02040503050406030204" pitchFamily="18" charset="0"/>
+                        </a:rPr>
+                        <m:t>140 </m:t>
+                      </m:r>
+                      <m:r>
+                        <a:rPr lang="en-US" sz="3600" b="0" i="1" smtClean="0">
+                          <a:latin typeface="Cambria Math" panose="02040503050406030204" pitchFamily="18" charset="0"/>
+                        </a:rPr>
+                        <m:t>𝑝𝑖𝑥𝑒𝑙𝑠</m:t>
+                      </m:r>
+                    </m:oMath>
+                  </m:oMathPara>
+                </a14:m>
+                <a:endParaRPr lang="en-US" sz="3600" dirty="0"/>
+              </a:p>
+            </p:txBody>
+          </p:sp>
+        </mc:Choice>
+        <mc:Fallback xmlns="">
+          <p:sp>
+            <p:nvSpPr>
+              <p:cNvPr id="9" name="Rectangle 8"/>
+              <p:cNvSpPr>
+                <a:spLocks noRot="1" noChangeAspect="1" noMove="1" noResize="1" noEditPoints="1" noAdjustHandles="1" noChangeArrowheads="1" noChangeShapeType="1" noTextEdit="1"/>
+              </p:cNvSpPr>
+              <p:nvPr/>
+            </p:nvSpPr>
+            <p:spPr>
+              <a:xfrm>
+                <a:off x="5761037" y="5640529"/>
+                <a:ext cx="6190990" cy="1202958"/>
+              </a:xfrm>
+              <a:prstGeom prst="rect">
+                <a:avLst/>
+              </a:prstGeom>
+              <a:blipFill rotWithShape="0">
+                <a:blip r:embed="rId4"/>
+                <a:stretch>
+                  <a:fillRect/>
+                </a:stretch>
+              </a:blipFill>
+            </p:spPr>
+            <p:txBody>
+              <a:bodyPr/>
+              <a:lstStyle/>
+              <a:p>
+                <a:r>
+                  <a:rPr lang="en-US">
+                    <a:noFill/>
+                  </a:rPr>
+                  <a:t> </a:t>
+                </a:r>
+              </a:p>
+            </p:txBody>
+          </p:sp>
+        </mc:Fallback>
+      </mc:AlternateContent>
+    </p:spTree>
+    <p:extLst>
+      <p:ext uri="{BB962C8B-B14F-4D97-AF65-F5344CB8AC3E}">
+        <p14:creationId xmlns:p14="http://schemas.microsoft.com/office/powerpoint/2010/main" val="3578338146"/>
+      </p:ext>
+    </p:extLst>
+  </p:cSld>
+  <p:clrMapOvr>
+    <a:masterClrMapping/>
+  </p:clrMapOvr>
+  <p:transition>
+    <p:fade/>
+  </p:transition>
+</p:sld>
+</file>
+
+<file path=ppt/slides/slide35.xml><?xml version="1.0" encoding="utf-8"?>
+<p:sld xmlns:a="http://schemas.openxmlformats.org/drawingml/2006/main" xmlns:r="http://schemas.openxmlformats.org/officeDocument/2006/relationships" xmlns:p="http://schemas.openxmlformats.org/presentationml/2006/main">
+  <p:cSld>
+    <p:spTree>
+      <p:nvGrpSpPr>
+        <p:cNvPr id="1" name=""/>
+        <p:cNvGrpSpPr/>
+        <p:nvPr/>
+      </p:nvGrpSpPr>
+      <p:grpSpPr>
+        <a:xfrm>
+          <a:off x="0" y="0"/>
+          <a:ext cx="0" cy="0"/>
+          <a:chOff x="0" y="0"/>
+          <a:chExt cx="0" cy="0"/>
+        </a:xfrm>
+      </p:grpSpPr>
+      <p:sp>
+        <p:nvSpPr>
+          <p:cNvPr id="5" name="Title 4"/>
+          <p:cNvSpPr>
+            <a:spLocks noGrp="1"/>
+          </p:cNvSpPr>
+          <p:nvPr>
+            <p:ph type="title"/>
+          </p:nvPr>
+        </p:nvSpPr>
+        <p:spPr/>
+        <p:txBody>
+          <a:bodyPr/>
+          <a:lstStyle/>
+          <a:p>
+            <a:r>
+              <a:rPr lang="en-US" dirty="0" smtClean="0"/>
+              <a:t>Area</a:t>
+            </a:r>
+            <a:endParaRPr lang="en-US" dirty="0"/>
+          </a:p>
+        </p:txBody>
+      </p:sp>
+      <p:sp>
+        <p:nvSpPr>
+          <p:cNvPr id="7" name="Text Placeholder 5"/>
+          <p:cNvSpPr txBox="1">
+            <a:spLocks/>
+          </p:cNvSpPr>
+          <p:nvPr/>
+        </p:nvSpPr>
+        <p:spPr>
+          <a:xfrm>
+            <a:off x="427037" y="1212850"/>
+            <a:ext cx="4832840" cy="3767185"/>
+          </a:xfrm>
+          <a:prstGeom prst="rect">
+            <a:avLst/>
+          </a:prstGeom>
+        </p:spPr>
+        <p:txBody>
+          <a:bodyPr vert="horz" wrap="square" lIns="146304" tIns="91440" rIns="146304" bIns="91440" rtlCol="0">
+            <a:spAutoFit/>
+          </a:bodyPr>
+          <a:lstStyle>
+            <a:lvl1pPr marL="342900" marR="0" indent="-342900" algn="l" defTabSz="932742" rtl="0" eaLnBrk="1" fontAlgn="auto" latinLnBrk="0" hangingPunct="1">
+              <a:lnSpc>
+                <a:spcPct val="90000"/>
+              </a:lnSpc>
+              <a:spcBef>
+                <a:spcPct val="20000"/>
+              </a:spcBef>
+              <a:spcAft>
+                <a:spcPts val="0"/>
+              </a:spcAft>
+              <a:buClrTx/>
+              <a:buSzPct val="90000"/>
+              <a:buFont typeface="Arial" pitchFamily="34" charset="0"/>
+              <a:buChar char="•"/>
+              <a:tabLst/>
+              <a:defRPr lang="en-US" sz="2400" kern="1200" spc="0" baseline="0" dirty="0" smtClean="0">
+                <a:gradFill>
+                  <a:gsLst>
+                    <a:gs pos="100000">
+                      <a:schemeClr val="tx1"/>
+                    </a:gs>
+                    <a:gs pos="0">
+                      <a:schemeClr val="tx1"/>
+                    </a:gs>
+                  </a:gsLst>
+                  <a:lin ang="5400000" scaled="0"/>
+                </a:gradFill>
+                <a:latin typeface="Consolas" pitchFamily="49" charset="0"/>
+                <a:ea typeface="+mn-ea"/>
+                <a:cs typeface="Consolas" pitchFamily="49" charset="0"/>
+              </a:defRPr>
+            </a:lvl1pPr>
+            <a:lvl2pPr marL="584200" marR="0" indent="-241300" algn="l" defTabSz="932742" rtl="0" eaLnBrk="1" fontAlgn="auto" latinLnBrk="0" hangingPunct="1">
+              <a:lnSpc>
+                <a:spcPct val="90000"/>
+              </a:lnSpc>
+              <a:spcBef>
+                <a:spcPct val="20000"/>
+              </a:spcBef>
+              <a:spcAft>
+                <a:spcPts val="0"/>
+              </a:spcAft>
+              <a:buClrTx/>
+              <a:buSzPct val="90000"/>
+              <a:buFont typeface="Arial" pitchFamily="34" charset="0"/>
+              <a:buChar char="•"/>
+              <a:tabLst/>
+              <a:defRPr lang="en-US" sz="2400" kern="1200" spc="0" baseline="0" dirty="0" smtClean="0">
+                <a:gradFill>
+                  <a:gsLst>
+                    <a:gs pos="100000">
+                      <a:schemeClr val="tx1"/>
+                    </a:gs>
+                    <a:gs pos="0">
+                      <a:schemeClr val="tx1"/>
+                    </a:gs>
+                  </a:gsLst>
+                  <a:lin ang="5400000" scaled="0"/>
+                </a:gradFill>
+                <a:latin typeface="Consolas" pitchFamily="49" charset="0"/>
+                <a:ea typeface="+mn-ea"/>
+                <a:cs typeface="Consolas" pitchFamily="49" charset="0"/>
+              </a:defRPr>
+            </a:lvl2pPr>
+            <a:lvl3pPr marL="571441" marR="0" indent="-342900" algn="l" defTabSz="932742" rtl="0" eaLnBrk="1" fontAlgn="auto" latinLnBrk="0" hangingPunct="1">
+              <a:lnSpc>
+                <a:spcPct val="90000"/>
+              </a:lnSpc>
+              <a:spcBef>
+                <a:spcPct val="20000"/>
+              </a:spcBef>
+              <a:spcAft>
+                <a:spcPts val="0"/>
+              </a:spcAft>
+              <a:buClrTx/>
+              <a:buSzPct val="90000"/>
+              <a:buFont typeface="Arial" pitchFamily="34" charset="0"/>
+              <a:buChar char="•"/>
+              <a:tabLst/>
+              <a:defRPr lang="en-US" sz="2400" kern="1200" spc="0" baseline="0" dirty="0" smtClean="0">
+                <a:gradFill>
+                  <a:gsLst>
+                    <a:gs pos="100000">
+                      <a:schemeClr val="tx1"/>
+                    </a:gs>
+                    <a:gs pos="0">
+                      <a:schemeClr val="tx1"/>
+                    </a:gs>
+                  </a:gsLst>
+                  <a:lin ang="5400000" scaled="0"/>
+                </a:gradFill>
+                <a:latin typeface="Consolas" pitchFamily="49" charset="0"/>
+                <a:ea typeface="+mn-ea"/>
+                <a:cs typeface="Consolas" pitchFamily="49" charset="0"/>
+              </a:defRPr>
+            </a:lvl3pPr>
+            <a:lvl4pPr marL="1028700" marR="0" indent="-228600" algn="l" defTabSz="932742" rtl="0" eaLnBrk="1" fontAlgn="auto" latinLnBrk="0" hangingPunct="1">
+              <a:lnSpc>
+                <a:spcPct val="90000"/>
+              </a:lnSpc>
+              <a:spcBef>
+                <a:spcPct val="20000"/>
+              </a:spcBef>
+              <a:spcAft>
+                <a:spcPts val="0"/>
+              </a:spcAft>
+              <a:buClrTx/>
+              <a:buSzPct val="90000"/>
+              <a:buFont typeface="Arial" pitchFamily="34" charset="0"/>
+              <a:buChar char="•"/>
+              <a:tabLst/>
+              <a:defRPr sz="2000" kern="1200" spc="0" baseline="0">
+                <a:gradFill>
+                  <a:gsLst>
+                    <a:gs pos="1250">
+                      <a:schemeClr val="tx1"/>
+                    </a:gs>
+                    <a:gs pos="100000">
+                      <a:schemeClr val="tx1"/>
+                    </a:gs>
+                  </a:gsLst>
+                  <a:lin ang="5400000" scaled="0"/>
+                </a:gradFill>
+                <a:latin typeface="+mn-lt"/>
+                <a:ea typeface="+mn-ea"/>
+                <a:cs typeface="+mn-cs"/>
+              </a:defRPr>
+            </a:lvl4pPr>
+            <a:lvl5pPr marL="1257300" marR="0" indent="-228600" algn="l" defTabSz="932742" rtl="0" eaLnBrk="1" fontAlgn="auto" latinLnBrk="0" hangingPunct="1">
+              <a:lnSpc>
+                <a:spcPct val="90000"/>
+              </a:lnSpc>
+              <a:spcBef>
+                <a:spcPct val="20000"/>
+              </a:spcBef>
+              <a:spcAft>
+                <a:spcPts val="0"/>
+              </a:spcAft>
+              <a:buClrTx/>
+              <a:buSzPct val="90000"/>
+              <a:buFont typeface="Arial" pitchFamily="34" charset="0"/>
+              <a:buChar char="•"/>
+              <a:tabLst/>
+              <a:defRPr sz="2000" kern="1200" spc="0" baseline="0">
+                <a:gradFill>
+                  <a:gsLst>
+                    <a:gs pos="1250">
+                      <a:schemeClr val="tx1"/>
+                    </a:gs>
+                    <a:gs pos="100000">
+                      <a:schemeClr val="tx1"/>
+                    </a:gs>
+                  </a:gsLst>
+                  <a:lin ang="5400000" scaled="0"/>
+                </a:gradFill>
+                <a:latin typeface="+mn-lt"/>
+                <a:ea typeface="+mn-ea"/>
+                <a:cs typeface="+mn-cs"/>
+              </a:defRPr>
+            </a:lvl5pPr>
+            <a:lvl6pPr marL="2565040" indent="-233186" algn="l" defTabSz="932742" rtl="0" eaLnBrk="1" latinLnBrk="0" hangingPunct="1">
+              <a:spcBef>
+                <a:spcPct val="20000"/>
+              </a:spcBef>
+              <a:buFont typeface="Arial" pitchFamily="34" charset="0"/>
+              <a:buChar char="•"/>
+              <a:defRPr sz="2000" kern="1200">
+                <a:solidFill>
+                  <a:schemeClr val="tx1"/>
+                </a:solidFill>
+                <a:latin typeface="+mn-lt"/>
+                <a:ea typeface="+mn-ea"/>
+                <a:cs typeface="+mn-cs"/>
+              </a:defRPr>
+            </a:lvl6pPr>
+            <a:lvl7pPr marL="3031412" indent="-233186" algn="l" defTabSz="932742" rtl="0" eaLnBrk="1" latinLnBrk="0" hangingPunct="1">
+              <a:spcBef>
+                <a:spcPct val="20000"/>
+              </a:spcBef>
+              <a:buFont typeface="Arial" pitchFamily="34" charset="0"/>
+              <a:buChar char="•"/>
+              <a:defRPr sz="2000" kern="1200">
+                <a:solidFill>
+                  <a:schemeClr val="tx1"/>
+                </a:solidFill>
+                <a:latin typeface="+mn-lt"/>
+                <a:ea typeface="+mn-ea"/>
+                <a:cs typeface="+mn-cs"/>
+              </a:defRPr>
+            </a:lvl7pPr>
+            <a:lvl8pPr marL="3497783" indent="-233186" algn="l" defTabSz="932742" rtl="0" eaLnBrk="1" latinLnBrk="0" hangingPunct="1">
+              <a:spcBef>
+                <a:spcPct val="20000"/>
+              </a:spcBef>
+              <a:buFont typeface="Arial" pitchFamily="34" charset="0"/>
+              <a:buChar char="•"/>
+              <a:defRPr sz="2000" kern="1200">
+                <a:solidFill>
+                  <a:schemeClr val="tx1"/>
+                </a:solidFill>
+                <a:latin typeface="+mn-lt"/>
+                <a:ea typeface="+mn-ea"/>
+                <a:cs typeface="+mn-cs"/>
+              </a:defRPr>
+            </a:lvl8pPr>
+            <a:lvl9pPr marL="3964155" indent="-233186" algn="l" defTabSz="932742" rtl="0" eaLnBrk="1" latinLnBrk="0" hangingPunct="1">
+              <a:spcBef>
+                <a:spcPct val="20000"/>
+              </a:spcBef>
+              <a:buFont typeface="Arial" pitchFamily="34" charset="0"/>
+              <a:buChar char="•"/>
+              <a:defRPr sz="2000" kern="1200">
+                <a:solidFill>
+                  <a:schemeClr val="tx1"/>
+                </a:solidFill>
+                <a:latin typeface="+mn-lt"/>
+                <a:ea typeface="+mn-ea"/>
+                <a:cs typeface="+mn-cs"/>
+              </a:defRPr>
+            </a:lvl9pPr>
+          </a:lstStyle>
+          <a:p>
             <a:endParaRPr lang="en-US" dirty="0" smtClean="0"/>
           </a:p>
           <a:p>
@@ -29699,7 +32061,7 @@
 </p:sld>
 </file>
 
-<file path=ppt/slides/slide35.xml><?xml version="1.0" encoding="utf-8"?>
+<file path=ppt/slides/slide36.xml><?xml version="1.0" encoding="utf-8"?>
 <p:sld xmlns:a="http://schemas.openxmlformats.org/drawingml/2006/main" xmlns:r="http://schemas.openxmlformats.org/officeDocument/2006/relationships" xmlns:p="http://schemas.openxmlformats.org/presentationml/2006/main">
   <p:cSld>
     <p:spTree>
@@ -29779,7 +32141,7 @@
             </p:nvSpPr>
             <p:spPr>
               <a:xfrm>
-                <a:off x="1036637" y="4945062"/>
+                <a:off x="1036637" y="4030662"/>
                 <a:ext cx="9811405" cy="1783309"/>
               </a:xfrm>
               <a:prstGeom prst="rect">
@@ -29985,7 +32347,7 @@
             </p:nvSpPr>
             <p:spPr>
               <a:xfrm>
-                <a:off x="1036637" y="4945062"/>
+                <a:off x="1036637" y="4030662"/>
                 <a:ext cx="9811405" cy="1783309"/>
               </a:xfrm>
               <a:prstGeom prst="rect">
@@ -30400,7 +32762,7 @@
 </p:sld>
 </file>
 
-<file path=ppt/slides/slide36.xml><?xml version="1.0" encoding="utf-8"?>
+<file path=ppt/slides/slide37.xml><?xml version="1.0" encoding="utf-8"?>
 <p:sld xmlns:a="http://schemas.openxmlformats.org/drawingml/2006/main" xmlns:r="http://schemas.openxmlformats.org/officeDocument/2006/relationships" xmlns:p="http://schemas.openxmlformats.org/presentationml/2006/main">
   <p:cSld>
     <p:spTree>
@@ -30770,7 +33132,7 @@
         </p:blipFill>
         <p:spPr>
           <a:xfrm>
-            <a:off x="2310655" y="1471382"/>
+            <a:off x="2310655" y="1230311"/>
             <a:ext cx="7815165" cy="5046180"/>
           </a:xfrm>
           <a:prstGeom prst="rect">
@@ -30794,7 +33156,117 @@
 </p:sld>
 </file>
 
-<file path=ppt/slides/slide37.xml><?xml version="1.0" encoding="utf-8"?>
+<file path=ppt/slides/slide38.xml><?xml version="1.0" encoding="utf-8"?>
+<p:sld xmlns:a="http://schemas.openxmlformats.org/drawingml/2006/main" xmlns:r="http://schemas.openxmlformats.org/officeDocument/2006/relationships" xmlns:p="http://schemas.openxmlformats.org/presentationml/2006/main">
+  <p:cSld>
+    <p:spTree>
+      <p:nvGrpSpPr>
+        <p:cNvPr id="1" name=""/>
+        <p:cNvGrpSpPr/>
+        <p:nvPr/>
+      </p:nvGrpSpPr>
+      <p:grpSpPr>
+        <a:xfrm>
+          <a:off x="0" y="0"/>
+          <a:ext cx="0" cy="0"/>
+          <a:chOff x="0" y="0"/>
+          <a:chExt cx="0" cy="0"/>
+        </a:xfrm>
+      </p:grpSpPr>
+      <p:sp>
+        <p:nvSpPr>
+          <p:cNvPr id="6" name="Text Placeholder 5"/>
+          <p:cNvSpPr>
+            <a:spLocks noGrp="1"/>
+          </p:cNvSpPr>
+          <p:nvPr>
+            <p:ph type="body" sz="quarter" idx="10"/>
+          </p:nvPr>
+        </p:nvSpPr>
+        <p:spPr>
+          <a:xfrm>
+            <a:off x="427036" y="1212850"/>
+            <a:ext cx="7924801" cy="517065"/>
+          </a:xfrm>
+        </p:spPr>
+        <p:txBody>
+          <a:bodyPr/>
+          <a:lstStyle/>
+          <a:p>
+            <a:pPr marL="0" indent="0">
+              <a:buNone/>
+            </a:pPr>
+            <a:r>
+              <a:rPr lang="en-US" dirty="0" smtClean="0"/>
+              <a:t> </a:t>
+            </a:r>
+          </a:p>
+        </p:txBody>
+      </p:sp>
+      <p:sp>
+        <p:nvSpPr>
+          <p:cNvPr id="5" name="Title 4"/>
+          <p:cNvSpPr>
+            <a:spLocks noGrp="1"/>
+          </p:cNvSpPr>
+          <p:nvPr>
+            <p:ph type="title"/>
+          </p:nvPr>
+        </p:nvSpPr>
+        <p:spPr/>
+        <p:txBody>
+          <a:bodyPr/>
+          <a:lstStyle/>
+          <a:p>
+            <a:r>
+              <a:rPr lang="en-US" dirty="0" smtClean="0"/>
+              <a:t>Choosing an Anchor Visual</a:t>
+            </a:r>
+            <a:endParaRPr lang="en-US" dirty="0"/>
+          </a:p>
+        </p:txBody>
+      </p:sp>
+      <p:pic>
+        <p:nvPicPr>
+          <p:cNvPr id="2" name="Picture 1"/>
+          <p:cNvPicPr>
+            <a:picLocks noChangeAspect="1"/>
+          </p:cNvPicPr>
+          <p:nvPr/>
+        </p:nvPicPr>
+        <p:blipFill>
+          <a:blip r:embed="rId2"/>
+          <a:stretch>
+            <a:fillRect/>
+          </a:stretch>
+        </p:blipFill>
+        <p:spPr>
+          <a:xfrm>
+            <a:off x="1965716" y="1217611"/>
+            <a:ext cx="8507410" cy="5029200"/>
+          </a:xfrm>
+          <a:prstGeom prst="rect">
+            <a:avLst/>
+          </a:prstGeom>
+        </p:spPr>
+      </p:pic>
+    </p:spTree>
+    <p:extLst>
+      <p:ext uri="{BB962C8B-B14F-4D97-AF65-F5344CB8AC3E}">
+        <p14:creationId xmlns:p14="http://schemas.microsoft.com/office/powerpoint/2010/main" val="3774165446"/>
+      </p:ext>
+    </p:extLst>
+  </p:cSld>
+  <p:clrMapOvr>
+    <a:masterClrMapping/>
+  </p:clrMapOvr>
+  <p:transition>
+    <p:fade/>
+  </p:transition>
+</p:sld>
+</file>
+
+<file path=ppt/slides/slide39.xml><?xml version="1.0" encoding="utf-8"?>
 <p:sld xmlns:a="http://schemas.openxmlformats.org/drawingml/2006/main" xmlns:r="http://schemas.openxmlformats.org/officeDocument/2006/relationships" xmlns:p="http://schemas.openxmlformats.org/presentationml/2006/main">
   <p:cSld>
     <p:spTree>
@@ -30845,7 +33317,7 @@
         <p:spPr>
           <a:xfrm>
             <a:off x="427036" y="1212850"/>
-            <a:ext cx="7924801" cy="4665893"/>
+            <a:ext cx="6324601" cy="4967514"/>
           </a:xfrm>
           <a:prstGeom prst="rect">
             <a:avLst/>
@@ -31082,27 +33554,6 @@
               <a:buFont typeface="Arial" pitchFamily="34" charset="0"/>
               <a:buNone/>
             </a:pPr>
-            <a:endParaRPr lang="en-US" sz="2800" dirty="0">
-              <a:gradFill>
-                <a:gsLst>
-                  <a:gs pos="1250">
-                    <a:schemeClr val="tx1"/>
-                  </a:gs>
-                  <a:gs pos="100000">
-                    <a:schemeClr val="tx1"/>
-                  </a:gs>
-                </a:gsLst>
-                <a:lin ang="5400000" scaled="0"/>
-              </a:gradFill>
-              <a:latin typeface="+mj-lt"/>
-              <a:cs typeface="+mn-cs"/>
-            </a:endParaRPr>
-          </a:p>
-          <a:p>
-            <a:pPr marL="0" indent="0">
-              <a:buFont typeface="Arial" pitchFamily="34" charset="0"/>
-              <a:buNone/>
-            </a:pPr>
             <a:r>
               <a:rPr lang="en-US" sz="2800" dirty="0" smtClean="0">
                 <a:gradFill>
@@ -31274,6 +33725,30 @@
           </a:p>
         </p:txBody>
       </p:sp>
+      <p:pic>
+        <p:nvPicPr>
+          <p:cNvPr id="2" name="Picture 1"/>
+          <p:cNvPicPr>
+            <a:picLocks noChangeAspect="1"/>
+          </p:cNvPicPr>
+          <p:nvPr/>
+        </p:nvPicPr>
+        <p:blipFill>
+          <a:blip r:embed="rId2"/>
+          <a:stretch>
+            <a:fillRect/>
+          </a:stretch>
+        </p:blipFill>
+        <p:spPr>
+          <a:xfrm>
+            <a:off x="6721474" y="4353151"/>
+            <a:ext cx="5185077" cy="1827213"/>
+          </a:xfrm>
+          <a:prstGeom prst="rect">
+            <a:avLst/>
+          </a:prstGeom>
+        </p:spPr>
+      </p:pic>
     </p:spTree>
     <p:extLst>
       <p:ext uri="{BB962C8B-B14F-4D97-AF65-F5344CB8AC3E}">
@@ -31290,7 +33765,7 @@
 </p:sld>
 </file>
 
-<file path=ppt/slides/slide38.xml><?xml version="1.0" encoding="utf-8"?>
+<file path=ppt/slides/slide4.xml><?xml version="1.0" encoding="utf-8"?>
 <p:sld xmlns:a="http://schemas.openxmlformats.org/drawingml/2006/main" xmlns:r="http://schemas.openxmlformats.org/officeDocument/2006/relationships" xmlns:p="http://schemas.openxmlformats.org/presentationml/2006/main">
   <p:cSld>
     <p:spTree>
@@ -31309,7 +33784,85 @@
       </p:grpSpPr>
       <p:sp>
         <p:nvSpPr>
-          <p:cNvPr id="5" name="Title 4"/>
+          <p:cNvPr id="2" name="Text Placeholder 1"/>
+          <p:cNvSpPr>
+            <a:spLocks noGrp="1"/>
+          </p:cNvSpPr>
+          <p:nvPr>
+            <p:ph type="body" sz="quarter" idx="10"/>
+          </p:nvPr>
+        </p:nvSpPr>
+        <p:spPr>
+          <a:xfrm>
+            <a:off x="274638" y="1212850"/>
+            <a:ext cx="5486399" cy="5675400"/>
+          </a:xfrm>
+        </p:spPr>
+        <p:txBody>
+          <a:bodyPr/>
+          <a:lstStyle/>
+          <a:p>
+            <a:pPr marL="0" indent="0">
+              <a:buNone/>
+            </a:pPr>
+            <a:r>
+              <a:rPr lang="en-US" dirty="0" smtClean="0"/>
+              <a:t>Session 3 – visual types</a:t>
+            </a:r>
+          </a:p>
+          <a:p>
+            <a:pPr lvl="1"/>
+            <a:r>
+              <a:rPr lang="en-US" dirty="0" smtClean="0"/>
+              <a:t>Overview of visualization types and styles</a:t>
+            </a:r>
+          </a:p>
+          <a:p>
+            <a:pPr lvl="1"/>
+            <a:r>
+              <a:rPr lang="en-US" dirty="0" smtClean="0"/>
+              <a:t>Choosing a technology to achieve your styles</a:t>
+            </a:r>
+            <a:endParaRPr lang="en-US" dirty="0"/>
+          </a:p>
+          <a:p>
+            <a:pPr marL="0" indent="0">
+              <a:buNone/>
+            </a:pPr>
+            <a:endParaRPr lang="en-US" dirty="0" smtClean="0"/>
+          </a:p>
+          <a:p>
+            <a:pPr marL="0" indent="0">
+              <a:buNone/>
+            </a:pPr>
+            <a:r>
+              <a:rPr lang="en-US" dirty="0" smtClean="0"/>
+              <a:t>Session 4 – designing your visualization</a:t>
+            </a:r>
+          </a:p>
+          <a:p>
+            <a:pPr lvl="1"/>
+            <a:r>
+              <a:rPr lang="en-US" dirty="0" smtClean="0"/>
+              <a:t>Designing a visualization for publication</a:t>
+            </a:r>
+          </a:p>
+          <a:p>
+            <a:pPr lvl="1"/>
+            <a:r>
+              <a:rPr lang="en-US" dirty="0" smtClean="0"/>
+              <a:t>Sharing a visualization</a:t>
+            </a:r>
+          </a:p>
+          <a:p>
+            <a:pPr lvl="1"/>
+            <a:endParaRPr lang="en-US" dirty="0" smtClean="0"/>
+          </a:p>
+        </p:txBody>
+      </p:sp>
+      <p:sp>
+        <p:nvSpPr>
+          <p:cNvPr id="4" name="Title 3"/>
           <p:cNvSpPr>
             <a:spLocks noGrp="1"/>
           </p:cNvSpPr>
@@ -31324,7 +33877,7 @@
           <a:p>
             <a:r>
               <a:rPr lang="en-US" dirty="0" smtClean="0"/>
-              <a:t>Colors (2 color)</a:t>
+              <a:t>What to Expect When I’m Projecting </a:t>
             </a:r>
             <a:endParaRPr lang="en-US" dirty="0"/>
           </a:p>
@@ -31332,7 +33885,7 @@
       </p:sp>
       <p:sp>
         <p:nvSpPr>
-          <p:cNvPr id="4" name="Text Placeholder 5"/>
+          <p:cNvPr id="5" name="Text Placeholder 1"/>
           <p:cNvSpPr txBox="1">
             <a:spLocks/>
           </p:cNvSpPr>
@@ -31340,8 +33893,8 @@
         </p:nvSpPr>
         <p:spPr>
           <a:xfrm>
-            <a:off x="427036" y="1212850"/>
-            <a:ext cx="7924801" cy="1046440"/>
+            <a:off x="6219420" y="1212849"/>
+            <a:ext cx="5867399" cy="4850559"/>
           </a:xfrm>
           <a:prstGeom prst="rect">
             <a:avLst/>
@@ -31367,21 +33920,21 @@
               <a:buFont typeface="Arial" pitchFamily="34" charset="0"/>
               <a:buChar char="•"/>
               <a:tabLst/>
-              <a:defRPr lang="en-US" sz="2400" kern="1200" spc="0" baseline="0" dirty="0" smtClean="0">
+              <a:defRPr sz="4000" kern="1200" spc="0" baseline="0">
                 <a:gradFill>
                   <a:gsLst>
+                    <a:gs pos="1250">
+                      <a:schemeClr val="tx1"/>
+                    </a:gs>
                     <a:gs pos="100000">
-                      <a:schemeClr val="tx1"/>
-                    </a:gs>
-                    <a:gs pos="0">
                       <a:schemeClr val="tx1"/>
                     </a:gs>
                   </a:gsLst>
                   <a:lin ang="5400000" scaled="0"/>
                 </a:gradFill>
-                <a:latin typeface="Consolas" pitchFamily="49" charset="0"/>
+                <a:latin typeface="+mj-lt"/>
                 <a:ea typeface="+mn-ea"/>
-                <a:cs typeface="Consolas" pitchFamily="49" charset="0"/>
+                <a:cs typeface="+mn-cs"/>
               </a:defRPr>
             </a:lvl1pPr>
             <a:lvl2pPr marL="584200" marR="0" indent="-241300" algn="l" defTabSz="932742" rtl="0" eaLnBrk="1" fontAlgn="auto" latinLnBrk="0" hangingPunct="1">
@@ -31399,24 +33952,24 @@
               <a:buFont typeface="Arial" pitchFamily="34" charset="0"/>
               <a:buChar char="•"/>
               <a:tabLst/>
-              <a:defRPr lang="en-US" sz="2400" kern="1200" spc="0" baseline="0" dirty="0" smtClean="0">
+              <a:defRPr sz="2400" kern="1200" spc="0" baseline="0">
                 <a:gradFill>
                   <a:gsLst>
+                    <a:gs pos="1250">
+                      <a:schemeClr val="tx1"/>
+                    </a:gs>
                     <a:gs pos="100000">
-                      <a:schemeClr val="tx1"/>
-                    </a:gs>
-                    <a:gs pos="0">
                       <a:schemeClr val="tx1"/>
                     </a:gs>
                   </a:gsLst>
                   <a:lin ang="5400000" scaled="0"/>
                 </a:gradFill>
-                <a:latin typeface="Consolas" pitchFamily="49" charset="0"/>
+                <a:latin typeface="+mn-lt"/>
                 <a:ea typeface="+mn-ea"/>
-                <a:cs typeface="Consolas" pitchFamily="49" charset="0"/>
+                <a:cs typeface="+mn-cs"/>
               </a:defRPr>
             </a:lvl2pPr>
-            <a:lvl3pPr marL="571441" marR="0" indent="-342900" algn="l" defTabSz="932742" rtl="0" eaLnBrk="1" fontAlgn="auto" latinLnBrk="0" hangingPunct="1">
+            <a:lvl3pPr marL="800100" marR="0" indent="-228600" algn="l" defTabSz="932742" rtl="0" eaLnBrk="1" fontAlgn="auto" latinLnBrk="0" hangingPunct="1">
               <a:lnSpc>
                 <a:spcPct val="90000"/>
               </a:lnSpc>
@@ -31431,21 +33984,21 @@
               <a:buFont typeface="Arial" pitchFamily="34" charset="0"/>
               <a:buChar char="•"/>
               <a:tabLst/>
-              <a:defRPr lang="en-US" sz="2400" kern="1200" spc="0" baseline="0" dirty="0" smtClean="0">
+              <a:defRPr sz="2400" kern="1200" spc="0" baseline="0">
                 <a:gradFill>
                   <a:gsLst>
+                    <a:gs pos="1250">
+                      <a:schemeClr val="tx1"/>
+                    </a:gs>
                     <a:gs pos="100000">
-                      <a:schemeClr val="tx1"/>
-                    </a:gs>
-                    <a:gs pos="0">
                       <a:schemeClr val="tx1"/>
                     </a:gs>
                   </a:gsLst>
                   <a:lin ang="5400000" scaled="0"/>
                 </a:gradFill>
-                <a:latin typeface="Consolas" pitchFamily="49" charset="0"/>
+                <a:latin typeface="+mn-lt"/>
                 <a:ea typeface="+mn-ea"/>
-                <a:cs typeface="Consolas" pitchFamily="49" charset="0"/>
+                <a:cs typeface="+mn-cs"/>
               </a:defRPr>
             </a:lvl3pPr>
             <a:lvl4pPr marL="1028700" marR="0" indent="-228600" algn="l" defTabSz="932742" rtl="0" eaLnBrk="1" fontAlgn="auto" latinLnBrk="0" hangingPunct="1">
@@ -31578,21 +34131,35 @@
               <a:buFont typeface="Arial" pitchFamily="34" charset="0"/>
               <a:buNone/>
             </a:pPr>
-            <a:endParaRPr lang="en-US" sz="2800" dirty="0">
-              <a:gradFill>
-                <a:gsLst>
-                  <a:gs pos="1250">
-                    <a:schemeClr val="tx1"/>
-                  </a:gs>
-                  <a:gs pos="100000">
-                    <a:schemeClr val="tx1"/>
-                  </a:gs>
-                </a:gsLst>
-                <a:lin ang="5400000" scaled="0"/>
-              </a:gradFill>
-              <a:latin typeface="+mj-lt"/>
-              <a:cs typeface="+mn-cs"/>
-            </a:endParaRPr>
+            <a:r>
+              <a:rPr lang="en-US" dirty="0" smtClean="0"/>
+              <a:t>Lab 3</a:t>
+            </a:r>
+          </a:p>
+          <a:p>
+            <a:pPr lvl="1"/>
+            <a:r>
+              <a:rPr lang="en-US" dirty="0" smtClean="0"/>
+              <a:t>Explore a data set with several Excel charts </a:t>
+            </a:r>
+          </a:p>
+          <a:p>
+            <a:pPr lvl="1"/>
+            <a:r>
+              <a:rPr lang="en-US" dirty="0" smtClean="0"/>
+              <a:t>Visualize using colors and vector maps</a:t>
+            </a:r>
+          </a:p>
+          <a:p>
+            <a:pPr lvl="1"/>
+            <a:r>
+              <a:rPr lang="en-US" dirty="0" smtClean="0"/>
+              <a:t>Mapping data using latitude / longitude</a:t>
+            </a:r>
+          </a:p>
+          <a:p>
+            <a:pPr lvl="1"/>
+            <a:endParaRPr lang="en-US" dirty="0" smtClean="0"/>
           </a:p>
           <a:p>
             <a:pPr marL="0" indent="0">
@@ -31600,45 +34167,30 @@
               <a:buNone/>
             </a:pPr>
             <a:r>
-              <a:rPr lang="en-US" sz="2800" dirty="0" smtClean="0">
-                <a:gradFill>
-                  <a:gsLst>
-                    <a:gs pos="1250">
-                      <a:schemeClr val="tx1"/>
-                    </a:gs>
-                    <a:gs pos="100000">
-                      <a:schemeClr val="tx1"/>
-                    </a:gs>
-                  </a:gsLst>
-                  <a:lin ang="5400000" scaled="0"/>
-                </a:gradFill>
-                <a:latin typeface="+mj-lt"/>
-                <a:cs typeface="+mn-cs"/>
-              </a:rPr>
-              <a:t>Show 2008 map example</a:t>
-            </a:r>
-            <a:endParaRPr lang="en-US" sz="2800" dirty="0">
-              <a:gradFill>
-                <a:gsLst>
-                  <a:gs pos="1250">
-                    <a:schemeClr val="tx1"/>
-                  </a:gs>
-                  <a:gs pos="100000">
-                    <a:schemeClr val="tx1"/>
-                  </a:gs>
-                </a:gsLst>
-                <a:lin ang="5400000" scaled="0"/>
-              </a:gradFill>
-              <a:latin typeface="+mj-lt"/>
-              <a:cs typeface="+mn-cs"/>
-            </a:endParaRPr>
+              <a:rPr lang="en-US" dirty="0" smtClean="0"/>
+              <a:t>Lab 4</a:t>
+            </a:r>
+          </a:p>
+          <a:p>
+            <a:pPr lvl="1"/>
+            <a:r>
+              <a:rPr lang="en-US" dirty="0" smtClean="0"/>
+              <a:t>Data visualization critiques</a:t>
+            </a:r>
+          </a:p>
+          <a:p>
+            <a:pPr lvl="1"/>
+            <a:r>
+              <a:rPr lang="en-US" dirty="0" smtClean="0"/>
+              <a:t>Questions, answers, conundrums</a:t>
+            </a:r>
           </a:p>
         </p:txBody>
       </p:sp>
     </p:spTree>
     <p:extLst>
       <p:ext uri="{BB962C8B-B14F-4D97-AF65-F5344CB8AC3E}">
-        <p14:creationId xmlns:p14="http://schemas.microsoft.com/office/powerpoint/2010/main" val="1353604707"/>
+        <p14:creationId xmlns:p14="http://schemas.microsoft.com/office/powerpoint/2010/main" val="2565184186"/>
       </p:ext>
     </p:extLst>
   </p:cSld>
@@ -31651,7 +34203,7 @@
 </p:sld>
 </file>
 
-<file path=ppt/slides/slide39.xml><?xml version="1.0" encoding="utf-8"?>
+<file path=ppt/slides/slide40.xml><?xml version="1.0" encoding="utf-8"?>
 <p:sld xmlns:a="http://schemas.openxmlformats.org/drawingml/2006/main" xmlns:r="http://schemas.openxmlformats.org/officeDocument/2006/relationships" xmlns:p="http://schemas.openxmlformats.org/presentationml/2006/main">
   <p:cSld>
     <p:spTree>
@@ -31685,6 +34237,86 @@
           <a:p>
             <a:r>
               <a:rPr lang="en-US" dirty="0" smtClean="0"/>
+              <a:t>Colors (2 color)</a:t>
+            </a:r>
+            <a:endParaRPr lang="en-US" dirty="0"/>
+          </a:p>
+        </p:txBody>
+      </p:sp>
+      <p:pic>
+        <p:nvPicPr>
+          <p:cNvPr id="2" name="Picture 1"/>
+          <p:cNvPicPr>
+            <a:picLocks noChangeAspect="1"/>
+          </p:cNvPicPr>
+          <p:nvPr/>
+        </p:nvPicPr>
+        <p:blipFill>
+          <a:blip r:embed="rId2"/>
+          <a:stretch>
+            <a:fillRect/>
+          </a:stretch>
+        </p:blipFill>
+        <p:spPr>
+          <a:xfrm>
+            <a:off x="2409182" y="1212849"/>
+            <a:ext cx="7620478" cy="4617051"/>
+          </a:xfrm>
+          <a:prstGeom prst="rect">
+            <a:avLst/>
+          </a:prstGeom>
+        </p:spPr>
+      </p:pic>
+    </p:spTree>
+    <p:extLst>
+      <p:ext uri="{BB962C8B-B14F-4D97-AF65-F5344CB8AC3E}">
+        <p14:creationId xmlns:p14="http://schemas.microsoft.com/office/powerpoint/2010/main" val="1353604707"/>
+      </p:ext>
+    </p:extLst>
+  </p:cSld>
+  <p:clrMapOvr>
+    <a:masterClrMapping/>
+  </p:clrMapOvr>
+  <p:transition>
+    <p:fade/>
+  </p:transition>
+</p:sld>
+</file>
+
+<file path=ppt/slides/slide41.xml><?xml version="1.0" encoding="utf-8"?>
+<p:sld xmlns:a="http://schemas.openxmlformats.org/drawingml/2006/main" xmlns:r="http://schemas.openxmlformats.org/officeDocument/2006/relationships" xmlns:p="http://schemas.openxmlformats.org/presentationml/2006/main">
+  <p:cSld>
+    <p:spTree>
+      <p:nvGrpSpPr>
+        <p:cNvPr id="1" name=""/>
+        <p:cNvGrpSpPr/>
+        <p:nvPr/>
+      </p:nvGrpSpPr>
+      <p:grpSpPr>
+        <a:xfrm>
+          <a:off x="0" y="0"/>
+          <a:ext cx="0" cy="0"/>
+          <a:chOff x="0" y="0"/>
+          <a:chExt cx="0" cy="0"/>
+        </a:xfrm>
+      </p:grpSpPr>
+      <p:sp>
+        <p:nvSpPr>
+          <p:cNvPr id="5" name="Title 4"/>
+          <p:cNvSpPr>
+            <a:spLocks noGrp="1"/>
+          </p:cNvSpPr>
+          <p:nvPr>
+            <p:ph type="title"/>
+          </p:nvPr>
+        </p:nvSpPr>
+        <p:spPr/>
+        <p:txBody>
+          <a:bodyPr/>
+          <a:lstStyle/>
+          <a:p>
+            <a:r>
+              <a:rPr lang="en-US" dirty="0" smtClean="0"/>
               <a:t>Colors (3 color)</a:t>
             </a:r>
             <a:endParaRPr lang="en-US" dirty="0"/>
@@ -31733,7 +34365,7 @@
         <p:spPr>
           <a:xfrm>
             <a:off x="427036" y="1212850"/>
-            <a:ext cx="7924801" cy="3804118"/>
+            <a:ext cx="5486401" cy="3717941"/>
           </a:xfrm>
           <a:prstGeom prst="rect">
             <a:avLst/>
@@ -31970,27 +34602,6 @@
               <a:buFont typeface="Arial" pitchFamily="34" charset="0"/>
               <a:buNone/>
             </a:pPr>
-            <a:endParaRPr lang="en-US" sz="2800" dirty="0">
-              <a:gradFill>
-                <a:gsLst>
-                  <a:gs pos="1250">
-                    <a:schemeClr val="tx1"/>
-                  </a:gs>
-                  <a:gs pos="100000">
-                    <a:schemeClr val="tx1"/>
-                  </a:gs>
-                </a:gsLst>
-                <a:lin ang="5400000" scaled="0"/>
-              </a:gradFill>
-              <a:latin typeface="+mj-lt"/>
-              <a:cs typeface="+mn-cs"/>
-            </a:endParaRPr>
-          </a:p>
-          <a:p>
-            <a:pPr marL="0" indent="0">
-              <a:buFont typeface="Arial" pitchFamily="34" charset="0"/>
-              <a:buNone/>
-            </a:pPr>
             <a:r>
               <a:rPr lang="en-US" sz="2800" dirty="0" smtClean="0">
                 <a:gradFill>
@@ -32126,6 +34737,30 @@
           </a:p>
         </p:txBody>
       </p:sp>
+      <p:pic>
+        <p:nvPicPr>
+          <p:cNvPr id="3" name="Picture 2"/>
+          <p:cNvPicPr>
+            <a:picLocks noChangeAspect="1"/>
+          </p:cNvPicPr>
+          <p:nvPr/>
+        </p:nvPicPr>
+        <p:blipFill>
+          <a:blip r:embed="rId2"/>
+          <a:stretch>
+            <a:fillRect/>
+          </a:stretch>
+        </p:blipFill>
+        <p:spPr>
+          <a:xfrm>
+            <a:off x="6523037" y="4106862"/>
+            <a:ext cx="5220557" cy="2330442"/>
+          </a:xfrm>
+          <a:prstGeom prst="rect">
+            <a:avLst/>
+          </a:prstGeom>
+        </p:spPr>
+      </p:pic>
     </p:spTree>
     <p:extLst>
       <p:ext uri="{BB962C8B-B14F-4D97-AF65-F5344CB8AC3E}">
@@ -32142,7 +34777,264 @@
 </p:sld>
 </file>
 
-<file path=ppt/slides/slide4.xml><?xml version="1.0" encoding="utf-8"?>
+<file path=ppt/slides/slide42.xml><?xml version="1.0" encoding="utf-8"?>
+<p:sld xmlns:a="http://schemas.openxmlformats.org/drawingml/2006/main" xmlns:r="http://schemas.openxmlformats.org/officeDocument/2006/relationships" xmlns:p="http://schemas.openxmlformats.org/presentationml/2006/main">
+  <p:cSld>
+    <p:spTree>
+      <p:nvGrpSpPr>
+        <p:cNvPr id="1" name=""/>
+        <p:cNvGrpSpPr/>
+        <p:nvPr/>
+      </p:nvGrpSpPr>
+      <p:grpSpPr>
+        <a:xfrm>
+          <a:off x="0" y="0"/>
+          <a:ext cx="0" cy="0"/>
+          <a:chOff x="0" y="0"/>
+          <a:chExt cx="0" cy="0"/>
+        </a:xfrm>
+      </p:grpSpPr>
+      <p:sp>
+        <p:nvSpPr>
+          <p:cNvPr id="5" name="Title 4"/>
+          <p:cNvSpPr>
+            <a:spLocks noGrp="1"/>
+          </p:cNvSpPr>
+          <p:nvPr>
+            <p:ph type="title"/>
+          </p:nvPr>
+        </p:nvSpPr>
+        <p:spPr/>
+        <p:txBody>
+          <a:bodyPr/>
+          <a:lstStyle/>
+          <a:p>
+            <a:r>
+              <a:rPr lang="en-US" dirty="0" smtClean="0"/>
+              <a:t>Colors (3 color)</a:t>
+            </a:r>
+            <a:endParaRPr lang="en-US" dirty="0"/>
+          </a:p>
+        </p:txBody>
+      </p:sp>
+      <p:sp>
+        <p:nvSpPr>
+          <p:cNvPr id="2" name="Text Placeholder 1"/>
+          <p:cNvSpPr>
+            <a:spLocks noGrp="1"/>
+          </p:cNvSpPr>
+          <p:nvPr>
+            <p:ph type="body" sz="quarter" idx="10"/>
+          </p:nvPr>
+        </p:nvSpPr>
+        <p:spPr>
+          <a:xfrm>
+            <a:off x="274638" y="1212850"/>
+            <a:ext cx="11887200" cy="517065"/>
+          </a:xfrm>
+        </p:spPr>
+        <p:txBody>
+          <a:bodyPr/>
+          <a:lstStyle/>
+          <a:p>
+            <a:pPr marL="0" indent="0">
+              <a:buNone/>
+            </a:pPr>
+            <a:r>
+              <a:rPr lang="en-US" dirty="0" smtClean="0"/>
+              <a:t> </a:t>
+            </a:r>
+            <a:endParaRPr lang="en-US" dirty="0"/>
+          </a:p>
+        </p:txBody>
+      </p:sp>
+      <p:pic>
+        <p:nvPicPr>
+          <p:cNvPr id="6" name="Picture 5"/>
+          <p:cNvPicPr/>
+          <p:nvPr/>
+        </p:nvPicPr>
+        <p:blipFill>
+          <a:blip r:embed="rId2"/>
+          <a:stretch>
+            <a:fillRect/>
+          </a:stretch>
+        </p:blipFill>
+        <p:spPr>
+          <a:xfrm>
+            <a:off x="2789237" y="1212849"/>
+            <a:ext cx="7543800" cy="4840882"/>
+          </a:xfrm>
+          <a:prstGeom prst="rect">
+            <a:avLst/>
+          </a:prstGeom>
+        </p:spPr>
+      </p:pic>
+    </p:spTree>
+    <p:extLst>
+      <p:ext uri="{BB962C8B-B14F-4D97-AF65-F5344CB8AC3E}">
+        <p14:creationId xmlns:p14="http://schemas.microsoft.com/office/powerpoint/2010/main" val="3034934152"/>
+      </p:ext>
+    </p:extLst>
+  </p:cSld>
+  <p:clrMapOvr>
+    <a:masterClrMapping/>
+  </p:clrMapOvr>
+  <p:transition>
+    <p:fade/>
+  </p:transition>
+</p:sld>
+</file>
+
+<file path=ppt/slides/slide43.xml><?xml version="1.0" encoding="utf-8"?>
+<p:sld xmlns:a="http://schemas.openxmlformats.org/drawingml/2006/main" xmlns:r="http://schemas.openxmlformats.org/officeDocument/2006/relationships" xmlns:p="http://schemas.openxmlformats.org/presentationml/2006/main">
+  <p:cSld>
+    <p:spTree>
+      <p:nvGrpSpPr>
+        <p:cNvPr id="1" name=""/>
+        <p:cNvGrpSpPr/>
+        <p:nvPr/>
+      </p:nvGrpSpPr>
+      <p:grpSpPr>
+        <a:xfrm>
+          <a:off x="0" y="0"/>
+          <a:ext cx="0" cy="0"/>
+          <a:chOff x="0" y="0"/>
+          <a:chExt cx="0" cy="0"/>
+        </a:xfrm>
+      </p:grpSpPr>
+      <p:sp>
+        <p:nvSpPr>
+          <p:cNvPr id="2" name="Text Placeholder 1"/>
+          <p:cNvSpPr>
+            <a:spLocks noGrp="1"/>
+          </p:cNvSpPr>
+          <p:nvPr>
+            <p:ph type="body" sz="quarter" idx="15"/>
+          </p:nvPr>
+        </p:nvSpPr>
+        <p:spPr>
+          <a:xfrm>
+            <a:off x="4846638" y="2049462"/>
+            <a:ext cx="7315203" cy="2819400"/>
+          </a:xfrm>
+        </p:spPr>
+        <p:txBody>
+          <a:bodyPr/>
+          <a:lstStyle/>
+          <a:p>
+            <a:r>
+              <a:rPr lang="en-US" dirty="0" smtClean="0">
+                <a:solidFill>
+                  <a:schemeClr val="tx1">
+                    <a:lumMod val="75000"/>
+                  </a:schemeClr>
+                </a:solidFill>
+              </a:rPr>
+              <a:t>Pull a data set</a:t>
+            </a:r>
+          </a:p>
+          <a:p>
+            <a:r>
+              <a:rPr lang="en-US" dirty="0" smtClean="0">
+                <a:solidFill>
+                  <a:schemeClr val="tx1">
+                    <a:lumMod val="75000"/>
+                  </a:schemeClr>
+                </a:solidFill>
+              </a:rPr>
+              <a:t>Sort and format</a:t>
+            </a:r>
+          </a:p>
+          <a:p>
+            <a:r>
+              <a:rPr lang="en-US" dirty="0" smtClean="0">
+                <a:solidFill>
+                  <a:schemeClr val="tx1">
+                    <a:lumMod val="75000"/>
+                  </a:schemeClr>
+                </a:solidFill>
+              </a:rPr>
+              <a:t>Create chart</a:t>
+            </a:r>
+          </a:p>
+          <a:p>
+            <a:r>
+              <a:rPr lang="en-US" dirty="0" smtClean="0">
+                <a:solidFill>
+                  <a:schemeClr val="tx1">
+                    <a:lumMod val="75000"/>
+                  </a:schemeClr>
+                </a:solidFill>
+              </a:rPr>
+              <a:t>Format into visualization</a:t>
+            </a:r>
+            <a:endParaRPr lang="en-US" dirty="0">
+              <a:solidFill>
+                <a:schemeClr val="tx1">
+                  <a:lumMod val="75000"/>
+                </a:schemeClr>
+              </a:solidFill>
+            </a:endParaRPr>
+          </a:p>
+        </p:txBody>
+      </p:sp>
+      <p:sp>
+        <p:nvSpPr>
+          <p:cNvPr id="5" name="Title 4"/>
+          <p:cNvSpPr>
+            <a:spLocks noGrp="1"/>
+          </p:cNvSpPr>
+          <p:nvPr>
+            <p:ph type="ctrTitle"/>
+          </p:nvPr>
+        </p:nvSpPr>
+        <p:spPr/>
+        <p:txBody>
+          <a:bodyPr/>
+          <a:lstStyle/>
+          <a:p>
+            <a:r>
+              <a:rPr lang="en-US" dirty="0" smtClean="0"/>
+              <a:t>Lab 1</a:t>
+            </a:r>
+            <a:endParaRPr lang="en-US" dirty="0"/>
+          </a:p>
+        </p:txBody>
+      </p:sp>
+    </p:spTree>
+    <p:extLst>
+      <p:ext uri="{BB962C8B-B14F-4D97-AF65-F5344CB8AC3E}">
+        <p14:creationId xmlns:p14="http://schemas.microsoft.com/office/powerpoint/2010/main" val="1662834326"/>
+      </p:ext>
+    </p:extLst>
+  </p:cSld>
+  <p:clrMapOvr>
+    <a:masterClrMapping/>
+  </p:clrMapOvr>
+  <mc:AlternateContent xmlns:mc="http://schemas.openxmlformats.org/markup-compatibility/2006" xmlns:p14="http://schemas.microsoft.com/office/powerpoint/2010/main">
+    <mc:Choice Requires="p14">
+      <p:transition spd="med" p14:dur="700">
+        <p:fade/>
+      </p:transition>
+    </mc:Choice>
+    <mc:Fallback xmlns="">
+      <p:transition spd="med">
+        <p:fade/>
+      </p:transition>
+    </mc:Fallback>
+  </mc:AlternateContent>
+  <p:timing>
+    <p:tnLst>
+      <p:par>
+        <p:cTn id="1" dur="indefinite" restart="never" nodeType="tmRoot"/>
+      </p:par>
+    </p:tnLst>
+  </p:timing>
+</p:sld>
+</file>
+
+<file path=ppt/slides/slide5.xml><?xml version="1.0" encoding="utf-8"?>
 <p:sld xmlns:a="http://schemas.openxmlformats.org/drawingml/2006/main" xmlns:r="http://schemas.openxmlformats.org/officeDocument/2006/relationships" xmlns:p="http://schemas.openxmlformats.org/presentationml/2006/main">
   <p:cSld>
     <p:spTree>
@@ -32184,8 +35076,13 @@
             </a:pPr>
             <a:r>
               <a:rPr lang="en-US" dirty="0" smtClean="0"/>
-              <a:t>Session 3 – visual types</a:t>
-            </a:r>
+              <a:t>A giant pile </a:t>
+            </a:r>
+            <a:r>
+              <a:rPr lang="en-US" smtClean="0"/>
+              <a:t>of stuff</a:t>
+            </a:r>
+            <a:endParaRPr lang="en-US" dirty="0" smtClean="0"/>
           </a:p>
           <a:p>
             <a:pPr lvl="1"/>
@@ -32198,7 +35095,11 @@
             <a:pPr lvl="1"/>
             <a:r>
               <a:rPr lang="en-US" dirty="0" smtClean="0"/>
-              <a:t>Choosing a technology to achieve your styles</a:t>
+              <a:t>Choosing </a:t>
+            </a:r>
+            <a:r>
+              <a:rPr lang="en-US" dirty="0" smtClean="0"/>
+              <a:t>a technology to achieve your styles</a:t>
             </a:r>
             <a:endParaRPr lang="en-US" dirty="0"/>
           </a:p>
@@ -32254,7 +35155,11 @@
           <a:p>
             <a:r>
               <a:rPr lang="en-US" dirty="0" smtClean="0"/>
-              <a:t>What to Expect When I’m Projecting </a:t>
+              <a:t>What </a:t>
+            </a:r>
+            <a:r>
+              <a:rPr lang="en-US" dirty="0" smtClean="0"/>
+              <a:t>do you have?</a:t>
             </a:r>
             <a:endParaRPr lang="en-US" dirty="0"/>
           </a:p>
@@ -32271,7 +35176,7 @@
         <p:spPr>
           <a:xfrm>
             <a:off x="6219420" y="1212849"/>
-            <a:ext cx="5867399" cy="5330690"/>
+            <a:ext cx="5867399" cy="4850559"/>
           </a:xfrm>
           <a:prstGeom prst="rect">
             <a:avLst/>
@@ -32510,28 +35415,28 @@
             </a:pPr>
             <a:r>
               <a:rPr lang="en-US" dirty="0" smtClean="0"/>
-              <a:t>Lab 1</a:t>
+              <a:t>Lab 3</a:t>
             </a:r>
           </a:p>
           <a:p>
             <a:pPr lvl="1"/>
             <a:r>
               <a:rPr lang="en-US" dirty="0" smtClean="0"/>
-              <a:t>Collect a simple data set </a:t>
+              <a:t>Explore a data set with several Excel charts </a:t>
             </a:r>
           </a:p>
           <a:p>
             <a:pPr lvl="1"/>
             <a:r>
               <a:rPr lang="en-US" dirty="0" smtClean="0"/>
-              <a:t>Excel basics</a:t>
+              <a:t>Visualize using colors and vector maps</a:t>
             </a:r>
           </a:p>
           <a:p>
             <a:pPr lvl="1"/>
             <a:r>
               <a:rPr lang="en-US" dirty="0" smtClean="0"/>
-              <a:t>Create simple visual, begin design process</a:t>
+              <a:t>Mapping data using latitude / longitude</a:t>
             </a:r>
           </a:p>
           <a:p>
@@ -32545,40 +35450,29 @@
             </a:pPr>
             <a:r>
               <a:rPr lang="en-US" dirty="0" smtClean="0"/>
-              <a:t>Lab 2</a:t>
+              <a:t>Lab 4</a:t>
             </a:r>
           </a:p>
           <a:p>
             <a:pPr lvl="1"/>
             <a:r>
               <a:rPr lang="en-US" dirty="0" smtClean="0"/>
-              <a:t>Collect a complex data set</a:t>
+              <a:t>Data visualization critiques</a:t>
             </a:r>
           </a:p>
           <a:p>
             <a:pPr lvl="1"/>
             <a:r>
               <a:rPr lang="en-US" dirty="0" smtClean="0"/>
-              <a:t>Analyze data in Excel</a:t>
-            </a:r>
-          </a:p>
-          <a:p>
-            <a:pPr lvl="1"/>
-            <a:r>
-              <a:rPr lang="en-US" dirty="0" smtClean="0"/>
-              <a:t>Use understanding of data to begin telling a story</a:t>
-            </a:r>
-          </a:p>
-          <a:p>
-            <a:pPr lvl="1"/>
-            <a:endParaRPr lang="en-US" dirty="0" smtClean="0"/>
+              <a:t>Questions, answers, conundrums</a:t>
+            </a:r>
           </a:p>
         </p:txBody>
       </p:sp>
     </p:spTree>
     <p:extLst>
       <p:ext uri="{BB962C8B-B14F-4D97-AF65-F5344CB8AC3E}">
-        <p14:creationId xmlns:p14="http://schemas.microsoft.com/office/powerpoint/2010/main" val="2565184186"/>
+        <p14:creationId xmlns:p14="http://schemas.microsoft.com/office/powerpoint/2010/main" val="2080173240"/>
       </p:ext>
     </p:extLst>
   </p:cSld>
@@ -32591,384 +35485,7 @@
 </p:sld>
 </file>
 
-<file path=ppt/slides/slide40.xml><?xml version="1.0" encoding="utf-8"?>
-<p:sld xmlns:a="http://schemas.openxmlformats.org/drawingml/2006/main" xmlns:r="http://schemas.openxmlformats.org/officeDocument/2006/relationships" xmlns:p="http://schemas.openxmlformats.org/presentationml/2006/main">
-  <p:cSld>
-    <p:spTree>
-      <p:nvGrpSpPr>
-        <p:cNvPr id="1" name=""/>
-        <p:cNvGrpSpPr/>
-        <p:nvPr/>
-      </p:nvGrpSpPr>
-      <p:grpSpPr>
-        <a:xfrm>
-          <a:off x="0" y="0"/>
-          <a:ext cx="0" cy="0"/>
-          <a:chOff x="0" y="0"/>
-          <a:chExt cx="0" cy="0"/>
-        </a:xfrm>
-      </p:grpSpPr>
-      <p:sp>
-        <p:nvSpPr>
-          <p:cNvPr id="5" name="Title 4"/>
-          <p:cNvSpPr>
-            <a:spLocks noGrp="1"/>
-          </p:cNvSpPr>
-          <p:nvPr>
-            <p:ph type="title"/>
-          </p:nvPr>
-        </p:nvSpPr>
-        <p:spPr/>
-        <p:txBody>
-          <a:bodyPr/>
-          <a:lstStyle/>
-          <a:p>
-            <a:r>
-              <a:rPr lang="en-US" dirty="0" smtClean="0"/>
-              <a:t>Colors (3 color)</a:t>
-            </a:r>
-            <a:endParaRPr lang="en-US" dirty="0"/>
-          </a:p>
-        </p:txBody>
-      </p:sp>
-      <p:sp>
-        <p:nvSpPr>
-          <p:cNvPr id="2" name="Text Placeholder 1"/>
-          <p:cNvSpPr>
-            <a:spLocks noGrp="1"/>
-          </p:cNvSpPr>
-          <p:nvPr>
-            <p:ph type="body" sz="quarter" idx="10"/>
-          </p:nvPr>
-        </p:nvSpPr>
-        <p:spPr>
-          <a:xfrm>
-            <a:off x="274638" y="1212850"/>
-            <a:ext cx="11887200" cy="517065"/>
-          </a:xfrm>
-        </p:spPr>
-        <p:txBody>
-          <a:bodyPr/>
-          <a:lstStyle/>
-          <a:p>
-            <a:pPr marL="0" indent="0">
-              <a:buNone/>
-            </a:pPr>
-            <a:r>
-              <a:rPr lang="en-US" dirty="0" smtClean="0"/>
-              <a:t> </a:t>
-            </a:r>
-            <a:endParaRPr lang="en-US" dirty="0"/>
-          </a:p>
-        </p:txBody>
-      </p:sp>
-      <p:sp>
-        <p:nvSpPr>
-          <p:cNvPr id="7" name="Text Placeholder 5"/>
-          <p:cNvSpPr txBox="1">
-            <a:spLocks/>
-          </p:cNvSpPr>
-          <p:nvPr/>
-        </p:nvSpPr>
-        <p:spPr>
-          <a:xfrm>
-            <a:off x="427036" y="1212850"/>
-            <a:ext cx="7924801" cy="1046440"/>
-          </a:xfrm>
-          <a:prstGeom prst="rect">
-            <a:avLst/>
-          </a:prstGeom>
-        </p:spPr>
-        <p:txBody>
-          <a:bodyPr vert="horz" wrap="square" lIns="146304" tIns="91440" rIns="146304" bIns="91440" rtlCol="0">
-            <a:spAutoFit/>
-          </a:bodyPr>
-          <a:lstStyle>
-            <a:lvl1pPr marL="342900" marR="0" indent="-342900" algn="l" defTabSz="932742" rtl="0" eaLnBrk="1" fontAlgn="auto" latinLnBrk="0" hangingPunct="1">
-              <a:lnSpc>
-                <a:spcPct val="90000"/>
-              </a:lnSpc>
-              <a:spcBef>
-                <a:spcPct val="20000"/>
-              </a:spcBef>
-              <a:spcAft>
-                <a:spcPts val="0"/>
-              </a:spcAft>
-              <a:buClrTx/>
-              <a:buSzPct val="90000"/>
-              <a:buFont typeface="Arial" pitchFamily="34" charset="0"/>
-              <a:buChar char="•"/>
-              <a:tabLst/>
-              <a:defRPr lang="en-US" sz="2400" kern="1200" spc="0" baseline="0" dirty="0" smtClean="0">
-                <a:gradFill>
-                  <a:gsLst>
-                    <a:gs pos="100000">
-                      <a:schemeClr val="tx1"/>
-                    </a:gs>
-                    <a:gs pos="0">
-                      <a:schemeClr val="tx1"/>
-                    </a:gs>
-                  </a:gsLst>
-                  <a:lin ang="5400000" scaled="0"/>
-                </a:gradFill>
-                <a:latin typeface="Consolas" pitchFamily="49" charset="0"/>
-                <a:ea typeface="+mn-ea"/>
-                <a:cs typeface="Consolas" pitchFamily="49" charset="0"/>
-              </a:defRPr>
-            </a:lvl1pPr>
-            <a:lvl2pPr marL="584200" marR="0" indent="-241300" algn="l" defTabSz="932742" rtl="0" eaLnBrk="1" fontAlgn="auto" latinLnBrk="0" hangingPunct="1">
-              <a:lnSpc>
-                <a:spcPct val="90000"/>
-              </a:lnSpc>
-              <a:spcBef>
-                <a:spcPct val="20000"/>
-              </a:spcBef>
-              <a:spcAft>
-                <a:spcPts val="0"/>
-              </a:spcAft>
-              <a:buClrTx/>
-              <a:buSzPct val="90000"/>
-              <a:buFont typeface="Arial" pitchFamily="34" charset="0"/>
-              <a:buChar char="•"/>
-              <a:tabLst/>
-              <a:defRPr lang="en-US" sz="2400" kern="1200" spc="0" baseline="0" dirty="0" smtClean="0">
-                <a:gradFill>
-                  <a:gsLst>
-                    <a:gs pos="100000">
-                      <a:schemeClr val="tx1"/>
-                    </a:gs>
-                    <a:gs pos="0">
-                      <a:schemeClr val="tx1"/>
-                    </a:gs>
-                  </a:gsLst>
-                  <a:lin ang="5400000" scaled="0"/>
-                </a:gradFill>
-                <a:latin typeface="Consolas" pitchFamily="49" charset="0"/>
-                <a:ea typeface="+mn-ea"/>
-                <a:cs typeface="Consolas" pitchFamily="49" charset="0"/>
-              </a:defRPr>
-            </a:lvl2pPr>
-            <a:lvl3pPr marL="571441" marR="0" indent="-342900" algn="l" defTabSz="932742" rtl="0" eaLnBrk="1" fontAlgn="auto" latinLnBrk="0" hangingPunct="1">
-              <a:lnSpc>
-                <a:spcPct val="90000"/>
-              </a:lnSpc>
-              <a:spcBef>
-                <a:spcPct val="20000"/>
-              </a:spcBef>
-              <a:spcAft>
-                <a:spcPts val="0"/>
-              </a:spcAft>
-              <a:buClrTx/>
-              <a:buSzPct val="90000"/>
-              <a:buFont typeface="Arial" pitchFamily="34" charset="0"/>
-              <a:buChar char="•"/>
-              <a:tabLst/>
-              <a:defRPr lang="en-US" sz="2400" kern="1200" spc="0" baseline="0" dirty="0" smtClean="0">
-                <a:gradFill>
-                  <a:gsLst>
-                    <a:gs pos="100000">
-                      <a:schemeClr val="tx1"/>
-                    </a:gs>
-                    <a:gs pos="0">
-                      <a:schemeClr val="tx1"/>
-                    </a:gs>
-                  </a:gsLst>
-                  <a:lin ang="5400000" scaled="0"/>
-                </a:gradFill>
-                <a:latin typeface="Consolas" pitchFamily="49" charset="0"/>
-                <a:ea typeface="+mn-ea"/>
-                <a:cs typeface="Consolas" pitchFamily="49" charset="0"/>
-              </a:defRPr>
-            </a:lvl3pPr>
-            <a:lvl4pPr marL="1028700" marR="0" indent="-228600" algn="l" defTabSz="932742" rtl="0" eaLnBrk="1" fontAlgn="auto" latinLnBrk="0" hangingPunct="1">
-              <a:lnSpc>
-                <a:spcPct val="90000"/>
-              </a:lnSpc>
-              <a:spcBef>
-                <a:spcPct val="20000"/>
-              </a:spcBef>
-              <a:spcAft>
-                <a:spcPts val="0"/>
-              </a:spcAft>
-              <a:buClrTx/>
-              <a:buSzPct val="90000"/>
-              <a:buFont typeface="Arial" pitchFamily="34" charset="0"/>
-              <a:buChar char="•"/>
-              <a:tabLst/>
-              <a:defRPr sz="2000" kern="1200" spc="0" baseline="0">
-                <a:gradFill>
-                  <a:gsLst>
-                    <a:gs pos="1250">
-                      <a:schemeClr val="tx1"/>
-                    </a:gs>
-                    <a:gs pos="100000">
-                      <a:schemeClr val="tx1"/>
-                    </a:gs>
-                  </a:gsLst>
-                  <a:lin ang="5400000" scaled="0"/>
-                </a:gradFill>
-                <a:latin typeface="+mn-lt"/>
-                <a:ea typeface="+mn-ea"/>
-                <a:cs typeface="+mn-cs"/>
-              </a:defRPr>
-            </a:lvl4pPr>
-            <a:lvl5pPr marL="1257300" marR="0" indent="-228600" algn="l" defTabSz="932742" rtl="0" eaLnBrk="1" fontAlgn="auto" latinLnBrk="0" hangingPunct="1">
-              <a:lnSpc>
-                <a:spcPct val="90000"/>
-              </a:lnSpc>
-              <a:spcBef>
-                <a:spcPct val="20000"/>
-              </a:spcBef>
-              <a:spcAft>
-                <a:spcPts val="0"/>
-              </a:spcAft>
-              <a:buClrTx/>
-              <a:buSzPct val="90000"/>
-              <a:buFont typeface="Arial" pitchFamily="34" charset="0"/>
-              <a:buChar char="•"/>
-              <a:tabLst/>
-              <a:defRPr sz="2000" kern="1200" spc="0" baseline="0">
-                <a:gradFill>
-                  <a:gsLst>
-                    <a:gs pos="1250">
-                      <a:schemeClr val="tx1"/>
-                    </a:gs>
-                    <a:gs pos="100000">
-                      <a:schemeClr val="tx1"/>
-                    </a:gs>
-                  </a:gsLst>
-                  <a:lin ang="5400000" scaled="0"/>
-                </a:gradFill>
-                <a:latin typeface="+mn-lt"/>
-                <a:ea typeface="+mn-ea"/>
-                <a:cs typeface="+mn-cs"/>
-              </a:defRPr>
-            </a:lvl5pPr>
-            <a:lvl6pPr marL="2565040" indent="-233186" algn="l" defTabSz="932742" rtl="0" eaLnBrk="1" latinLnBrk="0" hangingPunct="1">
-              <a:spcBef>
-                <a:spcPct val="20000"/>
-              </a:spcBef>
-              <a:buFont typeface="Arial" pitchFamily="34" charset="0"/>
-              <a:buChar char="•"/>
-              <a:defRPr sz="2000" kern="1200">
-                <a:solidFill>
-                  <a:schemeClr val="tx1"/>
-                </a:solidFill>
-                <a:latin typeface="+mn-lt"/>
-                <a:ea typeface="+mn-ea"/>
-                <a:cs typeface="+mn-cs"/>
-              </a:defRPr>
-            </a:lvl6pPr>
-            <a:lvl7pPr marL="3031412" indent="-233186" algn="l" defTabSz="932742" rtl="0" eaLnBrk="1" latinLnBrk="0" hangingPunct="1">
-              <a:spcBef>
-                <a:spcPct val="20000"/>
-              </a:spcBef>
-              <a:buFont typeface="Arial" pitchFamily="34" charset="0"/>
-              <a:buChar char="•"/>
-              <a:defRPr sz="2000" kern="1200">
-                <a:solidFill>
-                  <a:schemeClr val="tx1"/>
-                </a:solidFill>
-                <a:latin typeface="+mn-lt"/>
-                <a:ea typeface="+mn-ea"/>
-                <a:cs typeface="+mn-cs"/>
-              </a:defRPr>
-            </a:lvl7pPr>
-            <a:lvl8pPr marL="3497783" indent="-233186" algn="l" defTabSz="932742" rtl="0" eaLnBrk="1" latinLnBrk="0" hangingPunct="1">
-              <a:spcBef>
-                <a:spcPct val="20000"/>
-              </a:spcBef>
-              <a:buFont typeface="Arial" pitchFamily="34" charset="0"/>
-              <a:buChar char="•"/>
-              <a:defRPr sz="2000" kern="1200">
-                <a:solidFill>
-                  <a:schemeClr val="tx1"/>
-                </a:solidFill>
-                <a:latin typeface="+mn-lt"/>
-                <a:ea typeface="+mn-ea"/>
-                <a:cs typeface="+mn-cs"/>
-              </a:defRPr>
-            </a:lvl8pPr>
-            <a:lvl9pPr marL="3964155" indent="-233186" algn="l" defTabSz="932742" rtl="0" eaLnBrk="1" latinLnBrk="0" hangingPunct="1">
-              <a:spcBef>
-                <a:spcPct val="20000"/>
-              </a:spcBef>
-              <a:buFont typeface="Arial" pitchFamily="34" charset="0"/>
-              <a:buChar char="•"/>
-              <a:defRPr sz="2000" kern="1200">
-                <a:solidFill>
-                  <a:schemeClr val="tx1"/>
-                </a:solidFill>
-                <a:latin typeface="+mn-lt"/>
-                <a:ea typeface="+mn-ea"/>
-                <a:cs typeface="+mn-cs"/>
-              </a:defRPr>
-            </a:lvl9pPr>
-          </a:lstStyle>
-          <a:p>
-            <a:pPr marL="0" indent="0">
-              <a:buFont typeface="Arial" pitchFamily="34" charset="0"/>
-              <a:buNone/>
-            </a:pPr>
-            <a:endParaRPr lang="en-US" sz="2800" dirty="0">
-              <a:gradFill>
-                <a:gsLst>
-                  <a:gs pos="1250">
-                    <a:schemeClr val="tx1"/>
-                  </a:gs>
-                  <a:gs pos="100000">
-                    <a:schemeClr val="tx1"/>
-                  </a:gs>
-                </a:gsLst>
-                <a:lin ang="5400000" scaled="0"/>
-              </a:gradFill>
-              <a:latin typeface="+mj-lt"/>
-              <a:cs typeface="+mn-cs"/>
-            </a:endParaRPr>
-          </a:p>
-          <a:p>
-            <a:pPr marL="0" indent="0">
-              <a:buFont typeface="Arial" pitchFamily="34" charset="0"/>
-              <a:buNone/>
-            </a:pPr>
-            <a:r>
-              <a:rPr lang="en-US" sz="2800" dirty="0" smtClean="0">
-                <a:gradFill>
-                  <a:gsLst>
-                    <a:gs pos="1250">
-                      <a:schemeClr val="tx1"/>
-                    </a:gs>
-                    <a:gs pos="100000">
-                      <a:schemeClr val="tx1"/>
-                    </a:gs>
-                  </a:gsLst>
-                  <a:lin ang="5400000" scaled="0"/>
-                </a:gradFill>
-                <a:latin typeface="+mj-lt"/>
-                <a:cs typeface="+mn-cs"/>
-              </a:rPr>
-              <a:t>Show 2008 map example</a:t>
-            </a:r>
-          </a:p>
-        </p:txBody>
-      </p:sp>
-    </p:spTree>
-    <p:extLst>
-      <p:ext uri="{BB962C8B-B14F-4D97-AF65-F5344CB8AC3E}">
-        <p14:creationId xmlns:p14="http://schemas.microsoft.com/office/powerpoint/2010/main" val="3034934152"/>
-      </p:ext>
-    </p:extLst>
-  </p:cSld>
-  <p:clrMapOvr>
-    <a:masterClrMapping/>
-  </p:clrMapOvr>
-  <p:transition>
-    <p:fade/>
-  </p:transition>
-</p:sld>
-</file>
-
-<file path=ppt/slides/slide41.xml><?xml version="1.0" encoding="utf-8"?>
+<file path=ppt/slides/slide6.xml><?xml version="1.0" encoding="utf-8"?>
 <p:sld xmlns:a="http://schemas.openxmlformats.org/drawingml/2006/main" xmlns:r="http://schemas.openxmlformats.org/officeDocument/2006/relationships" xmlns:p="http://schemas.openxmlformats.org/presentationml/2006/main">
   <p:cSld>
     <p:spTree>
@@ -33013,154 +35530,6 @@
                   </a:schemeClr>
                 </a:solidFill>
               </a:rPr>
-              <a:t>Pull a data set</a:t>
-            </a:r>
-          </a:p>
-          <a:p>
-            <a:r>
-              <a:rPr lang="en-US" dirty="0" smtClean="0">
-                <a:solidFill>
-                  <a:schemeClr val="tx1">
-                    <a:lumMod val="75000"/>
-                  </a:schemeClr>
-                </a:solidFill>
-              </a:rPr>
-              <a:t>Sort and format</a:t>
-            </a:r>
-          </a:p>
-          <a:p>
-            <a:r>
-              <a:rPr lang="en-US" dirty="0" smtClean="0">
-                <a:solidFill>
-                  <a:schemeClr val="tx1">
-                    <a:lumMod val="75000"/>
-                  </a:schemeClr>
-                </a:solidFill>
-              </a:rPr>
-              <a:t>Create chart</a:t>
-            </a:r>
-          </a:p>
-          <a:p>
-            <a:r>
-              <a:rPr lang="en-US" dirty="0" smtClean="0">
-                <a:solidFill>
-                  <a:schemeClr val="tx1">
-                    <a:lumMod val="75000"/>
-                  </a:schemeClr>
-                </a:solidFill>
-              </a:rPr>
-              <a:t>Format into visualization</a:t>
-            </a:r>
-            <a:endParaRPr lang="en-US" dirty="0">
-              <a:solidFill>
-                <a:schemeClr val="tx1">
-                  <a:lumMod val="75000"/>
-                </a:schemeClr>
-              </a:solidFill>
-            </a:endParaRPr>
-          </a:p>
-        </p:txBody>
-      </p:sp>
-      <p:sp>
-        <p:nvSpPr>
-          <p:cNvPr id="5" name="Title 4"/>
-          <p:cNvSpPr>
-            <a:spLocks noGrp="1"/>
-          </p:cNvSpPr>
-          <p:nvPr>
-            <p:ph type="ctrTitle"/>
-          </p:nvPr>
-        </p:nvSpPr>
-        <p:spPr/>
-        <p:txBody>
-          <a:bodyPr/>
-          <a:lstStyle/>
-          <a:p>
-            <a:r>
-              <a:rPr lang="en-US" dirty="0" smtClean="0"/>
-              <a:t>Lab 1</a:t>
-            </a:r>
-            <a:endParaRPr lang="en-US" dirty="0"/>
-          </a:p>
-        </p:txBody>
-      </p:sp>
-    </p:spTree>
-    <p:extLst>
-      <p:ext uri="{BB962C8B-B14F-4D97-AF65-F5344CB8AC3E}">
-        <p14:creationId xmlns:p14="http://schemas.microsoft.com/office/powerpoint/2010/main" val="1662834326"/>
-      </p:ext>
-    </p:extLst>
-  </p:cSld>
-  <p:clrMapOvr>
-    <a:masterClrMapping/>
-  </p:clrMapOvr>
-  <mc:AlternateContent xmlns:mc="http://schemas.openxmlformats.org/markup-compatibility/2006" xmlns:p14="http://schemas.microsoft.com/office/powerpoint/2010/main">
-    <mc:Choice Requires="p14">
-      <p:transition spd="med" p14:dur="700">
-        <p:fade/>
-      </p:transition>
-    </mc:Choice>
-    <mc:Fallback xmlns="">
-      <p:transition spd="med">
-        <p:fade/>
-      </p:transition>
-    </mc:Fallback>
-  </mc:AlternateContent>
-  <p:timing>
-    <p:tnLst>
-      <p:par>
-        <p:cTn id="1" dur="indefinite" restart="never" nodeType="tmRoot"/>
-      </p:par>
-    </p:tnLst>
-  </p:timing>
-</p:sld>
-</file>
-
-<file path=ppt/slides/slide5.xml><?xml version="1.0" encoding="utf-8"?>
-<p:sld xmlns:a="http://schemas.openxmlformats.org/drawingml/2006/main" xmlns:r="http://schemas.openxmlformats.org/officeDocument/2006/relationships" xmlns:p="http://schemas.openxmlformats.org/presentationml/2006/main">
-  <p:cSld>
-    <p:spTree>
-      <p:nvGrpSpPr>
-        <p:cNvPr id="1" name=""/>
-        <p:cNvGrpSpPr/>
-        <p:nvPr/>
-      </p:nvGrpSpPr>
-      <p:grpSpPr>
-        <a:xfrm>
-          <a:off x="0" y="0"/>
-          <a:ext cx="0" cy="0"/>
-          <a:chOff x="0" y="0"/>
-          <a:chExt cx="0" cy="0"/>
-        </a:xfrm>
-      </p:grpSpPr>
-      <p:sp>
-        <p:nvSpPr>
-          <p:cNvPr id="2" name="Text Placeholder 1"/>
-          <p:cNvSpPr>
-            <a:spLocks noGrp="1"/>
-          </p:cNvSpPr>
-          <p:nvPr>
-            <p:ph type="body" sz="quarter" idx="15"/>
-          </p:nvPr>
-        </p:nvSpPr>
-        <p:spPr>
-          <a:xfrm>
-            <a:off x="4846638" y="2049462"/>
-            <a:ext cx="7315203" cy="2819400"/>
-          </a:xfrm>
-        </p:spPr>
-        <p:txBody>
-          <a:bodyPr/>
-          <a:lstStyle/>
-          <a:p>
-            <a:r>
-              <a:rPr lang="en-US" dirty="0" smtClean="0">
-                <a:solidFill>
-                  <a:schemeClr val="tx1">
-                    <a:lumMod val="75000"/>
-                  </a:schemeClr>
-                </a:solidFill>
-              </a:rPr>
               <a:t>Introduction to Data Visualization</a:t>
             </a:r>
           </a:p>
@@ -33264,7 +35633,7 @@
 </p:sld>
 </file>
 
-<file path=ppt/slides/slide6.xml><?xml version="1.0" encoding="utf-8"?>
+<file path=ppt/slides/slide7.xml><?xml version="1.0" encoding="utf-8"?>
 <p:sld xmlns:a="http://schemas.openxmlformats.org/drawingml/2006/main" xmlns:r="http://schemas.openxmlformats.org/officeDocument/2006/relationships" xmlns:p="http://schemas.openxmlformats.org/presentationml/2006/main">
   <p:cSld>
     <p:spTree>
@@ -33361,7 +35730,87 @@
 </p:sld>
 </file>
 
-<file path=ppt/slides/slide7.xml><?xml version="1.0" encoding="utf-8"?>
+<file path=ppt/slides/slide8.xml><?xml version="1.0" encoding="utf-8"?>
+<p:sld xmlns:a="http://schemas.openxmlformats.org/drawingml/2006/main" xmlns:r="http://schemas.openxmlformats.org/officeDocument/2006/relationships" xmlns:p="http://schemas.openxmlformats.org/presentationml/2006/main">
+  <p:cSld>
+    <p:spTree>
+      <p:nvGrpSpPr>
+        <p:cNvPr id="1" name=""/>
+        <p:cNvGrpSpPr/>
+        <p:nvPr/>
+      </p:nvGrpSpPr>
+      <p:grpSpPr>
+        <a:xfrm>
+          <a:off x="0" y="0"/>
+          <a:ext cx="0" cy="0"/>
+          <a:chOff x="0" y="0"/>
+          <a:chExt cx="0" cy="0"/>
+        </a:xfrm>
+      </p:grpSpPr>
+      <p:sp>
+        <p:nvSpPr>
+          <p:cNvPr id="4" name="Title 3"/>
+          <p:cNvSpPr>
+            <a:spLocks noGrp="1"/>
+          </p:cNvSpPr>
+          <p:nvPr>
+            <p:ph type="title"/>
+          </p:nvPr>
+        </p:nvSpPr>
+        <p:spPr/>
+        <p:txBody>
+          <a:bodyPr/>
+          <a:lstStyle/>
+          <a:p>
+            <a:r>
+              <a:rPr lang="en-US" dirty="0" smtClean="0"/>
+              <a:t>We Are Not Good At Numbers</a:t>
+            </a:r>
+            <a:endParaRPr lang="en-US" dirty="0"/>
+          </a:p>
+        </p:txBody>
+      </p:sp>
+      <p:pic>
+        <p:nvPicPr>
+          <p:cNvPr id="2" name="Picture 1"/>
+          <p:cNvPicPr>
+            <a:picLocks noChangeAspect="1"/>
+          </p:cNvPicPr>
+          <p:nvPr/>
+        </p:nvPicPr>
+        <p:blipFill>
+          <a:blip r:embed="rId2"/>
+          <a:stretch>
+            <a:fillRect/>
+          </a:stretch>
+        </p:blipFill>
+        <p:spPr>
+          <a:xfrm>
+            <a:off x="2142721" y="1439862"/>
+            <a:ext cx="8153400" cy="4537979"/>
+          </a:xfrm>
+          <a:prstGeom prst="rect">
+            <a:avLst/>
+          </a:prstGeom>
+        </p:spPr>
+      </p:pic>
+    </p:spTree>
+    <p:extLst>
+      <p:ext uri="{BB962C8B-B14F-4D97-AF65-F5344CB8AC3E}">
+        <p14:creationId xmlns:p14="http://schemas.microsoft.com/office/powerpoint/2010/main" val="2627752642"/>
+      </p:ext>
+    </p:extLst>
+  </p:cSld>
+  <p:clrMapOvr>
+    <a:masterClrMapping/>
+  </p:clrMapOvr>
+  <p:transition>
+    <p:fade/>
+  </p:transition>
+</p:sld>
+</file>
+
+<file path=ppt/slides/slide9.xml><?xml version="1.0" encoding="utf-8"?>
 <p:sld xmlns:a="http://schemas.openxmlformats.org/drawingml/2006/main" xmlns:r="http://schemas.openxmlformats.org/officeDocument/2006/relationships" xmlns:p="http://schemas.openxmlformats.org/presentationml/2006/main">
   <p:cSld>
     <p:spTree>
@@ -33469,360 +35918,6 @@
     <p:extLst>
       <p:ext uri="{BB962C8B-B14F-4D97-AF65-F5344CB8AC3E}">
         <p14:creationId xmlns:p14="http://schemas.microsoft.com/office/powerpoint/2010/main" val="2310371424"/>
-      </p:ext>
-    </p:extLst>
-  </p:cSld>
-  <p:clrMapOvr>
-    <a:masterClrMapping/>
-  </p:clrMapOvr>
-  <p:transition>
-    <p:fade/>
-  </p:transition>
-</p:sld>
-</file>
-
-<file path=ppt/slides/slide8.xml><?xml version="1.0" encoding="utf-8"?>
-<p:sld xmlns:a="http://schemas.openxmlformats.org/drawingml/2006/main" xmlns:r="http://schemas.openxmlformats.org/officeDocument/2006/relationships" xmlns:p="http://schemas.openxmlformats.org/presentationml/2006/main">
-  <p:cSld>
-    <p:spTree>
-      <p:nvGrpSpPr>
-        <p:cNvPr id="1" name=""/>
-        <p:cNvGrpSpPr/>
-        <p:nvPr/>
-      </p:nvGrpSpPr>
-      <p:grpSpPr>
-        <a:xfrm>
-          <a:off x="0" y="0"/>
-          <a:ext cx="0" cy="0"/>
-          <a:chOff x="0" y="0"/>
-          <a:chExt cx="0" cy="0"/>
-        </a:xfrm>
-      </p:grpSpPr>
-      <p:sp>
-        <p:nvSpPr>
-          <p:cNvPr id="4" name="Title 3"/>
-          <p:cNvSpPr>
-            <a:spLocks noGrp="1"/>
-          </p:cNvSpPr>
-          <p:nvPr>
-            <p:ph type="title"/>
-          </p:nvPr>
-        </p:nvSpPr>
-        <p:spPr/>
-        <p:txBody>
-          <a:bodyPr/>
-          <a:lstStyle/>
-          <a:p>
-            <a:r>
-              <a:rPr lang="en-US" dirty="0" smtClean="0"/>
-              <a:t>Swimming in Data</a:t>
-            </a:r>
-            <a:endParaRPr lang="en-US" dirty="0"/>
-          </a:p>
-        </p:txBody>
-      </p:sp>
-      <p:pic>
-        <p:nvPicPr>
-          <p:cNvPr id="5" name="Picture 3"/>
-          <p:cNvPicPr>
-            <a:picLocks noChangeAspect="1" noChangeArrowheads="1"/>
-          </p:cNvPicPr>
-          <p:nvPr/>
-        </p:nvPicPr>
-        <p:blipFill>
-          <a:blip r:embed="rId2">
-            <a:extLst>
-              <a:ext uri="{28A0092B-C50C-407E-A947-70E740481C1C}">
-                <a14:useLocalDpi xmlns:a14="http://schemas.microsoft.com/office/drawing/2010/main" val="0"/>
-              </a:ext>
-            </a:extLst>
-          </a:blip>
-          <a:srcRect/>
-          <a:stretch>
-            <a:fillRect/>
-          </a:stretch>
-        </p:blipFill>
-        <p:spPr bwMode="auto">
-          <a:xfrm>
-            <a:off x="274639" y="1510731"/>
-            <a:ext cx="3886200" cy="4735062"/>
-          </a:xfrm>
-          <a:prstGeom prst="rect">
-            <a:avLst/>
-          </a:prstGeom>
-          <a:noFill/>
-          <a:ln>
-            <a:noFill/>
-          </a:ln>
-          <a:effectLst/>
-          <a:extLst>
-            <a:ext uri="{909E8E84-426E-40DD-AFC4-6F175D3DCCD1}">
-              <a14:hiddenFill xmlns:a14="http://schemas.microsoft.com/office/drawing/2010/main">
-                <a:solidFill>
-                  <a:schemeClr val="accent1"/>
-                </a:solidFill>
-              </a14:hiddenFill>
-            </a:ext>
-            <a:ext uri="{91240B29-F687-4F45-9708-019B960494DF}">
-              <a14:hiddenLine xmlns:a14="http://schemas.microsoft.com/office/drawing/2010/main" w="9525">
-                <a:solidFill>
-                  <a:schemeClr val="tx1"/>
-                </a:solidFill>
-                <a:miter lim="800000"/>
-                <a:headEnd/>
-                <a:tailEnd/>
-              </a14:hiddenLine>
-            </a:ext>
-            <a:ext uri="{AF507438-7753-43E0-B8FC-AC1667EBCBE1}">
-              <a14:hiddenEffects xmlns:a14="http://schemas.microsoft.com/office/drawing/2010/main">
-                <a:effectLst>
-                  <a:outerShdw dist="35921" dir="2700000" algn="ctr" rotWithShape="0">
-                    <a:schemeClr val="bg2"/>
-                  </a:outerShdw>
-                </a:effectLst>
-              </a14:hiddenEffects>
-            </a:ext>
-          </a:extLst>
-        </p:spPr>
-      </p:pic>
-      <p:sp>
-        <p:nvSpPr>
-          <p:cNvPr id="6" name="Right Arrow 5"/>
-          <p:cNvSpPr/>
-          <p:nvPr/>
-        </p:nvSpPr>
-        <p:spPr>
-          <a:xfrm>
-            <a:off x="3410078" y="3344862"/>
-            <a:ext cx="1501521" cy="1066800"/>
-          </a:xfrm>
-          <a:prstGeom prst="rightArrow">
-            <a:avLst/>
-          </a:prstGeom>
-          <a:solidFill>
-            <a:schemeClr val="tx2">
-              <a:lumMod val="40000"/>
-              <a:lumOff val="60000"/>
-              <a:alpha val="83000"/>
-            </a:schemeClr>
-          </a:solidFill>
-          <a:ln w="12700">
-            <a:solidFill>
-              <a:schemeClr val="bg1">
-                <a:lumMod val="75000"/>
-              </a:schemeClr>
-            </a:solidFill>
-          </a:ln>
-        </p:spPr>
-        <p:style>
-          <a:lnRef idx="2">
-            <a:schemeClr val="accent1">
-              <a:shade val="50000"/>
-            </a:schemeClr>
-          </a:lnRef>
-          <a:fillRef idx="1">
-            <a:schemeClr val="accent1"/>
-          </a:fillRef>
-          <a:effectRef idx="0">
-            <a:schemeClr val="accent1"/>
-          </a:effectRef>
-          <a:fontRef idx="minor">
-            <a:schemeClr val="lt1"/>
-          </a:fontRef>
-        </p:style>
-        <p:txBody>
-          <a:bodyPr rtlCol="0" anchor="ctr"/>
-          <a:lstStyle/>
-          <a:p>
-            <a:pPr algn="ctr"/>
-            <a:endParaRPr lang="en-US"/>
-          </a:p>
-        </p:txBody>
-      </p:sp>
-      <p:pic>
-        <p:nvPicPr>
-          <p:cNvPr id="8" name="Picture 4"/>
-          <p:cNvPicPr>
-            <a:picLocks noChangeAspect="1" noChangeArrowheads="1"/>
-          </p:cNvPicPr>
-          <p:nvPr/>
-        </p:nvPicPr>
-        <p:blipFill>
-          <a:blip r:embed="rId3" cstate="print">
-            <a:extLst>
-              <a:ext uri="{28A0092B-C50C-407E-A947-70E740481C1C}">
-                <a14:useLocalDpi xmlns:a14="http://schemas.microsoft.com/office/drawing/2010/main" val="0"/>
-              </a:ext>
-            </a:extLst>
-          </a:blip>
-          <a:srcRect/>
-          <a:stretch>
-            <a:fillRect/>
-          </a:stretch>
-        </p:blipFill>
-        <p:spPr bwMode="auto">
-          <a:xfrm>
-            <a:off x="5151437" y="1510731"/>
-            <a:ext cx="7141305" cy="4876800"/>
-          </a:xfrm>
-          <a:prstGeom prst="rect">
-            <a:avLst/>
-          </a:prstGeom>
-          <a:noFill/>
-          <a:ln>
-            <a:noFill/>
-          </a:ln>
-          <a:effectLst/>
-          <a:extLst>
-            <a:ext uri="{909E8E84-426E-40DD-AFC4-6F175D3DCCD1}">
-              <a14:hiddenFill xmlns:a14="http://schemas.microsoft.com/office/drawing/2010/main">
-                <a:solidFill>
-                  <a:schemeClr val="accent1"/>
-                </a:solidFill>
-              </a14:hiddenFill>
-            </a:ext>
-            <a:ext uri="{91240B29-F687-4F45-9708-019B960494DF}">
-              <a14:hiddenLine xmlns:a14="http://schemas.microsoft.com/office/drawing/2010/main" w="9525">
-                <a:solidFill>
-                  <a:schemeClr val="tx1"/>
-                </a:solidFill>
-                <a:miter lim="800000"/>
-                <a:headEnd/>
-                <a:tailEnd/>
-              </a14:hiddenLine>
-            </a:ext>
-            <a:ext uri="{AF507438-7753-43E0-B8FC-AC1667EBCBE1}">
-              <a14:hiddenEffects xmlns:a14="http://schemas.microsoft.com/office/drawing/2010/main">
-                <a:effectLst>
-                  <a:outerShdw dist="35921" dir="2700000" algn="ctr" rotWithShape="0">
-                    <a:schemeClr val="bg2"/>
-                  </a:outerShdw>
-                </a:effectLst>
-              </a14:hiddenEffects>
-            </a:ext>
-          </a:extLst>
-        </p:spPr>
-      </p:pic>
-    </p:spTree>
-    <p:extLst>
-      <p:ext uri="{BB962C8B-B14F-4D97-AF65-F5344CB8AC3E}">
-        <p14:creationId xmlns:p14="http://schemas.microsoft.com/office/powerpoint/2010/main" val="1640448715"/>
-      </p:ext>
-    </p:extLst>
-  </p:cSld>
-  <p:clrMapOvr>
-    <a:masterClrMapping/>
-  </p:clrMapOvr>
-  <p:transition>
-    <p:fade/>
-  </p:transition>
-</p:sld>
-</file>
-
-<file path=ppt/slides/slide9.xml><?xml version="1.0" encoding="utf-8"?>
-<p:sld xmlns:a="http://schemas.openxmlformats.org/drawingml/2006/main" xmlns:r="http://schemas.openxmlformats.org/officeDocument/2006/relationships" xmlns:p="http://schemas.openxmlformats.org/presentationml/2006/main">
-  <p:cSld>
-    <p:spTree>
-      <p:nvGrpSpPr>
-        <p:cNvPr id="1" name=""/>
-        <p:cNvGrpSpPr/>
-        <p:nvPr/>
-      </p:nvGrpSpPr>
-      <p:grpSpPr>
-        <a:xfrm>
-          <a:off x="0" y="0"/>
-          <a:ext cx="0" cy="0"/>
-          <a:chOff x="0" y="0"/>
-          <a:chExt cx="0" cy="0"/>
-        </a:xfrm>
-      </p:grpSpPr>
-      <p:sp>
-        <p:nvSpPr>
-          <p:cNvPr id="2" name="Title 1"/>
-          <p:cNvSpPr>
-            <a:spLocks noGrp="1"/>
-          </p:cNvSpPr>
-          <p:nvPr>
-            <p:ph type="title"/>
-          </p:nvPr>
-        </p:nvSpPr>
-        <p:spPr/>
-        <p:txBody>
-          <a:bodyPr/>
-          <a:lstStyle/>
-          <a:p>
-            <a:endParaRPr lang="en-US"/>
-          </a:p>
-        </p:txBody>
-      </p:sp>
-      <p:pic>
-        <p:nvPicPr>
-          <p:cNvPr id="7" name="Picture 2"/>
-          <p:cNvPicPr>
-            <a:picLocks noChangeAspect="1" noChangeArrowheads="1"/>
-          </p:cNvPicPr>
-          <p:nvPr/>
-        </p:nvPicPr>
-        <p:blipFill>
-          <a:blip r:embed="rId2">
-            <a:extLst>
-              <a:ext uri="{28A0092B-C50C-407E-A947-70E740481C1C}">
-                <a14:useLocalDpi xmlns:a14="http://schemas.microsoft.com/office/drawing/2010/main" val="0"/>
-              </a:ext>
-            </a:extLst>
-          </a:blip>
-          <a:srcRect/>
-          <a:stretch>
-            <a:fillRect/>
-          </a:stretch>
-        </p:blipFill>
-        <p:spPr bwMode="auto">
-          <a:xfrm>
-            <a:off x="718643" y="0"/>
-            <a:ext cx="11001555" cy="7023314"/>
-          </a:xfrm>
-          <a:prstGeom prst="rect">
-            <a:avLst/>
-          </a:prstGeom>
-          <a:noFill/>
-          <a:ln>
-            <a:noFill/>
-          </a:ln>
-          <a:effectLst/>
-          <a:extLst>
-            <a:ext uri="{909E8E84-426E-40DD-AFC4-6F175D3DCCD1}">
-              <a14:hiddenFill xmlns:a14="http://schemas.microsoft.com/office/drawing/2010/main">
-                <a:solidFill>
-                  <a:schemeClr val="accent1"/>
-                </a:solidFill>
-              </a14:hiddenFill>
-            </a:ext>
-            <a:ext uri="{91240B29-F687-4F45-9708-019B960494DF}">
-              <a14:hiddenLine xmlns:a14="http://schemas.microsoft.com/office/drawing/2010/main" w="9525">
-                <a:solidFill>
-                  <a:schemeClr val="tx1"/>
-                </a:solidFill>
-                <a:miter lim="800000"/>
-                <a:headEnd/>
-                <a:tailEnd/>
-              </a14:hiddenLine>
-            </a:ext>
-            <a:ext uri="{AF507438-7753-43E0-B8FC-AC1667EBCBE1}">
-              <a14:hiddenEffects xmlns:a14="http://schemas.microsoft.com/office/drawing/2010/main">
-                <a:effectLst>
-                  <a:outerShdw dist="35921" dir="2700000" algn="ctr" rotWithShape="0">
-                    <a:schemeClr val="bg2"/>
-                  </a:outerShdw>
-                </a:effectLst>
-              </a14:hiddenEffects>
-            </a:ext>
-          </a:extLst>
-        </p:spPr>
-      </p:pic>
-    </p:spTree>
-    <p:extLst>
-      <p:ext uri="{BB962C8B-B14F-4D97-AF65-F5344CB8AC3E}">
-        <p14:creationId xmlns:p14="http://schemas.microsoft.com/office/powerpoint/2010/main" val="85946107"/>
       </p:ext>
     </p:extLst>
   </p:cSld>
@@ -35365,15 +37460,6 @@
 </file>
 
 <file path=customXml/item2.xml><?xml version="1.0" encoding="utf-8"?>
-<?mso-contentType ?>
-<FormTemplates xmlns="http://schemas.microsoft.com/sharepoint/v3/contenttype/forms">
-  <Display>DocumentLibraryForm</Display>
-  <Edit>DocumentLibraryForm</Edit>
-  <New>DocumentLibraryForm</New>
-</FormTemplates>
-</file>
-
-<file path=customXml/item3.xml><?xml version="1.0" encoding="utf-8"?>
 <ct:contentTypeSchema xmlns:ct="http://schemas.microsoft.com/office/2006/metadata/contentType" xmlns:ma="http://schemas.microsoft.com/office/2006/metadata/properties/metaAttributes" ct:_="" ma:_="" ma:contentTypeName="PresentationsDoc" ma:contentTypeID="0x01010046EBBE4F454C2C47A5E89CD935B1FC7800E83BCD34BAE21044A0567CF64FDFDE54" ma:contentTypeVersion="5" ma:contentTypeDescription="Create a new document." ma:contentTypeScope="" ma:versionID="9f49739d1da212619d044bf1bfa27251">
   <xsd:schema xmlns:xsd="http://www.w3.org/2001/XMLSchema" xmlns:xs="http://www.w3.org/2001/XMLSchema" xmlns:p="http://schemas.microsoft.com/office/2006/metadata/properties" xmlns:ns1="http://schemas.microsoft.com/sharepoint/v3" xmlns:ns2="12a172fe-0250-434a-85cf-03b10810c5e5" xmlns:ns3="230e9df3-be65-4c73-a93b-d1236ebd677e" targetNamespace="http://schemas.microsoft.com/office/2006/metadata/properties" ma:root="true" ma:fieldsID="d1ec06fbcf9feb71c233288b468d8e39" ns1:_="" ns2:_="" ns3:_="">
     <xsd:import namespace="http://schemas.microsoft.com/sharepoint/v3"/>
@@ -35709,6 +37795,15 @@
 </ct:contentTypeSchema>
 </file>
 
+<file path=customXml/item3.xml><?xml version="1.0" encoding="utf-8"?>
+<?mso-contentType ?>
+<FormTemplates xmlns="http://schemas.microsoft.com/sharepoint/v3/contenttype/forms">
+  <Display>DocumentLibraryForm</Display>
+  <Edit>DocumentLibraryForm</Edit>
+  <New>DocumentLibraryForm</New>
+</FormTemplates>
+</file>
+
 <file path=customXml/itemProps1.xml><?xml version="1.0" encoding="utf-8"?>
 <ds:datastoreItem xmlns:ds="http://schemas.openxmlformats.org/officeDocument/2006/customXml" ds:itemID="{F990F116-B58F-4255-B05B-DA3808E0E5C6}">
   <ds:schemaRefs>
@@ -35728,14 +37823,6 @@
 </file>
 
 <file path=customXml/itemProps2.xml><?xml version="1.0" encoding="utf-8"?>
-<ds:datastoreItem xmlns:ds="http://schemas.openxmlformats.org/officeDocument/2006/customXml" ds:itemID="{758FDAC0-319D-4A54-8D8E-1D42CB1F8004}">
-  <ds:schemaRefs>
-    <ds:schemaRef ds:uri="http://schemas.microsoft.com/sharepoint/v3/contenttype/forms"/>
-  </ds:schemaRefs>
-</ds:datastoreItem>
-</file>
-
-<file path=customXml/itemProps3.xml><?xml version="1.0" encoding="utf-8"?>
 <ds:datastoreItem xmlns:ds="http://schemas.openxmlformats.org/officeDocument/2006/customXml" ds:itemID="{99E0065C-627B-42FD-A7AD-D2ABAFAC7E7D}">
   <ds:schemaRefs>
     <ds:schemaRef ds:uri="http://schemas.microsoft.com/office/2006/metadata/contentType"/>
@@ -35754,4 +37841,12 @@
     <ds:schemaRef ds:uri="http://schemas.microsoft.com/internal/obd"/>
   </ds:schemaRefs>
 </ds:datastoreItem>
+</file>
+
+<file path=customXml/itemProps3.xml><?xml version="1.0" encoding="utf-8"?>
+<ds:datastoreItem xmlns:ds="http://schemas.openxmlformats.org/officeDocument/2006/customXml" ds:itemID="{758FDAC0-319D-4A54-8D8E-1D42CB1F8004}">
+  <ds:schemaRefs>
+    <ds:schemaRef ds:uri="http://schemas.microsoft.com/sharepoint/v3/contenttype/forms"/>
+  </ds:schemaRefs>
+</ds:datastoreItem>
 </file>